--- a/y-yabust_pbl_20231006.pptx
+++ b/y-yabust_pbl_20231006.pptx
@@ -5,15 +5,21 @@
     <p:sldMasterId id="2147483660" r:id="rId4"/>
   </p:sldMasterIdLst>
   <p:notesMasterIdLst>
-    <p:notesMasterId r:id="rId11"/>
+    <p:notesMasterId r:id="rId17"/>
   </p:notesMasterIdLst>
   <p:sldIdLst>
     <p:sldId id="256" r:id="rId5"/>
-    <p:sldId id="306" r:id="rId6"/>
-    <p:sldId id="263" r:id="rId7"/>
-    <p:sldId id="270" r:id="rId8"/>
-    <p:sldId id="271" r:id="rId9"/>
-    <p:sldId id="288" r:id="rId10"/>
+    <p:sldId id="304" r:id="rId6"/>
+    <p:sldId id="303" r:id="rId7"/>
+    <p:sldId id="307" r:id="rId8"/>
+    <p:sldId id="309" r:id="rId9"/>
+    <p:sldId id="310" r:id="rId10"/>
+    <p:sldId id="301" r:id="rId11"/>
+    <p:sldId id="306" r:id="rId12"/>
+    <p:sldId id="263" r:id="rId13"/>
+    <p:sldId id="270" r:id="rId14"/>
+    <p:sldId id="271" r:id="rId15"/>
+    <p:sldId id="288" r:id="rId16"/>
   </p:sldIdLst>
   <p:sldSz cx="9144000" cy="6858000" type="screen4x3"/>
   <p:notesSz cx="6858000" cy="9144000"/>
@@ -553,103 +559,24 @@
           <a:lstStyle/>
           <a:p>
             <a:r>
-              <a:rPr kumimoji="1" lang="en-US" altLang="ja-JP"/>
-              <a:t>cc</a:t>
-            </a:r>
-            <a:r>
               <a:rPr kumimoji="1" lang="ja-JP" altLang="en-US"/>
-              <a:t>という手法を</a:t>
-            </a:r>
-            <a:r>
-              <a:rPr kumimoji="1" lang="en-US" altLang="ja-JP"/>
-              <a:t>pbl-b</a:t>
-            </a:r>
+              <a:t>約２ヶ月間隔空く</a:t>
+            </a:r>
+            <a:endParaRPr kumimoji="1" lang="en-US" altLang="ja-JP"/>
+          </a:p>
+          <a:p>
             <a:r>
               <a:rPr kumimoji="1" lang="ja-JP" altLang="en-US"/>
-              <a:t>に取り入れる</a:t>
+              <a:t>自分たちのプログラムの強さが不明瞭な状態での開発</a:t>
             </a:r>
             <a:endParaRPr kumimoji="1" lang="en-US" altLang="ja-JP"/>
           </a:p>
           <a:p>
             <a:r>
-              <a:rPr kumimoji="1" lang="en-US" altLang="ja-JP"/>
-              <a:t>cc</a:t>
-            </a:r>
-            <a:r>
               <a:rPr kumimoji="1" lang="ja-JP" altLang="en-US"/>
-              <a:t>は</a:t>
-            </a:r>
-            <a:r>
-              <a:rPr kumimoji="1" lang="en-US" altLang="ja-JP"/>
-              <a:t>continuous competition</a:t>
-            </a:r>
-            <a:r>
-              <a:rPr kumimoji="1" lang="ja-JP" altLang="en-US"/>
-              <a:t>の略で継続的競争という意味の英語の頭文字をとっている</a:t>
+              <a:t>何が言いたいかというと</a:t>
             </a:r>
             <a:endParaRPr kumimoji="1" lang="en-US" altLang="ja-JP"/>
-          </a:p>
-          <a:p>
-            <a:r>
-              <a:rPr kumimoji="1" lang="ja-JP" altLang="en-US"/>
-              <a:t>よく野球とかサッカーとかのリーグ戦に用いられる手法</a:t>
-            </a:r>
-            <a:endParaRPr kumimoji="1" lang="en-US" altLang="ja-JP"/>
-          </a:p>
-          <a:p>
-            <a:endParaRPr kumimoji="1" lang="en-US" altLang="ja-JP"/>
-          </a:p>
-          <a:p>
-            <a:pPr marL="0" marR="0" lvl="0" indent="0" algn="l" defTabSz="914400" rtl="0" eaLnBrk="1" fontAlgn="auto" latinLnBrk="0" hangingPunct="1">
-              <a:lnSpc>
-                <a:spcPct val="100000"/>
-              </a:lnSpc>
-              <a:spcBef>
-                <a:spcPts val="0"/>
-              </a:spcBef>
-              <a:spcAft>
-                <a:spcPts val="0"/>
-              </a:spcAft>
-              <a:buClrTx/>
-              <a:buSzTx/>
-              <a:buFontTx/>
-              <a:buNone/>
-              <a:tabLst/>
-              <a:defRPr/>
-            </a:pPr>
-            <a:r>
-              <a:rPr kumimoji="1" lang="ja-JP" altLang="en-US"/>
-              <a:t>能動的な行動はいらない</a:t>
-            </a:r>
-            <a:endParaRPr kumimoji="1" lang="en-US" altLang="ja-JP"/>
-          </a:p>
-          <a:p>
-            <a:endParaRPr kumimoji="1" lang="en-US" altLang="ja-JP"/>
-          </a:p>
-          <a:p>
-            <a:r>
-              <a:rPr kumimoji="1" lang="ja-JP" altLang="en-US"/>
-              <a:t>波線の左側のみが学生が把握しておくべき行動</a:t>
-            </a:r>
-            <a:endParaRPr kumimoji="1" lang="en-US" altLang="ja-JP"/>
-          </a:p>
-          <a:p>
-            <a:r>
-              <a:rPr kumimoji="1" lang="en-US" altLang="ja-JP"/>
-              <a:t>solo</a:t>
-            </a:r>
-            <a:r>
-              <a:rPr kumimoji="1" lang="ja-JP" altLang="en-US"/>
-              <a:t>であればこちらが用意した環境で，</a:t>
-            </a:r>
-            <a:r>
-              <a:rPr kumimoji="1" lang="en-US" altLang="ja-JP"/>
-              <a:t>duel</a:t>
-            </a:r>
-            <a:r>
-              <a:rPr kumimoji="1" lang="ja-JP" altLang="en-US"/>
-              <a:t>であれば他のグループと対戦</a:t>
-            </a:r>
           </a:p>
         </p:txBody>
       </p:sp>
@@ -679,7 +606,102 @@
     </p:spTree>
     <p:extLst>
       <p:ext uri="{BB962C8B-B14F-4D97-AF65-F5344CB8AC3E}">
-        <p14:creationId xmlns:p14="http://schemas.microsoft.com/office/powerpoint/2010/main" val="458738378"/>
+        <p14:creationId xmlns:p14="http://schemas.microsoft.com/office/powerpoint/2010/main" val="645963242"/>
+      </p:ext>
+    </p:extLst>
+  </p:cSld>
+  <p:clrMapOvr>
+    <a:masterClrMapping/>
+  </p:clrMapOvr>
+</p:notes>
+</file>
+
+<file path=ppt/notesSlides/notesSlide10.xml><?xml version="1.0" encoding="utf-8"?>
+<p:notes xmlns:a="http://schemas.openxmlformats.org/drawingml/2006/main" xmlns:r="http://schemas.openxmlformats.org/officeDocument/2006/relationships" xmlns:p="http://schemas.openxmlformats.org/presentationml/2006/main">
+  <p:cSld>
+    <p:spTree>
+      <p:nvGrpSpPr>
+        <p:cNvPr id="1" name=""/>
+        <p:cNvGrpSpPr/>
+        <p:nvPr/>
+      </p:nvGrpSpPr>
+      <p:grpSpPr>
+        <a:xfrm>
+          <a:off x="0" y="0"/>
+          <a:ext cx="0" cy="0"/>
+          <a:chOff x="0" y="0"/>
+          <a:chExt cx="0" cy="0"/>
+        </a:xfrm>
+      </p:grpSpPr>
+      <p:sp>
+        <p:nvSpPr>
+          <p:cNvPr id="2" name="スライド イメージ プレースホルダー 1"/>
+          <p:cNvSpPr>
+            <a:spLocks noGrp="1" noRot="1" noChangeAspect="1"/>
+          </p:cNvSpPr>
+          <p:nvPr>
+            <p:ph type="sldImg"/>
+          </p:nvPr>
+        </p:nvSpPr>
+        <p:spPr/>
+      </p:sp>
+      <p:sp>
+        <p:nvSpPr>
+          <p:cNvPr id="3" name="ノート プレースホルダー 2"/>
+          <p:cNvSpPr>
+            <a:spLocks noGrp="1"/>
+          </p:cNvSpPr>
+          <p:nvPr>
+            <p:ph type="body" idx="1"/>
+          </p:nvPr>
+        </p:nvSpPr>
+        <p:spPr/>
+        <p:txBody>
+          <a:bodyPr/>
+          <a:lstStyle/>
+          <a:p>
+            <a:r>
+              <a:rPr kumimoji="1" lang="ja-JP" altLang="en-US"/>
+              <a:t>一応対戦会を楽しむために</a:t>
+            </a:r>
+            <a:r>
+              <a:rPr kumimoji="1" lang="en-US" altLang="ja-JP"/>
+              <a:t>2</a:t>
+            </a:r>
+            <a:r>
+              <a:rPr kumimoji="1" lang="ja-JP" altLang="en-US"/>
+              <a:t>週間前まで使えるように</a:t>
+            </a:r>
+          </a:p>
+        </p:txBody>
+      </p:sp>
+      <p:sp>
+        <p:nvSpPr>
+          <p:cNvPr id="4" name="スライド番号プレースホルダー 3"/>
+          <p:cNvSpPr>
+            <a:spLocks noGrp="1"/>
+          </p:cNvSpPr>
+          <p:nvPr>
+            <p:ph type="sldNum" sz="quarter" idx="5"/>
+          </p:nvPr>
+        </p:nvSpPr>
+        <p:spPr/>
+        <p:txBody>
+          <a:bodyPr/>
+          <a:lstStyle/>
+          <a:p>
+            <a:fld id="{78252E88-A73A-9C4C-A63F-AB65EE68B481}" type="slidenum">
+              <a:rPr lang="en-US" altLang="ja-JP"/>
+              <a:t>11</a:t>
+            </a:fld>
+            <a:endParaRPr kumimoji="1" lang="ja-JP" altLang="en-US"/>
+          </a:p>
+        </p:txBody>
+      </p:sp>
+    </p:spTree>
+    <p:extLst>
+      <p:ext uri="{BB962C8B-B14F-4D97-AF65-F5344CB8AC3E}">
+        <p14:creationId xmlns:p14="http://schemas.microsoft.com/office/powerpoint/2010/main" val="2380801542"/>
       </p:ext>
     </p:extLst>
   </p:cSld>
@@ -753,7 +775,8 @@
           <a:lstStyle/>
           <a:p>
             <a:fld id="{78252E88-A73A-9C4C-A63F-AB65EE68B481}" type="slidenum">
-              <a:t>3</a:t>
+              <a:rPr lang="en-US" altLang="ja-JP"/>
+              <a:t>2</a:t>
             </a:fld>
             <a:endParaRPr kumimoji="1" lang="ja-JP" altLang="en-US"/>
           </a:p>
@@ -762,7 +785,7 @@
     </p:spTree>
     <p:extLst>
       <p:ext uri="{BB962C8B-B14F-4D97-AF65-F5344CB8AC3E}">
-        <p14:creationId xmlns:p14="http://schemas.microsoft.com/office/powerpoint/2010/main" val="2832887917"/>
+        <p14:creationId xmlns:p14="http://schemas.microsoft.com/office/powerpoint/2010/main" val="3113196028"/>
       </p:ext>
     </p:extLst>
   </p:cSld>
@@ -818,22 +841,14 @@
           <a:p>
             <a:r>
               <a:rPr kumimoji="1" lang="ja-JP" altLang="en-US"/>
-              <a:t>前回以前の記録も全てリプレイできるのでどんどん</a:t>
-            </a:r>
-            <a:r>
-              <a:rPr kumimoji="1" lang="en-US" altLang="ja-JP"/>
-              <a:t>push</a:t>
-            </a:r>
+              <a:t>皆さんの開発進捗でランキングが更新されるのが見えるとモチベーション上がる</a:t>
+            </a:r>
+            <a:endParaRPr kumimoji="1" lang="en-US" altLang="ja-JP"/>
+          </a:p>
+          <a:p>
             <a:r>
               <a:rPr kumimoji="1" lang="ja-JP" altLang="en-US"/>
-              <a:t>してください</a:t>
-            </a:r>
-            <a:endParaRPr kumimoji="1" lang="en-US" altLang="ja-JP"/>
-          </a:p>
-          <a:p>
-            <a:r>
-              <a:rPr kumimoji="1" lang="ja-JP" altLang="en-US"/>
-              <a:t>結構遡ってリプレイできるようにはしてます</a:t>
+              <a:t>単純に楽しそう</a:t>
             </a:r>
           </a:p>
         </p:txBody>
@@ -855,7 +870,7 @@
           <a:p>
             <a:fld id="{78252E88-A73A-9C4C-A63F-AB65EE68B481}" type="slidenum">
               <a:rPr lang="en-US" altLang="ja-JP"/>
-              <a:t>4</a:t>
+              <a:t>3</a:t>
             </a:fld>
             <a:endParaRPr kumimoji="1" lang="ja-JP" altLang="en-US"/>
           </a:p>
@@ -864,7 +879,7 @@
     </p:spTree>
     <p:extLst>
       <p:ext uri="{BB962C8B-B14F-4D97-AF65-F5344CB8AC3E}">
-        <p14:creationId xmlns:p14="http://schemas.microsoft.com/office/powerpoint/2010/main" val="528407334"/>
+        <p14:creationId xmlns:p14="http://schemas.microsoft.com/office/powerpoint/2010/main" val="1222528361"/>
       </p:ext>
     </p:extLst>
   </p:cSld>
@@ -920,15 +935,108 @@
           <a:p>
             <a:r>
               <a:rPr kumimoji="1" lang="ja-JP" altLang="en-US"/>
-              <a:t>一応対戦会を楽しむために</a:t>
-            </a:r>
-            <a:r>
-              <a:rPr kumimoji="1" lang="en-US" altLang="ja-JP"/>
-              <a:t>2</a:t>
-            </a:r>
+              <a:t>皆さんの開発進捗でランキングが更新されるのが見えるとモチベーション上がる</a:t>
+            </a:r>
+            <a:endParaRPr kumimoji="1" lang="en-US" altLang="ja-JP"/>
+          </a:p>
+          <a:p>
             <a:r>
               <a:rPr kumimoji="1" lang="ja-JP" altLang="en-US"/>
-              <a:t>週間前まで使えるように</a:t>
+              <a:t>単純に楽しそう</a:t>
+            </a:r>
+          </a:p>
+        </p:txBody>
+      </p:sp>
+      <p:sp>
+        <p:nvSpPr>
+          <p:cNvPr id="4" name="スライド番号プレースホルダー 3"/>
+          <p:cNvSpPr>
+            <a:spLocks noGrp="1"/>
+          </p:cNvSpPr>
+          <p:nvPr>
+            <p:ph type="sldNum" sz="quarter" idx="5"/>
+          </p:nvPr>
+        </p:nvSpPr>
+        <p:spPr/>
+        <p:txBody>
+          <a:bodyPr/>
+          <a:lstStyle/>
+          <a:p>
+            <a:fld id="{78252E88-A73A-9C4C-A63F-AB65EE68B481}" type="slidenum">
+              <a:rPr lang="en-US" altLang="ja-JP"/>
+              <a:t>4</a:t>
+            </a:fld>
+            <a:endParaRPr kumimoji="1" lang="ja-JP" altLang="en-US"/>
+          </a:p>
+        </p:txBody>
+      </p:sp>
+    </p:spTree>
+    <p:extLst>
+      <p:ext uri="{BB962C8B-B14F-4D97-AF65-F5344CB8AC3E}">
+        <p14:creationId xmlns:p14="http://schemas.microsoft.com/office/powerpoint/2010/main" val="995764885"/>
+      </p:ext>
+    </p:extLst>
+  </p:cSld>
+  <p:clrMapOvr>
+    <a:masterClrMapping/>
+  </p:clrMapOvr>
+</p:notes>
+</file>
+
+<file path=ppt/notesSlides/notesSlide5.xml><?xml version="1.0" encoding="utf-8"?>
+<p:notes xmlns:a="http://schemas.openxmlformats.org/drawingml/2006/main" xmlns:r="http://schemas.openxmlformats.org/officeDocument/2006/relationships" xmlns:p="http://schemas.openxmlformats.org/presentationml/2006/main">
+  <p:cSld>
+    <p:spTree>
+      <p:nvGrpSpPr>
+        <p:cNvPr id="1" name=""/>
+        <p:cNvGrpSpPr/>
+        <p:nvPr/>
+      </p:nvGrpSpPr>
+      <p:grpSpPr>
+        <a:xfrm>
+          <a:off x="0" y="0"/>
+          <a:ext cx="0" cy="0"/>
+          <a:chOff x="0" y="0"/>
+          <a:chExt cx="0" cy="0"/>
+        </a:xfrm>
+      </p:grpSpPr>
+      <p:sp>
+        <p:nvSpPr>
+          <p:cNvPr id="2" name="スライド イメージ プレースホルダー 1"/>
+          <p:cNvSpPr>
+            <a:spLocks noGrp="1" noRot="1" noChangeAspect="1"/>
+          </p:cNvSpPr>
+          <p:nvPr>
+            <p:ph type="sldImg"/>
+          </p:nvPr>
+        </p:nvSpPr>
+        <p:spPr/>
+      </p:sp>
+      <p:sp>
+        <p:nvSpPr>
+          <p:cNvPr id="3" name="ノート プレースホルダー 2"/>
+          <p:cNvSpPr>
+            <a:spLocks noGrp="1"/>
+          </p:cNvSpPr>
+          <p:nvPr>
+            <p:ph type="body" idx="1"/>
+          </p:nvPr>
+        </p:nvSpPr>
+        <p:spPr/>
+        <p:txBody>
+          <a:bodyPr/>
+          <a:lstStyle/>
+          <a:p>
+            <a:r>
+              <a:rPr kumimoji="1" lang="ja-JP" altLang="en-US"/>
+              <a:t>皆さんの開発進捗でランキングが更新されるのが見えるとモチベーション上がる</a:t>
+            </a:r>
+            <a:endParaRPr kumimoji="1" lang="en-US" altLang="ja-JP"/>
+          </a:p>
+          <a:p>
+            <a:r>
+              <a:rPr kumimoji="1" lang="ja-JP" altLang="en-US"/>
+              <a:t>単純に楽しそう</a:t>
             </a:r>
           </a:p>
         </p:txBody>
@@ -959,7 +1067,509 @@
     </p:spTree>
     <p:extLst>
       <p:ext uri="{BB962C8B-B14F-4D97-AF65-F5344CB8AC3E}">
-        <p14:creationId xmlns:p14="http://schemas.microsoft.com/office/powerpoint/2010/main" val="2380801542"/>
+        <p14:creationId xmlns:p14="http://schemas.microsoft.com/office/powerpoint/2010/main" val="2879835577"/>
+      </p:ext>
+    </p:extLst>
+  </p:cSld>
+  <p:clrMapOvr>
+    <a:masterClrMapping/>
+  </p:clrMapOvr>
+</p:notes>
+</file>
+
+<file path=ppt/notesSlides/notesSlide6.xml><?xml version="1.0" encoding="utf-8"?>
+<p:notes xmlns:a="http://schemas.openxmlformats.org/drawingml/2006/main" xmlns:r="http://schemas.openxmlformats.org/officeDocument/2006/relationships" xmlns:p="http://schemas.openxmlformats.org/presentationml/2006/main">
+  <p:cSld>
+    <p:spTree>
+      <p:nvGrpSpPr>
+        <p:cNvPr id="1" name=""/>
+        <p:cNvGrpSpPr/>
+        <p:nvPr/>
+      </p:nvGrpSpPr>
+      <p:grpSpPr>
+        <a:xfrm>
+          <a:off x="0" y="0"/>
+          <a:ext cx="0" cy="0"/>
+          <a:chOff x="0" y="0"/>
+          <a:chExt cx="0" cy="0"/>
+        </a:xfrm>
+      </p:grpSpPr>
+      <p:sp>
+        <p:nvSpPr>
+          <p:cNvPr id="2" name="スライド イメージ プレースホルダー 1"/>
+          <p:cNvSpPr>
+            <a:spLocks noGrp="1" noRot="1" noChangeAspect="1"/>
+          </p:cNvSpPr>
+          <p:nvPr>
+            <p:ph type="sldImg"/>
+          </p:nvPr>
+        </p:nvSpPr>
+        <p:spPr/>
+      </p:sp>
+      <p:sp>
+        <p:nvSpPr>
+          <p:cNvPr id="3" name="ノート プレースホルダー 2"/>
+          <p:cNvSpPr>
+            <a:spLocks noGrp="1"/>
+          </p:cNvSpPr>
+          <p:nvPr>
+            <p:ph type="body" idx="1"/>
+          </p:nvPr>
+        </p:nvSpPr>
+        <p:spPr/>
+        <p:txBody>
+          <a:bodyPr/>
+          <a:lstStyle/>
+          <a:p>
+            <a:r>
+              <a:rPr kumimoji="1" lang="en-US" altLang="ja-JP"/>
+              <a:t>cc</a:t>
+            </a:r>
+            <a:r>
+              <a:rPr kumimoji="1" lang="ja-JP" altLang="en-US"/>
+              <a:t>という手法を</a:t>
+            </a:r>
+            <a:r>
+              <a:rPr kumimoji="1" lang="en-US" altLang="ja-JP"/>
+              <a:t>pbl-b</a:t>
+            </a:r>
+            <a:r>
+              <a:rPr kumimoji="1" lang="ja-JP" altLang="en-US"/>
+              <a:t>に取り入れる</a:t>
+            </a:r>
+            <a:endParaRPr kumimoji="1" lang="en-US" altLang="ja-JP"/>
+          </a:p>
+          <a:p>
+            <a:r>
+              <a:rPr kumimoji="1" lang="en-US" altLang="ja-JP"/>
+              <a:t>cc</a:t>
+            </a:r>
+            <a:r>
+              <a:rPr kumimoji="1" lang="ja-JP" altLang="en-US"/>
+              <a:t>は</a:t>
+            </a:r>
+            <a:r>
+              <a:rPr kumimoji="1" lang="en-US" altLang="ja-JP"/>
+              <a:t>continuous competition</a:t>
+            </a:r>
+            <a:r>
+              <a:rPr kumimoji="1" lang="ja-JP" altLang="en-US"/>
+              <a:t>の略で継続的競争という意味の英語の頭文字をとっている</a:t>
+            </a:r>
+            <a:endParaRPr kumimoji="1" lang="en-US" altLang="ja-JP"/>
+          </a:p>
+          <a:p>
+            <a:r>
+              <a:rPr kumimoji="1" lang="ja-JP" altLang="en-US"/>
+              <a:t>よく野球とかサッカーとかのリーグ戦に用いられる手法</a:t>
+            </a:r>
+            <a:endParaRPr kumimoji="1" lang="en-US" altLang="ja-JP"/>
+          </a:p>
+          <a:p>
+            <a:endParaRPr kumimoji="1" lang="en-US" altLang="ja-JP"/>
+          </a:p>
+          <a:p>
+            <a:r>
+              <a:rPr kumimoji="1" lang="ja-JP" altLang="en-US"/>
+              <a:t>能動的な行動はいらない</a:t>
+            </a:r>
+            <a:endParaRPr kumimoji="1" lang="en-US" altLang="ja-JP"/>
+          </a:p>
+        </p:txBody>
+      </p:sp>
+      <p:sp>
+        <p:nvSpPr>
+          <p:cNvPr id="4" name="スライド番号プレースホルダー 3"/>
+          <p:cNvSpPr>
+            <a:spLocks noGrp="1"/>
+          </p:cNvSpPr>
+          <p:nvPr>
+            <p:ph type="sldNum" sz="quarter" idx="5"/>
+          </p:nvPr>
+        </p:nvSpPr>
+        <p:spPr/>
+        <p:txBody>
+          <a:bodyPr/>
+          <a:lstStyle/>
+          <a:p>
+            <a:fld id="{78252E88-A73A-9C4C-A63F-AB65EE68B481}" type="slidenum">
+              <a:rPr lang="en-US" altLang="ja-JP"/>
+              <a:t>6</a:t>
+            </a:fld>
+            <a:endParaRPr kumimoji="1" lang="ja-JP" altLang="en-US"/>
+          </a:p>
+        </p:txBody>
+      </p:sp>
+    </p:spTree>
+    <p:extLst>
+      <p:ext uri="{BB962C8B-B14F-4D97-AF65-F5344CB8AC3E}">
+        <p14:creationId xmlns:p14="http://schemas.microsoft.com/office/powerpoint/2010/main" val="605458305"/>
+      </p:ext>
+    </p:extLst>
+  </p:cSld>
+  <p:clrMapOvr>
+    <a:masterClrMapping/>
+  </p:clrMapOvr>
+</p:notes>
+</file>
+
+<file path=ppt/notesSlides/notesSlide7.xml><?xml version="1.0" encoding="utf-8"?>
+<p:notes xmlns:a="http://schemas.openxmlformats.org/drawingml/2006/main" xmlns:r="http://schemas.openxmlformats.org/officeDocument/2006/relationships" xmlns:p="http://schemas.openxmlformats.org/presentationml/2006/main">
+  <p:cSld>
+    <p:spTree>
+      <p:nvGrpSpPr>
+        <p:cNvPr id="1" name=""/>
+        <p:cNvGrpSpPr/>
+        <p:nvPr/>
+      </p:nvGrpSpPr>
+      <p:grpSpPr>
+        <a:xfrm>
+          <a:off x="0" y="0"/>
+          <a:ext cx="0" cy="0"/>
+          <a:chOff x="0" y="0"/>
+          <a:chExt cx="0" cy="0"/>
+        </a:xfrm>
+      </p:grpSpPr>
+      <p:sp>
+        <p:nvSpPr>
+          <p:cNvPr id="2" name="スライド イメージ プレースホルダー 1"/>
+          <p:cNvSpPr>
+            <a:spLocks noGrp="1" noRot="1" noChangeAspect="1"/>
+          </p:cNvSpPr>
+          <p:nvPr>
+            <p:ph type="sldImg"/>
+          </p:nvPr>
+        </p:nvSpPr>
+        <p:spPr/>
+      </p:sp>
+      <p:sp>
+        <p:nvSpPr>
+          <p:cNvPr id="3" name="ノート プレースホルダー 2"/>
+          <p:cNvSpPr>
+            <a:spLocks noGrp="1"/>
+          </p:cNvSpPr>
+          <p:nvPr>
+            <p:ph type="body" idx="1"/>
+          </p:nvPr>
+        </p:nvSpPr>
+        <p:spPr/>
+        <p:txBody>
+          <a:bodyPr/>
+          <a:lstStyle/>
+          <a:p>
+            <a:r>
+              <a:rPr kumimoji="1" lang="en-US" altLang="ja-JP"/>
+              <a:t>cc</a:t>
+            </a:r>
+            <a:r>
+              <a:rPr kumimoji="1" lang="ja-JP" altLang="en-US"/>
+              <a:t>という手法を</a:t>
+            </a:r>
+            <a:r>
+              <a:rPr kumimoji="1" lang="en-US" altLang="ja-JP"/>
+              <a:t>pbl-b</a:t>
+            </a:r>
+            <a:r>
+              <a:rPr kumimoji="1" lang="ja-JP" altLang="en-US"/>
+              <a:t>に取り入れる</a:t>
+            </a:r>
+            <a:endParaRPr kumimoji="1" lang="en-US" altLang="ja-JP"/>
+          </a:p>
+          <a:p>
+            <a:r>
+              <a:rPr kumimoji="1" lang="en-US" altLang="ja-JP"/>
+              <a:t>cc</a:t>
+            </a:r>
+            <a:r>
+              <a:rPr kumimoji="1" lang="ja-JP" altLang="en-US"/>
+              <a:t>は</a:t>
+            </a:r>
+            <a:r>
+              <a:rPr kumimoji="1" lang="en-US" altLang="ja-JP"/>
+              <a:t>continuous competition</a:t>
+            </a:r>
+            <a:r>
+              <a:rPr kumimoji="1" lang="ja-JP" altLang="en-US"/>
+              <a:t>の略で継続的競争という意味の英語の頭文字をとっている</a:t>
+            </a:r>
+            <a:endParaRPr kumimoji="1" lang="en-US" altLang="ja-JP"/>
+          </a:p>
+          <a:p>
+            <a:r>
+              <a:rPr kumimoji="1" lang="ja-JP" altLang="en-US"/>
+              <a:t>よく野球とかサッカーとかのリーグ戦に用いられる手法</a:t>
+            </a:r>
+            <a:endParaRPr kumimoji="1" lang="en-US" altLang="ja-JP"/>
+          </a:p>
+          <a:p>
+            <a:endParaRPr kumimoji="1" lang="en-US" altLang="ja-JP"/>
+          </a:p>
+          <a:p>
+            <a:pPr marL="0" marR="0" lvl="0" indent="0" algn="l" defTabSz="914400" rtl="0" eaLnBrk="1" fontAlgn="auto" latinLnBrk="0" hangingPunct="1">
+              <a:lnSpc>
+                <a:spcPct val="100000"/>
+              </a:lnSpc>
+              <a:spcBef>
+                <a:spcPts val="0"/>
+              </a:spcBef>
+              <a:spcAft>
+                <a:spcPts val="0"/>
+              </a:spcAft>
+              <a:buClrTx/>
+              <a:buSzTx/>
+              <a:buFontTx/>
+              <a:buNone/>
+              <a:tabLst/>
+              <a:defRPr/>
+            </a:pPr>
+            <a:r>
+              <a:rPr kumimoji="1" lang="ja-JP" altLang="en-US"/>
+              <a:t>能動的な行動はいらない</a:t>
+            </a:r>
+            <a:endParaRPr kumimoji="1" lang="en-US" altLang="ja-JP"/>
+          </a:p>
+          <a:p>
+            <a:endParaRPr kumimoji="1" lang="en-US" altLang="ja-JP"/>
+          </a:p>
+          <a:p>
+            <a:r>
+              <a:rPr kumimoji="1" lang="ja-JP" altLang="en-US"/>
+              <a:t>波線の左側のみが学生が把握しておくべき行動</a:t>
+            </a:r>
+            <a:endParaRPr kumimoji="1" lang="en-US" altLang="ja-JP"/>
+          </a:p>
+          <a:p>
+            <a:r>
+              <a:rPr kumimoji="1" lang="en-US" altLang="ja-JP"/>
+              <a:t>solo</a:t>
+            </a:r>
+            <a:r>
+              <a:rPr kumimoji="1" lang="ja-JP" altLang="en-US"/>
+              <a:t>であればこちらが用意した環境で，</a:t>
+            </a:r>
+            <a:r>
+              <a:rPr kumimoji="1" lang="en-US" altLang="ja-JP"/>
+              <a:t>duel</a:t>
+            </a:r>
+            <a:r>
+              <a:rPr kumimoji="1" lang="ja-JP" altLang="en-US"/>
+              <a:t>であれば他のグループと対戦</a:t>
+            </a:r>
+          </a:p>
+        </p:txBody>
+      </p:sp>
+      <p:sp>
+        <p:nvSpPr>
+          <p:cNvPr id="4" name="スライド番号プレースホルダー 3"/>
+          <p:cNvSpPr>
+            <a:spLocks noGrp="1"/>
+          </p:cNvSpPr>
+          <p:nvPr>
+            <p:ph type="sldNum" sz="quarter" idx="5"/>
+          </p:nvPr>
+        </p:nvSpPr>
+        <p:spPr/>
+        <p:txBody>
+          <a:bodyPr/>
+          <a:lstStyle/>
+          <a:p>
+            <a:fld id="{78252E88-A73A-9C4C-A63F-AB65EE68B481}" type="slidenum">
+              <a:rPr lang="en-US" altLang="ja-JP"/>
+              <a:t>7</a:t>
+            </a:fld>
+            <a:endParaRPr kumimoji="1" lang="ja-JP" altLang="en-US"/>
+          </a:p>
+        </p:txBody>
+      </p:sp>
+    </p:spTree>
+    <p:extLst>
+      <p:ext uri="{BB962C8B-B14F-4D97-AF65-F5344CB8AC3E}">
+        <p14:creationId xmlns:p14="http://schemas.microsoft.com/office/powerpoint/2010/main" val="458738378"/>
+      </p:ext>
+    </p:extLst>
+  </p:cSld>
+  <p:clrMapOvr>
+    <a:masterClrMapping/>
+  </p:clrMapOvr>
+</p:notes>
+</file>
+
+<file path=ppt/notesSlides/notesSlide8.xml><?xml version="1.0" encoding="utf-8"?>
+<p:notes xmlns:a="http://schemas.openxmlformats.org/drawingml/2006/main" xmlns:r="http://schemas.openxmlformats.org/officeDocument/2006/relationships" xmlns:p="http://schemas.openxmlformats.org/presentationml/2006/main">
+  <p:cSld>
+    <p:spTree>
+      <p:nvGrpSpPr>
+        <p:cNvPr id="1" name=""/>
+        <p:cNvGrpSpPr/>
+        <p:nvPr/>
+      </p:nvGrpSpPr>
+      <p:grpSpPr>
+        <a:xfrm>
+          <a:off x="0" y="0"/>
+          <a:ext cx="0" cy="0"/>
+          <a:chOff x="0" y="0"/>
+          <a:chExt cx="0" cy="0"/>
+        </a:xfrm>
+      </p:grpSpPr>
+      <p:sp>
+        <p:nvSpPr>
+          <p:cNvPr id="2" name="スライド イメージ プレースホルダー 1"/>
+          <p:cNvSpPr>
+            <a:spLocks noGrp="1" noRot="1" noChangeAspect="1"/>
+          </p:cNvSpPr>
+          <p:nvPr>
+            <p:ph type="sldImg"/>
+          </p:nvPr>
+        </p:nvSpPr>
+        <p:spPr/>
+      </p:sp>
+      <p:sp>
+        <p:nvSpPr>
+          <p:cNvPr id="3" name="ノート プレースホルダー 2"/>
+          <p:cNvSpPr>
+            <a:spLocks noGrp="1"/>
+          </p:cNvSpPr>
+          <p:nvPr>
+            <p:ph type="body" idx="1"/>
+          </p:nvPr>
+        </p:nvSpPr>
+        <p:spPr/>
+        <p:txBody>
+          <a:bodyPr/>
+          <a:lstStyle/>
+          <a:p>
+            <a:endParaRPr kumimoji="1" lang="ja-JP" altLang="en-US"/>
+          </a:p>
+        </p:txBody>
+      </p:sp>
+      <p:sp>
+        <p:nvSpPr>
+          <p:cNvPr id="4" name="スライド番号プレースホルダー 3"/>
+          <p:cNvSpPr>
+            <a:spLocks noGrp="1"/>
+          </p:cNvSpPr>
+          <p:nvPr>
+            <p:ph type="sldNum" sz="quarter" idx="5"/>
+          </p:nvPr>
+        </p:nvSpPr>
+        <p:spPr/>
+        <p:txBody>
+          <a:bodyPr/>
+          <a:lstStyle/>
+          <a:p>
+            <a:fld id="{78252E88-A73A-9C4C-A63F-AB65EE68B481}" type="slidenum">
+              <a:t>9</a:t>
+            </a:fld>
+            <a:endParaRPr kumimoji="1" lang="ja-JP" altLang="en-US"/>
+          </a:p>
+        </p:txBody>
+      </p:sp>
+    </p:spTree>
+    <p:extLst>
+      <p:ext uri="{BB962C8B-B14F-4D97-AF65-F5344CB8AC3E}">
+        <p14:creationId xmlns:p14="http://schemas.microsoft.com/office/powerpoint/2010/main" val="2832887917"/>
+      </p:ext>
+    </p:extLst>
+  </p:cSld>
+  <p:clrMapOvr>
+    <a:masterClrMapping/>
+  </p:clrMapOvr>
+</p:notes>
+</file>
+
+<file path=ppt/notesSlides/notesSlide9.xml><?xml version="1.0" encoding="utf-8"?>
+<p:notes xmlns:a="http://schemas.openxmlformats.org/drawingml/2006/main" xmlns:r="http://schemas.openxmlformats.org/officeDocument/2006/relationships" xmlns:p="http://schemas.openxmlformats.org/presentationml/2006/main">
+  <p:cSld>
+    <p:spTree>
+      <p:nvGrpSpPr>
+        <p:cNvPr id="1" name=""/>
+        <p:cNvGrpSpPr/>
+        <p:nvPr/>
+      </p:nvGrpSpPr>
+      <p:grpSpPr>
+        <a:xfrm>
+          <a:off x="0" y="0"/>
+          <a:ext cx="0" cy="0"/>
+          <a:chOff x="0" y="0"/>
+          <a:chExt cx="0" cy="0"/>
+        </a:xfrm>
+      </p:grpSpPr>
+      <p:sp>
+        <p:nvSpPr>
+          <p:cNvPr id="2" name="スライド イメージ プレースホルダー 1"/>
+          <p:cNvSpPr>
+            <a:spLocks noGrp="1" noRot="1" noChangeAspect="1"/>
+          </p:cNvSpPr>
+          <p:nvPr>
+            <p:ph type="sldImg"/>
+          </p:nvPr>
+        </p:nvSpPr>
+        <p:spPr/>
+      </p:sp>
+      <p:sp>
+        <p:nvSpPr>
+          <p:cNvPr id="3" name="ノート プレースホルダー 2"/>
+          <p:cNvSpPr>
+            <a:spLocks noGrp="1"/>
+          </p:cNvSpPr>
+          <p:nvPr>
+            <p:ph type="body" idx="1"/>
+          </p:nvPr>
+        </p:nvSpPr>
+        <p:spPr/>
+        <p:txBody>
+          <a:bodyPr/>
+          <a:lstStyle/>
+          <a:p>
+            <a:r>
+              <a:rPr kumimoji="1" lang="ja-JP" altLang="en-US"/>
+              <a:t>前回以前の記録も全てリプレイできるのでどんどん</a:t>
+            </a:r>
+            <a:r>
+              <a:rPr kumimoji="1" lang="en-US" altLang="ja-JP"/>
+              <a:t>push</a:t>
+            </a:r>
+            <a:r>
+              <a:rPr kumimoji="1" lang="ja-JP" altLang="en-US"/>
+              <a:t>してください</a:t>
+            </a:r>
+            <a:endParaRPr kumimoji="1" lang="en-US" altLang="ja-JP"/>
+          </a:p>
+          <a:p>
+            <a:r>
+              <a:rPr kumimoji="1" lang="ja-JP" altLang="en-US"/>
+              <a:t>結構遡ってリプレイできるようにはしてます</a:t>
+            </a:r>
+          </a:p>
+        </p:txBody>
+      </p:sp>
+      <p:sp>
+        <p:nvSpPr>
+          <p:cNvPr id="4" name="スライド番号プレースホルダー 3"/>
+          <p:cNvSpPr>
+            <a:spLocks noGrp="1"/>
+          </p:cNvSpPr>
+          <p:nvPr>
+            <p:ph type="sldNum" sz="quarter" idx="5"/>
+          </p:nvPr>
+        </p:nvSpPr>
+        <p:spPr/>
+        <p:txBody>
+          <a:bodyPr/>
+          <a:lstStyle/>
+          <a:p>
+            <a:fld id="{78252E88-A73A-9C4C-A63F-AB65EE68B481}" type="slidenum">
+              <a:rPr lang="en-US" altLang="ja-JP"/>
+              <a:t>10</a:t>
+            </a:fld>
+            <a:endParaRPr kumimoji="1" lang="ja-JP" altLang="en-US"/>
+          </a:p>
+        </p:txBody>
+      </p:sp>
+    </p:spTree>
+    <p:extLst>
+      <p:ext uri="{BB962C8B-B14F-4D97-AF65-F5344CB8AC3E}">
+        <p14:creationId xmlns:p14="http://schemas.microsoft.com/office/powerpoint/2010/main" val="528407334"/>
       </p:ext>
     </p:extLst>
   </p:cSld>
@@ -4544,6 +5154,10 @@
               <a:rPr lang="ja-JP" altLang="en-US"/>
               <a:t>友</a:t>
             </a:r>
+            <a:r>
+              <a:rPr lang="en-US" altLang="ja-JP"/>
+              <a:t>(@y-yabust)</a:t>
+            </a:r>
             <a:endParaRPr kumimoji="1" lang="ja-JP" altLang="en-US"/>
           </a:p>
         </p:txBody>
@@ -4594,6 +5208,620 @@
     <p:extLst>
       <p:ext uri="{BB962C8B-B14F-4D97-AF65-F5344CB8AC3E}">
         <p14:creationId xmlns:p14="http://schemas.microsoft.com/office/powerpoint/2010/main" val="2909878882"/>
+      </p:ext>
+    </p:extLst>
+  </p:cSld>
+  <p:clrMapOvr>
+    <a:masterClrMapping/>
+  </p:clrMapOvr>
+</p:sld>
+</file>
+
+<file path=ppt/slides/slide10.xml><?xml version="1.0" encoding="utf-8"?>
+<p:sld xmlns:a="http://schemas.openxmlformats.org/drawingml/2006/main" xmlns:r="http://schemas.openxmlformats.org/officeDocument/2006/relationships" xmlns:p="http://schemas.openxmlformats.org/presentationml/2006/main">
+  <p:cSld>
+    <p:spTree>
+      <p:nvGrpSpPr>
+        <p:cNvPr id="1" name=""/>
+        <p:cNvGrpSpPr/>
+        <p:nvPr/>
+      </p:nvGrpSpPr>
+      <p:grpSpPr>
+        <a:xfrm>
+          <a:off x="0" y="0"/>
+          <a:ext cx="0" cy="0"/>
+          <a:chOff x="0" y="0"/>
+          <a:chExt cx="0" cy="0"/>
+        </a:xfrm>
+      </p:grpSpPr>
+      <p:sp>
+        <p:nvSpPr>
+          <p:cNvPr id="2" name="タイトル 1">
+            <a:extLst>
+              <a:ext uri="{FF2B5EF4-FFF2-40B4-BE49-F238E27FC236}">
+                <a16:creationId xmlns:a16="http://schemas.microsoft.com/office/drawing/2014/main" id="{7C0183F0-ACE6-6733-32BE-8E60AB766DC6}"/>
+              </a:ext>
+            </a:extLst>
+          </p:cNvPr>
+          <p:cNvSpPr>
+            <a:spLocks noGrp="1"/>
+          </p:cNvSpPr>
+          <p:nvPr>
+            <p:ph type="title"/>
+          </p:nvPr>
+        </p:nvSpPr>
+        <p:spPr/>
+        <p:txBody>
+          <a:bodyPr>
+            <a:normAutofit/>
+          </a:bodyPr>
+          <a:lstStyle/>
+          <a:p>
+            <a:r>
+              <a:rPr lang="en-US" altLang="ja-JP" b="1">
+                <a:latin typeface="Helvetica" pitchFamily="2" charset="0"/>
+              </a:rPr>
+              <a:t>CC</a:t>
+            </a:r>
+            <a:r>
+              <a:rPr lang="ja-JP" altLang="en-US" b="1">
+                <a:latin typeface="Helvetica" pitchFamily="2" charset="0"/>
+              </a:rPr>
+              <a:t>の</a:t>
+            </a:r>
+            <a:r>
+              <a:rPr lang="en-US" altLang="ja-JP" b="1">
+                <a:latin typeface="Helvetica" pitchFamily="2" charset="0"/>
+              </a:rPr>
+              <a:t>Web</a:t>
+            </a:r>
+            <a:r>
+              <a:rPr lang="ja-JP" altLang="en-US" b="1">
+                <a:latin typeface="Helvetica" pitchFamily="2" charset="0"/>
+              </a:rPr>
+              <a:t>ページ</a:t>
+            </a:r>
+            <a:endParaRPr kumimoji="1" lang="ja-JP" altLang="en-US" b="1" dirty="0">
+              <a:latin typeface="Helvetica" pitchFamily="2" charset="0"/>
+            </a:endParaRPr>
+          </a:p>
+        </p:txBody>
+      </p:sp>
+      <p:sp>
+        <p:nvSpPr>
+          <p:cNvPr id="6" name="スライド番号プレースホルダー 5">
+            <a:extLst>
+              <a:ext uri="{FF2B5EF4-FFF2-40B4-BE49-F238E27FC236}">
+                <a16:creationId xmlns:a16="http://schemas.microsoft.com/office/drawing/2014/main" id="{B22BF89B-170C-ABD1-BA35-491148347D16}"/>
+              </a:ext>
+            </a:extLst>
+          </p:cNvPr>
+          <p:cNvSpPr>
+            <a:spLocks noGrp="1"/>
+          </p:cNvSpPr>
+          <p:nvPr>
+            <p:ph type="sldNum" sz="quarter" idx="12"/>
+          </p:nvPr>
+        </p:nvSpPr>
+        <p:spPr/>
+        <p:txBody>
+          <a:bodyPr/>
+          <a:lstStyle/>
+          <a:p>
+            <a:fld id="{F5A3E2E4-C4C6-2C45-9E22-FA616B104F81}" type="slidenum">
+              <a:rPr lang="en-US" altLang="ja-JP"/>
+              <a:pPr/>
+              <a:t>9</a:t>
+            </a:fld>
+            <a:endParaRPr kumimoji="1" lang="ja-JP" altLang="en-US"/>
+          </a:p>
+        </p:txBody>
+      </p:sp>
+      <p:pic>
+        <p:nvPicPr>
+          <p:cNvPr id="15" name="図 14" descr="グラフ&#10;&#10;自動的に生成された説明">
+            <a:extLst>
+              <a:ext uri="{FF2B5EF4-FFF2-40B4-BE49-F238E27FC236}">
+                <a16:creationId xmlns:a16="http://schemas.microsoft.com/office/drawing/2014/main" id="{E28208F7-8B53-1CB9-76C9-F9DAA1306239}"/>
+              </a:ext>
+            </a:extLst>
+          </p:cNvPr>
+          <p:cNvPicPr>
+            <a:picLocks noChangeAspect="1"/>
+          </p:cNvPicPr>
+          <p:nvPr/>
+        </p:nvPicPr>
+        <p:blipFill>
+          <a:blip r:embed="rId3"/>
+          <a:stretch>
+            <a:fillRect/>
+          </a:stretch>
+        </p:blipFill>
+        <p:spPr>
+          <a:xfrm>
+            <a:off x="771842" y="2062262"/>
+            <a:ext cx="7772400" cy="4236112"/>
+          </a:xfrm>
+          <a:prstGeom prst="rect">
+            <a:avLst/>
+          </a:prstGeom>
+        </p:spPr>
+      </p:pic>
+      <p:sp>
+        <p:nvSpPr>
+          <p:cNvPr id="10" name="四角形吹き出し 9">
+            <a:extLst>
+              <a:ext uri="{FF2B5EF4-FFF2-40B4-BE49-F238E27FC236}">
+                <a16:creationId xmlns:a16="http://schemas.microsoft.com/office/drawing/2014/main" id="{30D8011D-EBFB-F103-8476-A891DCDBCC4E}"/>
+              </a:ext>
+            </a:extLst>
+          </p:cNvPr>
+          <p:cNvSpPr/>
+          <p:nvPr/>
+        </p:nvSpPr>
+        <p:spPr>
+          <a:xfrm>
+            <a:off x="4991480" y="4447977"/>
+            <a:ext cx="3552762" cy="864220"/>
+          </a:xfrm>
+          <a:prstGeom prst="wedgeRectCallout">
+            <a:avLst>
+              <a:gd name="adj1" fmla="val -46876"/>
+              <a:gd name="adj2" fmla="val 130095"/>
+            </a:avLst>
+          </a:prstGeom>
+          <a:solidFill>
+            <a:srgbClr val="04446B"/>
+          </a:solidFill>
+        </p:spPr>
+        <p:style>
+          <a:lnRef idx="2">
+            <a:schemeClr val="accent1">
+              <a:shade val="15000"/>
+            </a:schemeClr>
+          </a:lnRef>
+          <a:fillRef idx="1">
+            <a:schemeClr val="accent1"/>
+          </a:fillRef>
+          <a:effectRef idx="0">
+            <a:schemeClr val="accent1"/>
+          </a:effectRef>
+          <a:fontRef idx="minor">
+            <a:schemeClr val="lt1"/>
+          </a:fontRef>
+        </p:style>
+        <p:txBody>
+          <a:bodyPr rtlCol="0" anchor="ctr"/>
+          <a:lstStyle/>
+          <a:p>
+            <a:r>
+              <a:rPr lang="ja-JP" altLang="en-US" sz="2400" b="1" dirty="0">
+                <a:latin typeface="+mn-ea"/>
+              </a:rPr>
+              <a:t>リプレイページのリンク</a:t>
+            </a:r>
+            <a:endParaRPr lang="ja-JP" altLang="en-US" sz="2400" b="1" dirty="0">
+              <a:effectLst/>
+              <a:latin typeface="+mn-ea"/>
+            </a:endParaRPr>
+          </a:p>
+        </p:txBody>
+      </p:sp>
+      <p:sp>
+        <p:nvSpPr>
+          <p:cNvPr id="8" name="角丸四角形 7">
+            <a:extLst>
+              <a:ext uri="{FF2B5EF4-FFF2-40B4-BE49-F238E27FC236}">
+                <a16:creationId xmlns:a16="http://schemas.microsoft.com/office/drawing/2014/main" id="{B0EE1903-A3BF-7476-3B01-9CCE7A0738A8}"/>
+              </a:ext>
+            </a:extLst>
+          </p:cNvPr>
+          <p:cNvSpPr/>
+          <p:nvPr/>
+        </p:nvSpPr>
+        <p:spPr>
+          <a:xfrm>
+            <a:off x="4651368" y="5974989"/>
+            <a:ext cx="522798" cy="323385"/>
+          </a:xfrm>
+          <a:prstGeom prst="roundRect">
+            <a:avLst/>
+          </a:prstGeom>
+          <a:solidFill>
+            <a:schemeClr val="accent4">
+              <a:lumMod val="40000"/>
+              <a:lumOff val="60000"/>
+              <a:alpha val="37000"/>
+            </a:schemeClr>
+          </a:solidFill>
+          <a:ln>
+            <a:noFill/>
+          </a:ln>
+        </p:spPr>
+        <p:style>
+          <a:lnRef idx="2">
+            <a:schemeClr val="accent1">
+              <a:shade val="15000"/>
+            </a:schemeClr>
+          </a:lnRef>
+          <a:fillRef idx="1">
+            <a:schemeClr val="accent1"/>
+          </a:fillRef>
+          <a:effectRef idx="0">
+            <a:schemeClr val="accent1"/>
+          </a:effectRef>
+          <a:fontRef idx="minor">
+            <a:schemeClr val="lt1"/>
+          </a:fontRef>
+        </p:style>
+        <p:txBody>
+          <a:bodyPr rtlCol="0" anchor="ctr"/>
+          <a:lstStyle/>
+          <a:p>
+            <a:pPr algn="ctr"/>
+            <a:endParaRPr kumimoji="1" lang="ja-JP" altLang="en-US"/>
+          </a:p>
+        </p:txBody>
+      </p:sp>
+    </p:spTree>
+    <p:extLst>
+      <p:ext uri="{BB962C8B-B14F-4D97-AF65-F5344CB8AC3E}">
+        <p14:creationId xmlns:p14="http://schemas.microsoft.com/office/powerpoint/2010/main" val="288852614"/>
+      </p:ext>
+    </p:extLst>
+  </p:cSld>
+  <p:clrMapOvr>
+    <a:masterClrMapping/>
+  </p:clrMapOvr>
+</p:sld>
+</file>
+
+<file path=ppt/slides/slide11.xml><?xml version="1.0" encoding="utf-8"?>
+<p:sld xmlns:a="http://schemas.openxmlformats.org/drawingml/2006/main" xmlns:r="http://schemas.openxmlformats.org/officeDocument/2006/relationships" xmlns:p="http://schemas.openxmlformats.org/presentationml/2006/main">
+  <p:cSld>
+    <p:spTree>
+      <p:nvGrpSpPr>
+        <p:cNvPr id="1" name=""/>
+        <p:cNvGrpSpPr/>
+        <p:nvPr/>
+      </p:nvGrpSpPr>
+      <p:grpSpPr>
+        <a:xfrm>
+          <a:off x="0" y="0"/>
+          <a:ext cx="0" cy="0"/>
+          <a:chOff x="0" y="0"/>
+          <a:chExt cx="0" cy="0"/>
+        </a:xfrm>
+      </p:grpSpPr>
+      <p:sp>
+        <p:nvSpPr>
+          <p:cNvPr id="2" name="タイトル 1">
+            <a:extLst>
+              <a:ext uri="{FF2B5EF4-FFF2-40B4-BE49-F238E27FC236}">
+                <a16:creationId xmlns:a16="http://schemas.microsoft.com/office/drawing/2014/main" id="{7C0183F0-ACE6-6733-32BE-8E60AB766DC6}"/>
+              </a:ext>
+            </a:extLst>
+          </p:cNvPr>
+          <p:cNvSpPr>
+            <a:spLocks noGrp="1"/>
+          </p:cNvSpPr>
+          <p:nvPr>
+            <p:ph type="title"/>
+          </p:nvPr>
+        </p:nvSpPr>
+        <p:spPr/>
+        <p:txBody>
+          <a:bodyPr>
+            <a:normAutofit/>
+          </a:bodyPr>
+          <a:lstStyle/>
+          <a:p>
+            <a:r>
+              <a:rPr lang="en-US" altLang="ja-JP" b="1">
+                <a:latin typeface="Helvetica" pitchFamily="2" charset="0"/>
+              </a:rPr>
+              <a:t>CC</a:t>
+            </a:r>
+            <a:r>
+              <a:rPr lang="ja-JP" altLang="en-US" b="1">
+                <a:latin typeface="Helvetica" pitchFamily="2" charset="0"/>
+              </a:rPr>
+              <a:t>のリプレイページ</a:t>
+            </a:r>
+            <a:endParaRPr kumimoji="1" lang="ja-JP" altLang="en-US" b="1">
+              <a:latin typeface="Helvetica" pitchFamily="2" charset="0"/>
+            </a:endParaRPr>
+          </a:p>
+        </p:txBody>
+      </p:sp>
+      <p:sp>
+        <p:nvSpPr>
+          <p:cNvPr id="6" name="スライド番号プレースホルダー 5">
+            <a:extLst>
+              <a:ext uri="{FF2B5EF4-FFF2-40B4-BE49-F238E27FC236}">
+                <a16:creationId xmlns:a16="http://schemas.microsoft.com/office/drawing/2014/main" id="{B22BF89B-170C-ABD1-BA35-491148347D16}"/>
+              </a:ext>
+            </a:extLst>
+          </p:cNvPr>
+          <p:cNvSpPr>
+            <a:spLocks noGrp="1"/>
+          </p:cNvSpPr>
+          <p:nvPr>
+            <p:ph type="sldNum" sz="quarter" idx="12"/>
+          </p:nvPr>
+        </p:nvSpPr>
+        <p:spPr/>
+        <p:txBody>
+          <a:bodyPr/>
+          <a:lstStyle/>
+          <a:p>
+            <a:fld id="{F5A3E2E4-C4C6-2C45-9E22-FA616B104F81}" type="slidenum">
+              <a:rPr lang="en-US" altLang="ja-JP"/>
+              <a:pPr/>
+              <a:t>10</a:t>
+            </a:fld>
+            <a:endParaRPr kumimoji="1" lang="ja-JP" altLang="en-US"/>
+          </a:p>
+        </p:txBody>
+      </p:sp>
+      <p:pic>
+        <p:nvPicPr>
+          <p:cNvPr id="5" name="図 4" descr="グラフ, 散布図&#10;&#10;自動的に生成された説明">
+            <a:extLst>
+              <a:ext uri="{FF2B5EF4-FFF2-40B4-BE49-F238E27FC236}">
+                <a16:creationId xmlns:a16="http://schemas.microsoft.com/office/drawing/2014/main" id="{2F614A0F-47B2-C9A0-BF15-2CC5C6CE322A}"/>
+              </a:ext>
+            </a:extLst>
+          </p:cNvPr>
+          <p:cNvPicPr>
+            <a:picLocks noChangeAspect="1"/>
+          </p:cNvPicPr>
+          <p:nvPr/>
+        </p:nvPicPr>
+        <p:blipFill>
+          <a:blip r:embed="rId3"/>
+          <a:stretch>
+            <a:fillRect/>
+          </a:stretch>
+        </p:blipFill>
+        <p:spPr>
+          <a:xfrm>
+            <a:off x="792953" y="1356140"/>
+            <a:ext cx="7504772" cy="5238000"/>
+          </a:xfrm>
+          <a:prstGeom prst="rect">
+            <a:avLst/>
+          </a:prstGeom>
+        </p:spPr>
+      </p:pic>
+    </p:spTree>
+    <p:extLst>
+      <p:ext uri="{BB962C8B-B14F-4D97-AF65-F5344CB8AC3E}">
+        <p14:creationId xmlns:p14="http://schemas.microsoft.com/office/powerpoint/2010/main" val="1666310784"/>
+      </p:ext>
+    </p:extLst>
+  </p:cSld>
+  <p:clrMapOvr>
+    <a:masterClrMapping/>
+  </p:clrMapOvr>
+</p:sld>
+</file>
+
+<file path=ppt/slides/slide12.xml><?xml version="1.0" encoding="utf-8"?>
+<p:sld xmlns:a="http://schemas.openxmlformats.org/drawingml/2006/main" xmlns:r="http://schemas.openxmlformats.org/officeDocument/2006/relationships" xmlns:p="http://schemas.openxmlformats.org/presentationml/2006/main">
+  <p:cSld>
+    <p:spTree>
+      <p:nvGrpSpPr>
+        <p:cNvPr id="1" name=""/>
+        <p:cNvGrpSpPr/>
+        <p:nvPr/>
+      </p:nvGrpSpPr>
+      <p:grpSpPr>
+        <a:xfrm>
+          <a:off x="0" y="0"/>
+          <a:ext cx="0" cy="0"/>
+          <a:chOff x="0" y="0"/>
+          <a:chExt cx="0" cy="0"/>
+        </a:xfrm>
+      </p:grpSpPr>
+      <p:sp>
+        <p:nvSpPr>
+          <p:cNvPr id="2" name="タイトル 1">
+            <a:extLst>
+              <a:ext uri="{FF2B5EF4-FFF2-40B4-BE49-F238E27FC236}">
+                <a16:creationId xmlns:a16="http://schemas.microsoft.com/office/drawing/2014/main" id="{8A79CEBB-E5EA-7EC7-BDBA-05EF9B2F97F7}"/>
+              </a:ext>
+            </a:extLst>
+          </p:cNvPr>
+          <p:cNvSpPr>
+            <a:spLocks noGrp="1"/>
+          </p:cNvSpPr>
+          <p:nvPr>
+            <p:ph type="title"/>
+          </p:nvPr>
+        </p:nvSpPr>
+        <p:spPr/>
+        <p:txBody>
+          <a:bodyPr/>
+          <a:lstStyle/>
+          <a:p>
+            <a:r>
+              <a:rPr kumimoji="1" lang="ja-JP" altLang="en-US"/>
+              <a:t>最後に</a:t>
+            </a:r>
+          </a:p>
+        </p:txBody>
+      </p:sp>
+      <p:sp>
+        <p:nvSpPr>
+          <p:cNvPr id="3" name="コンテンツ プレースホルダー 2">
+            <a:extLst>
+              <a:ext uri="{FF2B5EF4-FFF2-40B4-BE49-F238E27FC236}">
+                <a16:creationId xmlns:a16="http://schemas.microsoft.com/office/drawing/2014/main" id="{D6DDBE56-34CC-BB57-4333-48CBF7427FB1}"/>
+              </a:ext>
+            </a:extLst>
+          </p:cNvPr>
+          <p:cNvSpPr>
+            <a:spLocks noGrp="1"/>
+          </p:cNvSpPr>
+          <p:nvPr>
+            <p:ph idx="1"/>
+          </p:nvPr>
+        </p:nvSpPr>
+        <p:spPr/>
+        <p:txBody>
+          <a:bodyPr>
+            <a:normAutofit/>
+          </a:bodyPr>
+          <a:lstStyle/>
+          <a:p>
+            <a:pPr marL="0" indent="0">
+              <a:buNone/>
+            </a:pPr>
+            <a:r>
+              <a:rPr kumimoji="1" lang="en-US" altLang="ja-JP" sz="2800"/>
+              <a:t>※ CC</a:t>
+            </a:r>
+            <a:r>
+              <a:rPr kumimoji="1" lang="ja-JP" altLang="en-US" sz="2800"/>
+              <a:t>の利用は対戦回の</a:t>
+            </a:r>
+            <a:r>
+              <a:rPr kumimoji="1" lang="en-US" altLang="ja-JP" sz="2800"/>
+              <a:t>2</a:t>
+            </a:r>
+            <a:r>
+              <a:rPr kumimoji="1" lang="ja-JP" altLang="en-US" sz="2800"/>
+              <a:t>週間前までにする予定</a:t>
+            </a:r>
+            <a:endParaRPr kumimoji="1" lang="en-US" altLang="ja-JP" sz="2800"/>
+          </a:p>
+          <a:p>
+            <a:pPr marL="0" indent="0">
+              <a:buNone/>
+            </a:pPr>
+            <a:endParaRPr kumimoji="1" lang="en-US" altLang="ja-JP" sz="2800"/>
+          </a:p>
+          <a:p>
+            <a:pPr marL="0" indent="0">
+              <a:buNone/>
+            </a:pPr>
+            <a:r>
+              <a:rPr kumimoji="1" lang="en-US" altLang="ja-JP" sz="2800"/>
+              <a:t>CC</a:t>
+            </a:r>
+            <a:r>
+              <a:rPr kumimoji="1" lang="ja-JP" altLang="en-US" sz="2800"/>
+              <a:t>をぜひ開発に役立ててください！</a:t>
+            </a:r>
+            <a:endParaRPr kumimoji="1" lang="en-US" altLang="ja-JP" sz="2800"/>
+          </a:p>
+          <a:p>
+            <a:pPr marL="0" indent="0">
+              <a:buNone/>
+            </a:pPr>
+            <a:endParaRPr lang="en-US" altLang="ja-JP" sz="2800"/>
+          </a:p>
+          <a:p>
+            <a:pPr marL="0" indent="0">
+              <a:buNone/>
+            </a:pPr>
+            <a:r>
+              <a:rPr lang="ja-JP" altLang="en-US" sz="2800"/>
+              <a:t>各</a:t>
+            </a:r>
+            <a:r>
+              <a:rPr kumimoji="1" lang="ja-JP" altLang="en-US" sz="2800"/>
+              <a:t>対戦回終了後にアンケート調査を行う予定です</a:t>
+            </a:r>
+            <a:endParaRPr kumimoji="1" lang="en-US" altLang="ja-JP" sz="2800"/>
+          </a:p>
+          <a:p>
+            <a:pPr marL="0" indent="0">
+              <a:buNone/>
+            </a:pPr>
+            <a:r>
+              <a:rPr kumimoji="1" lang="en-US" altLang="ja-JP" sz="2800"/>
+              <a:t>	</a:t>
+            </a:r>
+            <a:r>
+              <a:rPr kumimoji="1" lang="ja-JP" altLang="en-US" sz="2800"/>
+              <a:t>ご協力お願いいたします</a:t>
+            </a:r>
+            <a:endParaRPr kumimoji="1" lang="en-US" altLang="ja-JP" sz="2800"/>
+          </a:p>
+          <a:p>
+            <a:pPr marL="0" indent="0">
+              <a:buNone/>
+            </a:pPr>
+            <a:endParaRPr lang="en-US" altLang="ja-JP" sz="2800"/>
+          </a:p>
+          <a:p>
+            <a:pPr marL="0" indent="0">
+              <a:buNone/>
+            </a:pPr>
+            <a:r>
+              <a:rPr lang="ja-JP" altLang="en-US" sz="2800"/>
+              <a:t>何かあれば</a:t>
+            </a:r>
+            <a:r>
+              <a:rPr lang="en-US" altLang="ja-JP" sz="2800">
+                <a:latin typeface="Helvetica" pitchFamily="2" charset="0"/>
+              </a:rPr>
+              <a:t>slack</a:t>
+            </a:r>
+            <a:r>
+              <a:rPr lang="ja-JP" altLang="en-US" sz="2800"/>
+              <a:t>で</a:t>
+            </a:r>
+            <a:r>
+              <a:rPr lang="en-US" altLang="ja-JP" sz="2800">
+                <a:latin typeface="Helvetica" pitchFamily="2" charset="0"/>
+              </a:rPr>
+              <a:t>@y-yabust</a:t>
+            </a:r>
+            <a:r>
+              <a:rPr lang="ja-JP" altLang="en-US" sz="2800"/>
+              <a:t>までご連絡ください</a:t>
+            </a:r>
+            <a:endParaRPr lang="en-US" altLang="ja-JP" sz="2800"/>
+          </a:p>
+        </p:txBody>
+      </p:sp>
+      <p:sp>
+        <p:nvSpPr>
+          <p:cNvPr id="4" name="スライド番号プレースホルダー 3">
+            <a:extLst>
+              <a:ext uri="{FF2B5EF4-FFF2-40B4-BE49-F238E27FC236}">
+                <a16:creationId xmlns:a16="http://schemas.microsoft.com/office/drawing/2014/main" id="{64B20E1D-D79F-03EC-02FB-82A89D2B0F04}"/>
+              </a:ext>
+            </a:extLst>
+          </p:cNvPr>
+          <p:cNvSpPr>
+            <a:spLocks noGrp="1"/>
+          </p:cNvSpPr>
+          <p:nvPr>
+            <p:ph type="sldNum" sz="quarter" idx="12"/>
+          </p:nvPr>
+        </p:nvSpPr>
+        <p:spPr/>
+        <p:txBody>
+          <a:bodyPr/>
+          <a:lstStyle/>
+          <a:p>
+            <a:fld id="{F5A3E2E4-C4C6-2C45-9E22-FA616B104F81}" type="slidenum">
+              <a:rPr lang="en-US" altLang="ja-JP"/>
+              <a:pPr/>
+              <a:t>11</a:t>
+            </a:fld>
+            <a:endParaRPr kumimoji="1" lang="ja-JP" altLang="en-US"/>
+          </a:p>
+        </p:txBody>
+      </p:sp>
+    </p:spTree>
+    <p:extLst>
+      <p:ext uri="{BB962C8B-B14F-4D97-AF65-F5344CB8AC3E}">
+        <p14:creationId xmlns:p14="http://schemas.microsoft.com/office/powerpoint/2010/main" val="1877668900"/>
       </p:ext>
     </p:extLst>
   </p:cSld>
@@ -4620,12 +5848,174 @@
           <a:chExt cx="0" cy="0"/>
         </a:xfrm>
       </p:grpSpPr>
+      <p:sp>
+        <p:nvSpPr>
+          <p:cNvPr id="3" name="スライド番号プレースホルダー 2">
+            <a:extLst>
+              <a:ext uri="{FF2B5EF4-FFF2-40B4-BE49-F238E27FC236}">
+                <a16:creationId xmlns:a16="http://schemas.microsoft.com/office/drawing/2014/main" id="{68091DDD-AE06-EC30-8AD0-35EF663CB6BE}"/>
+              </a:ext>
+            </a:extLst>
+          </p:cNvPr>
+          <p:cNvSpPr>
+            <a:spLocks noGrp="1"/>
+          </p:cNvSpPr>
+          <p:nvPr>
+            <p:ph type="sldNum" sz="quarter" idx="12"/>
+          </p:nvPr>
+        </p:nvSpPr>
+        <p:spPr/>
+        <p:txBody>
+          <a:bodyPr/>
+          <a:lstStyle/>
+          <a:p>
+            <a:fld id="{F5A3E2E4-C4C6-2C45-9E22-FA616B104F81}" type="slidenum">
+              <a:rPr lang="en-US" altLang="ja-JP"/>
+              <a:t>1</a:t>
+            </a:fld>
+            <a:endParaRPr kumimoji="1" lang="ja-JP" altLang="en-US"/>
+          </a:p>
+        </p:txBody>
+      </p:sp>
+      <p:grpSp>
+        <p:nvGrpSpPr>
+          <p:cNvPr id="4" name="グループ化 3">
+            <a:extLst>
+              <a:ext uri="{FF2B5EF4-FFF2-40B4-BE49-F238E27FC236}">
+                <a16:creationId xmlns:a16="http://schemas.microsoft.com/office/drawing/2014/main" id="{AD06CF04-86AB-384E-0C31-5EA85D277A1D}"/>
+              </a:ext>
+            </a:extLst>
+          </p:cNvPr>
+          <p:cNvGrpSpPr/>
+          <p:nvPr/>
+        </p:nvGrpSpPr>
+        <p:grpSpPr>
+          <a:xfrm>
+            <a:off x="830356" y="417772"/>
+            <a:ext cx="8019720" cy="4615824"/>
+            <a:chOff x="634526" y="1327777"/>
+            <a:chExt cx="8019720" cy="4615824"/>
+          </a:xfrm>
+        </p:grpSpPr>
+        <p:pic>
+          <p:nvPicPr>
+            <p:cNvPr id="5" name="図 4" descr="カレンダー&#10;&#10;自動的に生成された説明">
+              <a:extLst>
+                <a:ext uri="{FF2B5EF4-FFF2-40B4-BE49-F238E27FC236}">
+                  <a16:creationId xmlns:a16="http://schemas.microsoft.com/office/drawing/2014/main" id="{6E81547B-59F5-FE86-6DAE-7C2F4EA944BE}"/>
+                </a:ext>
+              </a:extLst>
+            </p:cNvPr>
+            <p:cNvPicPr>
+              <a:picLocks noChangeAspect="1"/>
+            </p:cNvPicPr>
+            <p:nvPr/>
+          </p:nvPicPr>
+          <p:blipFill>
+            <a:blip r:embed="rId3"/>
+            <a:stretch>
+              <a:fillRect/>
+            </a:stretch>
+          </p:blipFill>
+          <p:spPr>
+            <a:xfrm>
+              <a:off x="634526" y="3732459"/>
+              <a:ext cx="5326287" cy="2211142"/>
+            </a:xfrm>
+            <a:prstGeom prst="rect">
+              <a:avLst/>
+            </a:prstGeom>
+          </p:spPr>
+        </p:pic>
+        <p:pic>
+          <p:nvPicPr>
+            <p:cNvPr id="6" name="図 5" descr="カレンダー&#10;&#10;自動的に生成された説明">
+              <a:extLst>
+                <a:ext uri="{FF2B5EF4-FFF2-40B4-BE49-F238E27FC236}">
+                  <a16:creationId xmlns:a16="http://schemas.microsoft.com/office/drawing/2014/main" id="{632CAB65-E4ED-7189-43CF-10EB44A0F126}"/>
+                </a:ext>
+              </a:extLst>
+            </p:cNvPr>
+            <p:cNvPicPr>
+              <a:picLocks noChangeAspect="1"/>
+            </p:cNvPicPr>
+            <p:nvPr/>
+          </p:nvPicPr>
+          <p:blipFill>
+            <a:blip r:embed="rId4"/>
+            <a:stretch>
+              <a:fillRect/>
+            </a:stretch>
+          </p:blipFill>
+          <p:spPr>
+            <a:xfrm>
+              <a:off x="634526" y="1327777"/>
+              <a:ext cx="8019720" cy="2335244"/>
+            </a:xfrm>
+            <a:prstGeom prst="rect">
+              <a:avLst/>
+            </a:prstGeom>
+          </p:spPr>
+        </p:pic>
+      </p:grpSp>
+      <p:sp>
+        <p:nvSpPr>
+          <p:cNvPr id="7" name="円/楕円 6">
+            <a:extLst>
+              <a:ext uri="{FF2B5EF4-FFF2-40B4-BE49-F238E27FC236}">
+                <a16:creationId xmlns:a16="http://schemas.microsoft.com/office/drawing/2014/main" id="{55090445-079A-B87A-17FB-6D4F34C0AB80}"/>
+              </a:ext>
+            </a:extLst>
+          </p:cNvPr>
+          <p:cNvSpPr/>
+          <p:nvPr/>
+        </p:nvSpPr>
+        <p:spPr>
+          <a:xfrm>
+            <a:off x="2663190" y="851777"/>
+            <a:ext cx="320040" cy="337145"/>
+          </a:xfrm>
+          <a:prstGeom prst="ellipse">
+            <a:avLst/>
+          </a:prstGeom>
+          <a:noFill/>
+          <a:ln w="38100">
+            <a:solidFill>
+              <a:srgbClr val="FF0000"/>
+            </a:solidFill>
+          </a:ln>
+        </p:spPr>
+        <p:style>
+          <a:lnRef idx="2">
+            <a:schemeClr val="accent1">
+              <a:shade val="15000"/>
+            </a:schemeClr>
+          </a:lnRef>
+          <a:fillRef idx="1">
+            <a:schemeClr val="accent1"/>
+          </a:fillRef>
+          <a:effectRef idx="0">
+            <a:schemeClr val="accent1"/>
+          </a:effectRef>
+          <a:fontRef idx="minor">
+            <a:schemeClr val="lt1"/>
+          </a:fontRef>
+        </p:style>
+        <p:txBody>
+          <a:bodyPr rtlCol="0" anchor="ctr"/>
+          <a:lstStyle/>
+          <a:p>
+            <a:pPr algn="ctr"/>
+            <a:endParaRPr kumimoji="1" lang="ja-JP" altLang="en-US"/>
+          </a:p>
+        </p:txBody>
+      </p:sp>
       <p:cxnSp>
         <p:nvCxnSpPr>
-          <p:cNvPr id="38" name="直線コネクタ 37">
-            <a:extLst>
-              <a:ext uri="{FF2B5EF4-FFF2-40B4-BE49-F238E27FC236}">
-                <a16:creationId xmlns:a16="http://schemas.microsoft.com/office/drawing/2014/main" id="{4012BCBA-1FA3-55E9-D3CE-E07D9F7C4630}"/>
+          <p:cNvPr id="9" name="直線矢印コネクタ 8">
+            <a:extLst>
+              <a:ext uri="{FF2B5EF4-FFF2-40B4-BE49-F238E27FC236}">
+                <a16:creationId xmlns:a16="http://schemas.microsoft.com/office/drawing/2014/main" id="{83C822BA-D5B1-91D6-D6A8-F0DF1B31B990}"/>
               </a:ext>
             </a:extLst>
           </p:cNvPr>
@@ -4636,20 +6026,17 @@
         </p:nvCxnSpPr>
         <p:spPr>
           <a:xfrm>
-            <a:off x="4169471" y="1376095"/>
-            <a:ext cx="0" cy="4803090"/>
-          </a:xfrm>
-          <a:prstGeom prst="line">
+            <a:off x="2823209" y="391442"/>
+            <a:ext cx="0" cy="460335"/>
+          </a:xfrm>
+          <a:prstGeom prst="straightConnector1">
             <a:avLst/>
           </a:prstGeom>
-          <a:ln w="73025">
+          <a:ln w="31750">
             <a:solidFill>
-              <a:schemeClr val="bg1">
-                <a:lumMod val="75000"/>
-                <a:alpha val="44338"/>
-              </a:schemeClr>
+              <a:srgbClr val="FF0000"/>
             </a:solidFill>
-            <a:prstDash val="sysDash"/>
+            <a:tailEnd type="triangle"/>
           </a:ln>
         </p:spPr>
         <p:style>
@@ -4669,6 +6056,1716 @@
       </p:cxnSp>
       <p:sp>
         <p:nvSpPr>
+          <p:cNvPr id="11" name="テキスト ボックス 10">
+            <a:extLst>
+              <a:ext uri="{FF2B5EF4-FFF2-40B4-BE49-F238E27FC236}">
+                <a16:creationId xmlns:a16="http://schemas.microsoft.com/office/drawing/2014/main" id="{49AE7BD4-7E50-D684-D85F-AF7F84D5154D}"/>
+              </a:ext>
+            </a:extLst>
+          </p:cNvPr>
+          <p:cNvSpPr txBox="1"/>
+          <p:nvPr/>
+        </p:nvSpPr>
+        <p:spPr>
+          <a:xfrm>
+            <a:off x="2371804" y="31980"/>
+            <a:ext cx="902811" cy="523220"/>
+          </a:xfrm>
+          <a:prstGeom prst="rect">
+            <a:avLst/>
+          </a:prstGeom>
+          <a:noFill/>
+        </p:spPr>
+        <p:txBody>
+          <a:bodyPr wrap="none" rtlCol="0">
+            <a:spAutoFit/>
+          </a:bodyPr>
+          <a:lstStyle/>
+          <a:p>
+            <a:r>
+              <a:rPr kumimoji="1" lang="ja-JP" altLang="en-US" sz="2800" b="1">
+                <a:solidFill>
+                  <a:srgbClr val="FF0000"/>
+                </a:solidFill>
+              </a:rPr>
+              <a:t>ｲﾏｺｺ</a:t>
+            </a:r>
+          </a:p>
+        </p:txBody>
+      </p:sp>
+      <p:sp>
+        <p:nvSpPr>
+          <p:cNvPr id="15" name="円/楕円 14">
+            <a:extLst>
+              <a:ext uri="{FF2B5EF4-FFF2-40B4-BE49-F238E27FC236}">
+                <a16:creationId xmlns:a16="http://schemas.microsoft.com/office/drawing/2014/main" id="{3610932B-9296-B26F-5AE4-32C094F3AF36}"/>
+              </a:ext>
+            </a:extLst>
+          </p:cNvPr>
+          <p:cNvSpPr/>
+          <p:nvPr/>
+        </p:nvSpPr>
+        <p:spPr>
+          <a:xfrm>
+            <a:off x="7974554" y="866342"/>
+            <a:ext cx="320040" cy="337145"/>
+          </a:xfrm>
+          <a:prstGeom prst="ellipse">
+            <a:avLst/>
+          </a:prstGeom>
+          <a:noFill/>
+          <a:ln w="38100">
+            <a:solidFill>
+              <a:srgbClr val="00456E"/>
+            </a:solidFill>
+          </a:ln>
+        </p:spPr>
+        <p:style>
+          <a:lnRef idx="2">
+            <a:schemeClr val="accent1">
+              <a:shade val="15000"/>
+            </a:schemeClr>
+          </a:lnRef>
+          <a:fillRef idx="1">
+            <a:schemeClr val="accent1"/>
+          </a:fillRef>
+          <a:effectRef idx="0">
+            <a:schemeClr val="accent1"/>
+          </a:effectRef>
+          <a:fontRef idx="minor">
+            <a:schemeClr val="lt1"/>
+          </a:fontRef>
+        </p:style>
+        <p:txBody>
+          <a:bodyPr rtlCol="0" anchor="ctr"/>
+          <a:lstStyle/>
+          <a:p>
+            <a:pPr algn="ctr"/>
+            <a:endParaRPr kumimoji="1" lang="ja-JP" altLang="en-US"/>
+          </a:p>
+        </p:txBody>
+      </p:sp>
+      <p:cxnSp>
+        <p:nvCxnSpPr>
+          <p:cNvPr id="16" name="直線矢印コネクタ 15">
+            <a:extLst>
+              <a:ext uri="{FF2B5EF4-FFF2-40B4-BE49-F238E27FC236}">
+                <a16:creationId xmlns:a16="http://schemas.microsoft.com/office/drawing/2014/main" id="{54EF1EB4-B94A-9A99-6644-9D0B6F1D368A}"/>
+              </a:ext>
+            </a:extLst>
+          </p:cNvPr>
+          <p:cNvCxnSpPr>
+            <a:cxnSpLocks/>
+          </p:cNvCxnSpPr>
+          <p:nvPr/>
+        </p:nvCxnSpPr>
+        <p:spPr>
+          <a:xfrm>
+            <a:off x="5528086" y="2822454"/>
+            <a:ext cx="0" cy="460335"/>
+          </a:xfrm>
+          <a:prstGeom prst="straightConnector1">
+            <a:avLst/>
+          </a:prstGeom>
+          <a:ln w="31750">
+            <a:solidFill>
+              <a:srgbClr val="00456E"/>
+            </a:solidFill>
+            <a:tailEnd type="triangle"/>
+          </a:ln>
+        </p:spPr>
+        <p:style>
+          <a:lnRef idx="1">
+            <a:schemeClr val="accent1"/>
+          </a:lnRef>
+          <a:fillRef idx="0">
+            <a:schemeClr val="accent1"/>
+          </a:fillRef>
+          <a:effectRef idx="0">
+            <a:schemeClr val="accent1"/>
+          </a:effectRef>
+          <a:fontRef idx="minor">
+            <a:schemeClr val="tx1"/>
+          </a:fontRef>
+        </p:style>
+      </p:cxnSp>
+      <p:sp>
+        <p:nvSpPr>
+          <p:cNvPr id="17" name="円/楕円 16">
+            <a:extLst>
+              <a:ext uri="{FF2B5EF4-FFF2-40B4-BE49-F238E27FC236}">
+                <a16:creationId xmlns:a16="http://schemas.microsoft.com/office/drawing/2014/main" id="{852030D6-C197-0281-23FD-47B9F078C596}"/>
+              </a:ext>
+            </a:extLst>
+          </p:cNvPr>
+          <p:cNvSpPr/>
+          <p:nvPr/>
+        </p:nvSpPr>
+        <p:spPr>
+          <a:xfrm>
+            <a:off x="5368066" y="3282557"/>
+            <a:ext cx="320040" cy="337145"/>
+          </a:xfrm>
+          <a:prstGeom prst="ellipse">
+            <a:avLst/>
+          </a:prstGeom>
+          <a:noFill/>
+          <a:ln w="38100">
+            <a:solidFill>
+              <a:srgbClr val="00456E"/>
+            </a:solidFill>
+          </a:ln>
+        </p:spPr>
+        <p:style>
+          <a:lnRef idx="2">
+            <a:schemeClr val="accent1">
+              <a:shade val="15000"/>
+            </a:schemeClr>
+          </a:lnRef>
+          <a:fillRef idx="1">
+            <a:schemeClr val="accent1"/>
+          </a:fillRef>
+          <a:effectRef idx="0">
+            <a:schemeClr val="accent1"/>
+          </a:effectRef>
+          <a:fontRef idx="minor">
+            <a:schemeClr val="lt1"/>
+          </a:fontRef>
+        </p:style>
+        <p:txBody>
+          <a:bodyPr rtlCol="0" anchor="ctr"/>
+          <a:lstStyle/>
+          <a:p>
+            <a:pPr algn="ctr"/>
+            <a:endParaRPr kumimoji="1" lang="ja-JP" altLang="en-US"/>
+          </a:p>
+        </p:txBody>
+      </p:sp>
+      <p:cxnSp>
+        <p:nvCxnSpPr>
+          <p:cNvPr id="18" name="直線矢印コネクタ 17">
+            <a:extLst>
+              <a:ext uri="{FF2B5EF4-FFF2-40B4-BE49-F238E27FC236}">
+                <a16:creationId xmlns:a16="http://schemas.microsoft.com/office/drawing/2014/main" id="{51BAF2F6-EA0D-95B3-5BEA-F8311C30A808}"/>
+              </a:ext>
+            </a:extLst>
+          </p:cNvPr>
+          <p:cNvCxnSpPr>
+            <a:cxnSpLocks/>
+          </p:cNvCxnSpPr>
+          <p:nvPr/>
+        </p:nvCxnSpPr>
+        <p:spPr>
+          <a:xfrm>
+            <a:off x="8134574" y="391441"/>
+            <a:ext cx="0" cy="460335"/>
+          </a:xfrm>
+          <a:prstGeom prst="straightConnector1">
+            <a:avLst/>
+          </a:prstGeom>
+          <a:ln w="31750">
+            <a:solidFill>
+              <a:srgbClr val="00456E"/>
+            </a:solidFill>
+            <a:tailEnd type="triangle"/>
+          </a:ln>
+        </p:spPr>
+        <p:style>
+          <a:lnRef idx="1">
+            <a:schemeClr val="accent1"/>
+          </a:lnRef>
+          <a:fillRef idx="0">
+            <a:schemeClr val="accent1"/>
+          </a:fillRef>
+          <a:effectRef idx="0">
+            <a:schemeClr val="accent1"/>
+          </a:effectRef>
+          <a:fontRef idx="minor">
+            <a:schemeClr val="tx1"/>
+          </a:fontRef>
+        </p:style>
+      </p:cxnSp>
+      <p:sp>
+        <p:nvSpPr>
+          <p:cNvPr id="19" name="テキスト ボックス 18">
+            <a:extLst>
+              <a:ext uri="{FF2B5EF4-FFF2-40B4-BE49-F238E27FC236}">
+                <a16:creationId xmlns:a16="http://schemas.microsoft.com/office/drawing/2014/main" id="{A47BF6E5-7ACC-FECD-0B76-5EA74F24B07A}"/>
+              </a:ext>
+            </a:extLst>
+          </p:cNvPr>
+          <p:cNvSpPr txBox="1"/>
+          <p:nvPr/>
+        </p:nvSpPr>
+        <p:spPr>
+          <a:xfrm>
+            <a:off x="7266563" y="-30047"/>
+            <a:ext cx="1877437" cy="523220"/>
+          </a:xfrm>
+          <a:prstGeom prst="rect">
+            <a:avLst/>
+          </a:prstGeom>
+          <a:noFill/>
+        </p:spPr>
+        <p:txBody>
+          <a:bodyPr wrap="none" rtlCol="0">
+            <a:spAutoFit/>
+          </a:bodyPr>
+          <a:lstStyle/>
+          <a:p>
+            <a:r>
+              <a:rPr kumimoji="1" lang="en-US" altLang="ja-JP" sz="2800" b="1">
+                <a:solidFill>
+                  <a:srgbClr val="00456E"/>
+                </a:solidFill>
+              </a:rPr>
+              <a:t>solo</a:t>
+            </a:r>
+            <a:r>
+              <a:rPr kumimoji="1" lang="ja-JP" altLang="en-US" sz="2800" b="1">
+                <a:solidFill>
+                  <a:srgbClr val="00456E"/>
+                </a:solidFill>
+              </a:rPr>
+              <a:t>対戦回</a:t>
+            </a:r>
+          </a:p>
+        </p:txBody>
+      </p:sp>
+      <p:sp>
+        <p:nvSpPr>
+          <p:cNvPr id="21" name="テキスト ボックス 20">
+            <a:extLst>
+              <a:ext uri="{FF2B5EF4-FFF2-40B4-BE49-F238E27FC236}">
+                <a16:creationId xmlns:a16="http://schemas.microsoft.com/office/drawing/2014/main" id="{53DCAE9F-C421-F6E9-817E-FE42F6F6D2D7}"/>
+              </a:ext>
+            </a:extLst>
+          </p:cNvPr>
+          <p:cNvSpPr txBox="1"/>
+          <p:nvPr/>
+        </p:nvSpPr>
+        <p:spPr>
+          <a:xfrm>
+            <a:off x="4580513" y="2398253"/>
+            <a:ext cx="1915909" cy="523220"/>
+          </a:xfrm>
+          <a:prstGeom prst="rect">
+            <a:avLst/>
+          </a:prstGeom>
+          <a:noFill/>
+        </p:spPr>
+        <p:txBody>
+          <a:bodyPr wrap="none" rtlCol="0">
+            <a:spAutoFit/>
+          </a:bodyPr>
+          <a:lstStyle/>
+          <a:p>
+            <a:r>
+              <a:rPr kumimoji="1" lang="en-US" altLang="ja-JP" sz="2800" b="1">
+                <a:solidFill>
+                  <a:srgbClr val="00456E"/>
+                </a:solidFill>
+              </a:rPr>
+              <a:t>duel</a:t>
+            </a:r>
+            <a:r>
+              <a:rPr kumimoji="1" lang="ja-JP" altLang="en-US" sz="2800" b="1">
+                <a:solidFill>
+                  <a:srgbClr val="00456E"/>
+                </a:solidFill>
+              </a:rPr>
+              <a:t>対戦回</a:t>
+            </a:r>
+          </a:p>
+        </p:txBody>
+      </p:sp>
+    </p:spTree>
+    <p:extLst>
+      <p:ext uri="{BB962C8B-B14F-4D97-AF65-F5344CB8AC3E}">
+        <p14:creationId xmlns:p14="http://schemas.microsoft.com/office/powerpoint/2010/main" val="2824732061"/>
+      </p:ext>
+    </p:extLst>
+  </p:cSld>
+  <p:clrMapOvr>
+    <a:masterClrMapping/>
+  </p:clrMapOvr>
+</p:sld>
+</file>
+
+<file path=ppt/slides/slide3.xml><?xml version="1.0" encoding="utf-8"?>
+<p:sld xmlns:a="http://schemas.openxmlformats.org/drawingml/2006/main" xmlns:r="http://schemas.openxmlformats.org/officeDocument/2006/relationships" xmlns:p="http://schemas.openxmlformats.org/presentationml/2006/main">
+  <p:cSld>
+    <p:spTree>
+      <p:nvGrpSpPr>
+        <p:cNvPr id="1" name=""/>
+        <p:cNvGrpSpPr/>
+        <p:nvPr/>
+      </p:nvGrpSpPr>
+      <p:grpSpPr>
+        <a:xfrm>
+          <a:off x="0" y="0"/>
+          <a:ext cx="0" cy="0"/>
+          <a:chOff x="0" y="0"/>
+          <a:chExt cx="0" cy="0"/>
+        </a:xfrm>
+      </p:grpSpPr>
+      <p:sp>
+        <p:nvSpPr>
+          <p:cNvPr id="3" name="スライド番号プレースホルダー 2">
+            <a:extLst>
+              <a:ext uri="{FF2B5EF4-FFF2-40B4-BE49-F238E27FC236}">
+                <a16:creationId xmlns:a16="http://schemas.microsoft.com/office/drawing/2014/main" id="{68091DDD-AE06-EC30-8AD0-35EF663CB6BE}"/>
+              </a:ext>
+            </a:extLst>
+          </p:cNvPr>
+          <p:cNvSpPr>
+            <a:spLocks noGrp="1"/>
+          </p:cNvSpPr>
+          <p:nvPr>
+            <p:ph type="sldNum" sz="quarter" idx="12"/>
+          </p:nvPr>
+        </p:nvSpPr>
+        <p:spPr/>
+        <p:txBody>
+          <a:bodyPr/>
+          <a:lstStyle/>
+          <a:p>
+            <a:fld id="{F5A3E2E4-C4C6-2C45-9E22-FA616B104F81}" type="slidenum">
+              <a:rPr lang="en-US" altLang="ja-JP"/>
+              <a:t>2</a:t>
+            </a:fld>
+            <a:endParaRPr kumimoji="1" lang="ja-JP" altLang="en-US"/>
+          </a:p>
+        </p:txBody>
+      </p:sp>
+      <p:grpSp>
+        <p:nvGrpSpPr>
+          <p:cNvPr id="4" name="グループ化 3">
+            <a:extLst>
+              <a:ext uri="{FF2B5EF4-FFF2-40B4-BE49-F238E27FC236}">
+                <a16:creationId xmlns:a16="http://schemas.microsoft.com/office/drawing/2014/main" id="{AD06CF04-86AB-384E-0C31-5EA85D277A1D}"/>
+              </a:ext>
+            </a:extLst>
+          </p:cNvPr>
+          <p:cNvGrpSpPr/>
+          <p:nvPr/>
+        </p:nvGrpSpPr>
+        <p:grpSpPr>
+          <a:xfrm>
+            <a:off x="830356" y="417772"/>
+            <a:ext cx="8019720" cy="4615824"/>
+            <a:chOff x="634526" y="1327777"/>
+            <a:chExt cx="8019720" cy="4615824"/>
+          </a:xfrm>
+        </p:grpSpPr>
+        <p:pic>
+          <p:nvPicPr>
+            <p:cNvPr id="5" name="図 4" descr="カレンダー&#10;&#10;自動的に生成された説明">
+              <a:extLst>
+                <a:ext uri="{FF2B5EF4-FFF2-40B4-BE49-F238E27FC236}">
+                  <a16:creationId xmlns:a16="http://schemas.microsoft.com/office/drawing/2014/main" id="{6E81547B-59F5-FE86-6DAE-7C2F4EA944BE}"/>
+                </a:ext>
+              </a:extLst>
+            </p:cNvPr>
+            <p:cNvPicPr>
+              <a:picLocks noChangeAspect="1"/>
+            </p:cNvPicPr>
+            <p:nvPr/>
+          </p:nvPicPr>
+          <p:blipFill>
+            <a:blip r:embed="rId3"/>
+            <a:stretch>
+              <a:fillRect/>
+            </a:stretch>
+          </p:blipFill>
+          <p:spPr>
+            <a:xfrm>
+              <a:off x="634526" y="3732459"/>
+              <a:ext cx="5326287" cy="2211142"/>
+            </a:xfrm>
+            <a:prstGeom prst="rect">
+              <a:avLst/>
+            </a:prstGeom>
+          </p:spPr>
+        </p:pic>
+        <p:pic>
+          <p:nvPicPr>
+            <p:cNvPr id="6" name="図 5" descr="カレンダー&#10;&#10;自動的に生成された説明">
+              <a:extLst>
+                <a:ext uri="{FF2B5EF4-FFF2-40B4-BE49-F238E27FC236}">
+                  <a16:creationId xmlns:a16="http://schemas.microsoft.com/office/drawing/2014/main" id="{632CAB65-E4ED-7189-43CF-10EB44A0F126}"/>
+                </a:ext>
+              </a:extLst>
+            </p:cNvPr>
+            <p:cNvPicPr>
+              <a:picLocks noChangeAspect="1"/>
+            </p:cNvPicPr>
+            <p:nvPr/>
+          </p:nvPicPr>
+          <p:blipFill>
+            <a:blip r:embed="rId4"/>
+            <a:stretch>
+              <a:fillRect/>
+            </a:stretch>
+          </p:blipFill>
+          <p:spPr>
+            <a:xfrm>
+              <a:off x="634526" y="1327777"/>
+              <a:ext cx="8019720" cy="2335244"/>
+            </a:xfrm>
+            <a:prstGeom prst="rect">
+              <a:avLst/>
+            </a:prstGeom>
+          </p:spPr>
+        </p:pic>
+      </p:grpSp>
+      <p:sp>
+        <p:nvSpPr>
+          <p:cNvPr id="7" name="円/楕円 6">
+            <a:extLst>
+              <a:ext uri="{FF2B5EF4-FFF2-40B4-BE49-F238E27FC236}">
+                <a16:creationId xmlns:a16="http://schemas.microsoft.com/office/drawing/2014/main" id="{55090445-079A-B87A-17FB-6D4F34C0AB80}"/>
+              </a:ext>
+            </a:extLst>
+          </p:cNvPr>
+          <p:cNvSpPr/>
+          <p:nvPr/>
+        </p:nvSpPr>
+        <p:spPr>
+          <a:xfrm>
+            <a:off x="2663190" y="851777"/>
+            <a:ext cx="320040" cy="337145"/>
+          </a:xfrm>
+          <a:prstGeom prst="ellipse">
+            <a:avLst/>
+          </a:prstGeom>
+          <a:noFill/>
+          <a:ln w="38100">
+            <a:solidFill>
+              <a:srgbClr val="FF0000"/>
+            </a:solidFill>
+          </a:ln>
+        </p:spPr>
+        <p:style>
+          <a:lnRef idx="2">
+            <a:schemeClr val="accent1">
+              <a:shade val="15000"/>
+            </a:schemeClr>
+          </a:lnRef>
+          <a:fillRef idx="1">
+            <a:schemeClr val="accent1"/>
+          </a:fillRef>
+          <a:effectRef idx="0">
+            <a:schemeClr val="accent1"/>
+          </a:effectRef>
+          <a:fontRef idx="minor">
+            <a:schemeClr val="lt1"/>
+          </a:fontRef>
+        </p:style>
+        <p:txBody>
+          <a:bodyPr rtlCol="0" anchor="ctr"/>
+          <a:lstStyle/>
+          <a:p>
+            <a:pPr algn="ctr"/>
+            <a:endParaRPr kumimoji="1" lang="ja-JP" altLang="en-US"/>
+          </a:p>
+        </p:txBody>
+      </p:sp>
+      <p:cxnSp>
+        <p:nvCxnSpPr>
+          <p:cNvPr id="9" name="直線矢印コネクタ 8">
+            <a:extLst>
+              <a:ext uri="{FF2B5EF4-FFF2-40B4-BE49-F238E27FC236}">
+                <a16:creationId xmlns:a16="http://schemas.microsoft.com/office/drawing/2014/main" id="{83C822BA-D5B1-91D6-D6A8-F0DF1B31B990}"/>
+              </a:ext>
+            </a:extLst>
+          </p:cNvPr>
+          <p:cNvCxnSpPr>
+            <a:cxnSpLocks/>
+          </p:cNvCxnSpPr>
+          <p:nvPr/>
+        </p:nvCxnSpPr>
+        <p:spPr>
+          <a:xfrm>
+            <a:off x="2823209" y="391442"/>
+            <a:ext cx="0" cy="460335"/>
+          </a:xfrm>
+          <a:prstGeom prst="straightConnector1">
+            <a:avLst/>
+          </a:prstGeom>
+          <a:ln w="31750">
+            <a:solidFill>
+              <a:srgbClr val="FF0000"/>
+            </a:solidFill>
+            <a:tailEnd type="triangle"/>
+          </a:ln>
+        </p:spPr>
+        <p:style>
+          <a:lnRef idx="1">
+            <a:schemeClr val="accent1"/>
+          </a:lnRef>
+          <a:fillRef idx="0">
+            <a:schemeClr val="accent1"/>
+          </a:fillRef>
+          <a:effectRef idx="0">
+            <a:schemeClr val="accent1"/>
+          </a:effectRef>
+          <a:fontRef idx="minor">
+            <a:schemeClr val="tx1"/>
+          </a:fontRef>
+        </p:style>
+      </p:cxnSp>
+      <p:sp>
+        <p:nvSpPr>
+          <p:cNvPr id="11" name="テキスト ボックス 10">
+            <a:extLst>
+              <a:ext uri="{FF2B5EF4-FFF2-40B4-BE49-F238E27FC236}">
+                <a16:creationId xmlns:a16="http://schemas.microsoft.com/office/drawing/2014/main" id="{49AE7BD4-7E50-D684-D85F-AF7F84D5154D}"/>
+              </a:ext>
+            </a:extLst>
+          </p:cNvPr>
+          <p:cNvSpPr txBox="1"/>
+          <p:nvPr/>
+        </p:nvSpPr>
+        <p:spPr>
+          <a:xfrm>
+            <a:off x="2371804" y="31980"/>
+            <a:ext cx="902811" cy="523220"/>
+          </a:xfrm>
+          <a:prstGeom prst="rect">
+            <a:avLst/>
+          </a:prstGeom>
+          <a:noFill/>
+        </p:spPr>
+        <p:txBody>
+          <a:bodyPr wrap="none" rtlCol="0">
+            <a:spAutoFit/>
+          </a:bodyPr>
+          <a:lstStyle/>
+          <a:p>
+            <a:r>
+              <a:rPr kumimoji="1" lang="ja-JP" altLang="en-US" sz="2800" b="1">
+                <a:solidFill>
+                  <a:srgbClr val="FF0000"/>
+                </a:solidFill>
+              </a:rPr>
+              <a:t>ｲﾏｺｺ</a:t>
+            </a:r>
+          </a:p>
+        </p:txBody>
+      </p:sp>
+      <p:sp>
+        <p:nvSpPr>
+          <p:cNvPr id="15" name="円/楕円 14">
+            <a:extLst>
+              <a:ext uri="{FF2B5EF4-FFF2-40B4-BE49-F238E27FC236}">
+                <a16:creationId xmlns:a16="http://schemas.microsoft.com/office/drawing/2014/main" id="{3610932B-9296-B26F-5AE4-32C094F3AF36}"/>
+              </a:ext>
+            </a:extLst>
+          </p:cNvPr>
+          <p:cNvSpPr/>
+          <p:nvPr/>
+        </p:nvSpPr>
+        <p:spPr>
+          <a:xfrm>
+            <a:off x="7974554" y="866342"/>
+            <a:ext cx="320040" cy="337145"/>
+          </a:xfrm>
+          <a:prstGeom prst="ellipse">
+            <a:avLst/>
+          </a:prstGeom>
+          <a:noFill/>
+          <a:ln w="38100">
+            <a:solidFill>
+              <a:srgbClr val="00456E"/>
+            </a:solidFill>
+          </a:ln>
+        </p:spPr>
+        <p:style>
+          <a:lnRef idx="2">
+            <a:schemeClr val="accent1">
+              <a:shade val="15000"/>
+            </a:schemeClr>
+          </a:lnRef>
+          <a:fillRef idx="1">
+            <a:schemeClr val="accent1"/>
+          </a:fillRef>
+          <a:effectRef idx="0">
+            <a:schemeClr val="accent1"/>
+          </a:effectRef>
+          <a:fontRef idx="minor">
+            <a:schemeClr val="lt1"/>
+          </a:fontRef>
+        </p:style>
+        <p:txBody>
+          <a:bodyPr rtlCol="0" anchor="ctr"/>
+          <a:lstStyle/>
+          <a:p>
+            <a:pPr algn="ctr"/>
+            <a:endParaRPr kumimoji="1" lang="ja-JP" altLang="en-US"/>
+          </a:p>
+        </p:txBody>
+      </p:sp>
+      <p:cxnSp>
+        <p:nvCxnSpPr>
+          <p:cNvPr id="16" name="直線矢印コネクタ 15">
+            <a:extLst>
+              <a:ext uri="{FF2B5EF4-FFF2-40B4-BE49-F238E27FC236}">
+                <a16:creationId xmlns:a16="http://schemas.microsoft.com/office/drawing/2014/main" id="{54EF1EB4-B94A-9A99-6644-9D0B6F1D368A}"/>
+              </a:ext>
+            </a:extLst>
+          </p:cNvPr>
+          <p:cNvCxnSpPr>
+            <a:cxnSpLocks/>
+          </p:cNvCxnSpPr>
+          <p:nvPr/>
+        </p:nvCxnSpPr>
+        <p:spPr>
+          <a:xfrm>
+            <a:off x="5528086" y="2822454"/>
+            <a:ext cx="0" cy="460335"/>
+          </a:xfrm>
+          <a:prstGeom prst="straightConnector1">
+            <a:avLst/>
+          </a:prstGeom>
+          <a:ln w="31750">
+            <a:solidFill>
+              <a:srgbClr val="00456E"/>
+            </a:solidFill>
+            <a:tailEnd type="triangle"/>
+          </a:ln>
+        </p:spPr>
+        <p:style>
+          <a:lnRef idx="1">
+            <a:schemeClr val="accent1"/>
+          </a:lnRef>
+          <a:fillRef idx="0">
+            <a:schemeClr val="accent1"/>
+          </a:fillRef>
+          <a:effectRef idx="0">
+            <a:schemeClr val="accent1"/>
+          </a:effectRef>
+          <a:fontRef idx="minor">
+            <a:schemeClr val="tx1"/>
+          </a:fontRef>
+        </p:style>
+      </p:cxnSp>
+      <p:sp>
+        <p:nvSpPr>
+          <p:cNvPr id="17" name="円/楕円 16">
+            <a:extLst>
+              <a:ext uri="{FF2B5EF4-FFF2-40B4-BE49-F238E27FC236}">
+                <a16:creationId xmlns:a16="http://schemas.microsoft.com/office/drawing/2014/main" id="{852030D6-C197-0281-23FD-47B9F078C596}"/>
+              </a:ext>
+            </a:extLst>
+          </p:cNvPr>
+          <p:cNvSpPr/>
+          <p:nvPr/>
+        </p:nvSpPr>
+        <p:spPr>
+          <a:xfrm>
+            <a:off x="5368066" y="3282557"/>
+            <a:ext cx="320040" cy="337145"/>
+          </a:xfrm>
+          <a:prstGeom prst="ellipse">
+            <a:avLst/>
+          </a:prstGeom>
+          <a:noFill/>
+          <a:ln w="38100">
+            <a:solidFill>
+              <a:srgbClr val="00456E"/>
+            </a:solidFill>
+          </a:ln>
+        </p:spPr>
+        <p:style>
+          <a:lnRef idx="2">
+            <a:schemeClr val="accent1">
+              <a:shade val="15000"/>
+            </a:schemeClr>
+          </a:lnRef>
+          <a:fillRef idx="1">
+            <a:schemeClr val="accent1"/>
+          </a:fillRef>
+          <a:effectRef idx="0">
+            <a:schemeClr val="accent1"/>
+          </a:effectRef>
+          <a:fontRef idx="minor">
+            <a:schemeClr val="lt1"/>
+          </a:fontRef>
+        </p:style>
+        <p:txBody>
+          <a:bodyPr rtlCol="0" anchor="ctr"/>
+          <a:lstStyle/>
+          <a:p>
+            <a:pPr algn="ctr"/>
+            <a:endParaRPr kumimoji="1" lang="ja-JP" altLang="en-US"/>
+          </a:p>
+        </p:txBody>
+      </p:sp>
+      <p:cxnSp>
+        <p:nvCxnSpPr>
+          <p:cNvPr id="18" name="直線矢印コネクタ 17">
+            <a:extLst>
+              <a:ext uri="{FF2B5EF4-FFF2-40B4-BE49-F238E27FC236}">
+                <a16:creationId xmlns:a16="http://schemas.microsoft.com/office/drawing/2014/main" id="{51BAF2F6-EA0D-95B3-5BEA-F8311C30A808}"/>
+              </a:ext>
+            </a:extLst>
+          </p:cNvPr>
+          <p:cNvCxnSpPr>
+            <a:cxnSpLocks/>
+          </p:cNvCxnSpPr>
+          <p:nvPr/>
+        </p:nvCxnSpPr>
+        <p:spPr>
+          <a:xfrm>
+            <a:off x="8134574" y="391441"/>
+            <a:ext cx="0" cy="460335"/>
+          </a:xfrm>
+          <a:prstGeom prst="straightConnector1">
+            <a:avLst/>
+          </a:prstGeom>
+          <a:ln w="31750">
+            <a:solidFill>
+              <a:srgbClr val="00456E"/>
+            </a:solidFill>
+            <a:tailEnd type="triangle"/>
+          </a:ln>
+        </p:spPr>
+        <p:style>
+          <a:lnRef idx="1">
+            <a:schemeClr val="accent1"/>
+          </a:lnRef>
+          <a:fillRef idx="0">
+            <a:schemeClr val="accent1"/>
+          </a:fillRef>
+          <a:effectRef idx="0">
+            <a:schemeClr val="accent1"/>
+          </a:effectRef>
+          <a:fontRef idx="minor">
+            <a:schemeClr val="tx1"/>
+          </a:fontRef>
+        </p:style>
+      </p:cxnSp>
+      <p:sp>
+        <p:nvSpPr>
+          <p:cNvPr id="19" name="テキスト ボックス 18">
+            <a:extLst>
+              <a:ext uri="{FF2B5EF4-FFF2-40B4-BE49-F238E27FC236}">
+                <a16:creationId xmlns:a16="http://schemas.microsoft.com/office/drawing/2014/main" id="{A47BF6E5-7ACC-FECD-0B76-5EA74F24B07A}"/>
+              </a:ext>
+            </a:extLst>
+          </p:cNvPr>
+          <p:cNvSpPr txBox="1"/>
+          <p:nvPr/>
+        </p:nvSpPr>
+        <p:spPr>
+          <a:xfrm>
+            <a:off x="7266563" y="-30047"/>
+            <a:ext cx="1877437" cy="523220"/>
+          </a:xfrm>
+          <a:prstGeom prst="rect">
+            <a:avLst/>
+          </a:prstGeom>
+          <a:noFill/>
+        </p:spPr>
+        <p:txBody>
+          <a:bodyPr wrap="none" rtlCol="0">
+            <a:spAutoFit/>
+          </a:bodyPr>
+          <a:lstStyle/>
+          <a:p>
+            <a:r>
+              <a:rPr kumimoji="1" lang="en-US" altLang="ja-JP" sz="2800" b="1">
+                <a:solidFill>
+                  <a:srgbClr val="00456E"/>
+                </a:solidFill>
+              </a:rPr>
+              <a:t>solo</a:t>
+            </a:r>
+            <a:r>
+              <a:rPr kumimoji="1" lang="ja-JP" altLang="en-US" sz="2800" b="1">
+                <a:solidFill>
+                  <a:srgbClr val="00456E"/>
+                </a:solidFill>
+              </a:rPr>
+              <a:t>対戦回</a:t>
+            </a:r>
+          </a:p>
+        </p:txBody>
+      </p:sp>
+      <p:sp>
+        <p:nvSpPr>
+          <p:cNvPr id="21" name="テキスト ボックス 20">
+            <a:extLst>
+              <a:ext uri="{FF2B5EF4-FFF2-40B4-BE49-F238E27FC236}">
+                <a16:creationId xmlns:a16="http://schemas.microsoft.com/office/drawing/2014/main" id="{53DCAE9F-C421-F6E9-817E-FE42F6F6D2D7}"/>
+              </a:ext>
+            </a:extLst>
+          </p:cNvPr>
+          <p:cNvSpPr txBox="1"/>
+          <p:nvPr/>
+        </p:nvSpPr>
+        <p:spPr>
+          <a:xfrm>
+            <a:off x="4580513" y="2398253"/>
+            <a:ext cx="1915909" cy="523220"/>
+          </a:xfrm>
+          <a:prstGeom prst="rect">
+            <a:avLst/>
+          </a:prstGeom>
+          <a:noFill/>
+        </p:spPr>
+        <p:txBody>
+          <a:bodyPr wrap="none" rtlCol="0">
+            <a:spAutoFit/>
+          </a:bodyPr>
+          <a:lstStyle/>
+          <a:p>
+            <a:r>
+              <a:rPr kumimoji="1" lang="en-US" altLang="ja-JP" sz="2800" b="1">
+                <a:solidFill>
+                  <a:srgbClr val="00456E"/>
+                </a:solidFill>
+              </a:rPr>
+              <a:t>duel</a:t>
+            </a:r>
+            <a:r>
+              <a:rPr kumimoji="1" lang="ja-JP" altLang="en-US" sz="2800" b="1">
+                <a:solidFill>
+                  <a:srgbClr val="00456E"/>
+                </a:solidFill>
+              </a:rPr>
+              <a:t>対戦回</a:t>
+            </a:r>
+          </a:p>
+        </p:txBody>
+      </p:sp>
+      <p:sp>
+        <p:nvSpPr>
+          <p:cNvPr id="2" name="コンテンツ プレースホルダー 2">
+            <a:extLst>
+              <a:ext uri="{FF2B5EF4-FFF2-40B4-BE49-F238E27FC236}">
+                <a16:creationId xmlns:a16="http://schemas.microsoft.com/office/drawing/2014/main" id="{D7068920-56CE-CD6E-4BEA-3C4A317CF156}"/>
+              </a:ext>
+            </a:extLst>
+          </p:cNvPr>
+          <p:cNvSpPr txBox="1">
+            <a:spLocks/>
+          </p:cNvSpPr>
+          <p:nvPr/>
+        </p:nvSpPr>
+        <p:spPr>
+          <a:xfrm>
+            <a:off x="390017" y="4390220"/>
+            <a:ext cx="9196895" cy="2757799"/>
+          </a:xfrm>
+          <a:prstGeom prst="rect">
+            <a:avLst/>
+          </a:prstGeom>
+        </p:spPr>
+        <p:txBody>
+          <a:bodyPr/>
+          <a:lstStyle>
+            <a:lvl1pPr marL="228600" indent="-228600" algn="l" defTabSz="914400" rtl="0" eaLnBrk="1" latinLnBrk="0" hangingPunct="1">
+              <a:lnSpc>
+                <a:spcPct val="90000"/>
+              </a:lnSpc>
+              <a:spcBef>
+                <a:spcPts val="1000"/>
+              </a:spcBef>
+              <a:buFont typeface="Arial" panose="020B0604020202020204" pitchFamily="34" charset="0"/>
+              <a:buChar char="•"/>
+              <a:defRPr kumimoji="1" sz="2800" kern="1200">
+                <a:solidFill>
+                  <a:schemeClr val="tx1"/>
+                </a:solidFill>
+                <a:latin typeface="+mn-lt"/>
+                <a:ea typeface="+mn-ea"/>
+                <a:cs typeface="+mn-cs"/>
+              </a:defRPr>
+            </a:lvl1pPr>
+            <a:lvl2pPr marL="685800" indent="-228600" algn="l" defTabSz="914400" rtl="0" eaLnBrk="1" latinLnBrk="0" hangingPunct="1">
+              <a:lnSpc>
+                <a:spcPct val="90000"/>
+              </a:lnSpc>
+              <a:spcBef>
+                <a:spcPts val="500"/>
+              </a:spcBef>
+              <a:buFont typeface="Arial" panose="020B0604020202020204" pitchFamily="34" charset="0"/>
+              <a:buChar char="•"/>
+              <a:defRPr kumimoji="1" sz="2400" kern="1200">
+                <a:solidFill>
+                  <a:schemeClr val="tx1"/>
+                </a:solidFill>
+                <a:latin typeface="+mn-lt"/>
+                <a:ea typeface="+mn-ea"/>
+                <a:cs typeface="+mn-cs"/>
+              </a:defRPr>
+            </a:lvl2pPr>
+            <a:lvl3pPr marL="1143000" indent="-228600" algn="l" defTabSz="914400" rtl="0" eaLnBrk="1" latinLnBrk="0" hangingPunct="1">
+              <a:lnSpc>
+                <a:spcPct val="90000"/>
+              </a:lnSpc>
+              <a:spcBef>
+                <a:spcPts val="500"/>
+              </a:spcBef>
+              <a:buFont typeface="Arial" panose="020B0604020202020204" pitchFamily="34" charset="0"/>
+              <a:buChar char="•"/>
+              <a:defRPr kumimoji="1" sz="2000" kern="1200">
+                <a:solidFill>
+                  <a:schemeClr val="tx1"/>
+                </a:solidFill>
+                <a:latin typeface="+mn-lt"/>
+                <a:ea typeface="+mn-ea"/>
+                <a:cs typeface="+mn-cs"/>
+              </a:defRPr>
+            </a:lvl3pPr>
+            <a:lvl4pPr marL="1600200" indent="-228600" algn="l" defTabSz="914400" rtl="0" eaLnBrk="1" latinLnBrk="0" hangingPunct="1">
+              <a:lnSpc>
+                <a:spcPct val="90000"/>
+              </a:lnSpc>
+              <a:spcBef>
+                <a:spcPts val="500"/>
+              </a:spcBef>
+              <a:buFont typeface="Arial" panose="020B0604020202020204" pitchFamily="34" charset="0"/>
+              <a:buChar char="•"/>
+              <a:defRPr kumimoji="1" sz="1800" kern="1200">
+                <a:solidFill>
+                  <a:schemeClr val="tx1"/>
+                </a:solidFill>
+                <a:latin typeface="+mn-lt"/>
+                <a:ea typeface="+mn-ea"/>
+                <a:cs typeface="+mn-cs"/>
+              </a:defRPr>
+            </a:lvl4pPr>
+            <a:lvl5pPr marL="2057400" indent="-228600" algn="l" defTabSz="914400" rtl="0" eaLnBrk="1" latinLnBrk="0" hangingPunct="1">
+              <a:lnSpc>
+                <a:spcPct val="90000"/>
+              </a:lnSpc>
+              <a:spcBef>
+                <a:spcPts val="500"/>
+              </a:spcBef>
+              <a:buFont typeface="Arial" panose="020B0604020202020204" pitchFamily="34" charset="0"/>
+              <a:buChar char="•"/>
+              <a:defRPr kumimoji="1" sz="1800" kern="1200">
+                <a:solidFill>
+                  <a:schemeClr val="tx1"/>
+                </a:solidFill>
+                <a:latin typeface="+mn-lt"/>
+                <a:ea typeface="+mn-ea"/>
+                <a:cs typeface="+mn-cs"/>
+              </a:defRPr>
+            </a:lvl5pPr>
+            <a:lvl6pPr marL="2514600" indent="-228600" algn="l" defTabSz="914400" rtl="0" eaLnBrk="1" latinLnBrk="0" hangingPunct="1">
+              <a:lnSpc>
+                <a:spcPct val="90000"/>
+              </a:lnSpc>
+              <a:spcBef>
+                <a:spcPts val="500"/>
+              </a:spcBef>
+              <a:buFont typeface="Arial" panose="020B0604020202020204" pitchFamily="34" charset="0"/>
+              <a:buChar char="•"/>
+              <a:defRPr kumimoji="1" sz="1800" kern="1200">
+                <a:solidFill>
+                  <a:schemeClr val="tx1"/>
+                </a:solidFill>
+                <a:latin typeface="+mn-lt"/>
+                <a:ea typeface="+mn-ea"/>
+                <a:cs typeface="+mn-cs"/>
+              </a:defRPr>
+            </a:lvl6pPr>
+            <a:lvl7pPr marL="2971800" indent="-228600" algn="l" defTabSz="914400" rtl="0" eaLnBrk="1" latinLnBrk="0" hangingPunct="1">
+              <a:lnSpc>
+                <a:spcPct val="90000"/>
+              </a:lnSpc>
+              <a:spcBef>
+                <a:spcPts val="500"/>
+              </a:spcBef>
+              <a:buFont typeface="Arial" panose="020B0604020202020204" pitchFamily="34" charset="0"/>
+              <a:buChar char="•"/>
+              <a:defRPr kumimoji="1" sz="1800" kern="1200">
+                <a:solidFill>
+                  <a:schemeClr val="tx1"/>
+                </a:solidFill>
+                <a:latin typeface="+mn-lt"/>
+                <a:ea typeface="+mn-ea"/>
+                <a:cs typeface="+mn-cs"/>
+              </a:defRPr>
+            </a:lvl7pPr>
+            <a:lvl8pPr marL="3429000" indent="-228600" algn="l" defTabSz="914400" rtl="0" eaLnBrk="1" latinLnBrk="0" hangingPunct="1">
+              <a:lnSpc>
+                <a:spcPct val="90000"/>
+              </a:lnSpc>
+              <a:spcBef>
+                <a:spcPts val="500"/>
+              </a:spcBef>
+              <a:buFont typeface="Arial" panose="020B0604020202020204" pitchFamily="34" charset="0"/>
+              <a:buChar char="•"/>
+              <a:defRPr kumimoji="1" sz="1800" kern="1200">
+                <a:solidFill>
+                  <a:schemeClr val="tx1"/>
+                </a:solidFill>
+                <a:latin typeface="+mn-lt"/>
+                <a:ea typeface="+mn-ea"/>
+                <a:cs typeface="+mn-cs"/>
+              </a:defRPr>
+            </a:lvl8pPr>
+            <a:lvl9pPr marL="3886200" indent="-228600" algn="l" defTabSz="914400" rtl="0" eaLnBrk="1" latinLnBrk="0" hangingPunct="1">
+              <a:lnSpc>
+                <a:spcPct val="90000"/>
+              </a:lnSpc>
+              <a:spcBef>
+                <a:spcPts val="500"/>
+              </a:spcBef>
+              <a:buFont typeface="Arial" panose="020B0604020202020204" pitchFamily="34" charset="0"/>
+              <a:buChar char="•"/>
+              <a:defRPr kumimoji="1" sz="1800" kern="1200">
+                <a:solidFill>
+                  <a:schemeClr val="tx1"/>
+                </a:solidFill>
+                <a:latin typeface="+mn-lt"/>
+                <a:ea typeface="+mn-ea"/>
+                <a:cs typeface="+mn-cs"/>
+              </a:defRPr>
+            </a:lvl9pPr>
+          </a:lstStyle>
+          <a:p>
+            <a:pPr marL="0" indent="0">
+              <a:buFont typeface="Arial" panose="020B0604020202020204" pitchFamily="34" charset="0"/>
+              <a:buNone/>
+            </a:pPr>
+            <a:endParaRPr lang="en-US" altLang="ja-JP"/>
+          </a:p>
+          <a:p>
+            <a:pPr marL="0" indent="0">
+              <a:buFont typeface="Arial" panose="020B0604020202020204" pitchFamily="34" charset="0"/>
+              <a:buNone/>
+            </a:pPr>
+            <a:r>
+              <a:rPr lang="ja-JP" altLang="en-US" sz="3000" b="1"/>
+              <a:t>自分たちのプログラムの強さを知りたい！！</a:t>
+            </a:r>
+            <a:endParaRPr lang="en-US" altLang="ja-JP" sz="3000" b="1"/>
+          </a:p>
+          <a:p>
+            <a:pPr marL="0" indent="0">
+              <a:buFont typeface="Arial" panose="020B0604020202020204" pitchFamily="34" charset="0"/>
+              <a:buNone/>
+            </a:pPr>
+            <a:endParaRPr lang="en-US" altLang="ja-JP" sz="3000" b="1"/>
+          </a:p>
+          <a:p>
+            <a:pPr marL="0" indent="0">
+              <a:buFont typeface="Arial" panose="020B0604020202020204" pitchFamily="34" charset="0"/>
+              <a:buNone/>
+            </a:pPr>
+            <a:r>
+              <a:rPr lang="ja-JP" altLang="en-US" sz="3000" b="1"/>
+              <a:t>他のグループのプログラムの強さが気になる！！</a:t>
+            </a:r>
+          </a:p>
+        </p:txBody>
+      </p:sp>
+    </p:spTree>
+    <p:extLst>
+      <p:ext uri="{BB962C8B-B14F-4D97-AF65-F5344CB8AC3E}">
+        <p14:creationId xmlns:p14="http://schemas.microsoft.com/office/powerpoint/2010/main" val="2728138997"/>
+      </p:ext>
+    </p:extLst>
+  </p:cSld>
+  <p:clrMapOvr>
+    <a:masterClrMapping/>
+  </p:clrMapOvr>
+</p:sld>
+</file>
+
+<file path=ppt/slides/slide4.xml><?xml version="1.0" encoding="utf-8"?>
+<p:sld xmlns:a="http://schemas.openxmlformats.org/drawingml/2006/main" xmlns:r="http://schemas.openxmlformats.org/officeDocument/2006/relationships" xmlns:p="http://schemas.openxmlformats.org/presentationml/2006/main">
+  <p:cSld>
+    <p:spTree>
+      <p:nvGrpSpPr>
+        <p:cNvPr id="1" name=""/>
+        <p:cNvGrpSpPr/>
+        <p:nvPr/>
+      </p:nvGrpSpPr>
+      <p:grpSpPr>
+        <a:xfrm>
+          <a:off x="0" y="0"/>
+          <a:ext cx="0" cy="0"/>
+          <a:chOff x="0" y="0"/>
+          <a:chExt cx="0" cy="0"/>
+        </a:xfrm>
+      </p:grpSpPr>
+      <p:sp>
+        <p:nvSpPr>
+          <p:cNvPr id="3" name="スライド番号プレースホルダー 2">
+            <a:extLst>
+              <a:ext uri="{FF2B5EF4-FFF2-40B4-BE49-F238E27FC236}">
+                <a16:creationId xmlns:a16="http://schemas.microsoft.com/office/drawing/2014/main" id="{276CFC76-6B5F-072E-C867-81DE11238A2F}"/>
+              </a:ext>
+            </a:extLst>
+          </p:cNvPr>
+          <p:cNvSpPr>
+            <a:spLocks noGrp="1"/>
+          </p:cNvSpPr>
+          <p:nvPr>
+            <p:ph type="sldNum" sz="quarter" idx="12"/>
+          </p:nvPr>
+        </p:nvSpPr>
+        <p:spPr/>
+        <p:txBody>
+          <a:bodyPr/>
+          <a:lstStyle/>
+          <a:p>
+            <a:fld id="{F5A3E2E4-C4C6-2C45-9E22-FA616B104F81}" type="slidenum">
+              <a:rPr lang="en-US" altLang="ja-JP"/>
+              <a:t>3</a:t>
+            </a:fld>
+            <a:endParaRPr kumimoji="1" lang="ja-JP" altLang="en-US"/>
+          </a:p>
+        </p:txBody>
+      </p:sp>
+      <p:pic>
+        <p:nvPicPr>
+          <p:cNvPr id="1030" name="Picture 6">
+            <a:extLst>
+              <a:ext uri="{FF2B5EF4-FFF2-40B4-BE49-F238E27FC236}">
+                <a16:creationId xmlns:a16="http://schemas.microsoft.com/office/drawing/2014/main" id="{A7B54D3D-6593-6712-5EE5-EDABF6644D4D}"/>
+              </a:ext>
+            </a:extLst>
+          </p:cNvPr>
+          <p:cNvPicPr>
+            <a:picLocks noChangeAspect="1" noChangeArrowheads="1"/>
+          </p:cNvPicPr>
+          <p:nvPr/>
+        </p:nvPicPr>
+        <p:blipFill>
+          <a:blip r:embed="rId3">
+            <a:extLst>
+              <a:ext uri="{28A0092B-C50C-407E-A947-70E740481C1C}">
+                <a14:useLocalDpi xmlns:a14="http://schemas.microsoft.com/office/drawing/2010/main" val="0"/>
+              </a:ext>
+            </a:extLst>
+          </a:blip>
+          <a:srcRect/>
+          <a:stretch>
+            <a:fillRect/>
+          </a:stretch>
+        </p:blipFill>
+        <p:spPr bwMode="auto">
+          <a:xfrm>
+            <a:off x="73379" y="208453"/>
+            <a:ext cx="9070621" cy="6042356"/>
+          </a:xfrm>
+          <a:prstGeom prst="rect">
+            <a:avLst/>
+          </a:prstGeom>
+          <a:noFill/>
+          <a:extLst>
+            <a:ext uri="{909E8E84-426E-40DD-AFC4-6F175D3DCCD1}">
+              <a14:hiddenFill xmlns:a14="http://schemas.microsoft.com/office/drawing/2010/main">
+                <a:solidFill>
+                  <a:srgbClr val="FFFFFF"/>
+                </a:solidFill>
+              </a14:hiddenFill>
+            </a:ext>
+          </a:extLst>
+        </p:spPr>
+      </p:pic>
+      <p:sp>
+        <p:nvSpPr>
+          <p:cNvPr id="8" name="フッター プレースホルダー 7">
+            <a:extLst>
+              <a:ext uri="{FF2B5EF4-FFF2-40B4-BE49-F238E27FC236}">
+                <a16:creationId xmlns:a16="http://schemas.microsoft.com/office/drawing/2014/main" id="{DFF49D80-F8CB-5610-1363-4B886D0ED7BC}"/>
+              </a:ext>
+            </a:extLst>
+          </p:cNvPr>
+          <p:cNvSpPr>
+            <a:spLocks noGrp="1"/>
+          </p:cNvSpPr>
+          <p:nvPr>
+            <p:ph type="ftr" sz="quarter" idx="11"/>
+          </p:nvPr>
+        </p:nvSpPr>
+        <p:spPr>
+          <a:xfrm>
+            <a:off x="73379" y="6356351"/>
+            <a:ext cx="3841396" cy="365125"/>
+          </a:xfrm>
+        </p:spPr>
+        <p:txBody>
+          <a:bodyPr/>
+          <a:lstStyle/>
+          <a:p>
+            <a:pPr algn="l"/>
+            <a:r>
+              <a:rPr kumimoji="1" lang="en" altLang="ja-JP" sz="1600"/>
+              <a:t>https://baseball-freak.com/chart/9.html</a:t>
+            </a:r>
+            <a:endParaRPr kumimoji="1" lang="ja-JP" altLang="en-US" sz="1600"/>
+          </a:p>
+        </p:txBody>
+      </p:sp>
+    </p:spTree>
+    <p:extLst>
+      <p:ext uri="{BB962C8B-B14F-4D97-AF65-F5344CB8AC3E}">
+        <p14:creationId xmlns:p14="http://schemas.microsoft.com/office/powerpoint/2010/main" val="3799666293"/>
+      </p:ext>
+    </p:extLst>
+  </p:cSld>
+  <p:clrMapOvr>
+    <a:masterClrMapping/>
+  </p:clrMapOvr>
+</p:sld>
+</file>
+
+<file path=ppt/slides/slide5.xml><?xml version="1.0" encoding="utf-8"?>
+<p:sld xmlns:a="http://schemas.openxmlformats.org/drawingml/2006/main" xmlns:r="http://schemas.openxmlformats.org/officeDocument/2006/relationships" xmlns:p="http://schemas.openxmlformats.org/presentationml/2006/main">
+  <p:cSld>
+    <p:spTree>
+      <p:nvGrpSpPr>
+        <p:cNvPr id="1" name=""/>
+        <p:cNvGrpSpPr/>
+        <p:nvPr/>
+      </p:nvGrpSpPr>
+      <p:grpSpPr>
+        <a:xfrm>
+          <a:off x="0" y="0"/>
+          <a:ext cx="0" cy="0"/>
+          <a:chOff x="0" y="0"/>
+          <a:chExt cx="0" cy="0"/>
+        </a:xfrm>
+      </p:grpSpPr>
+      <p:sp>
+        <p:nvSpPr>
+          <p:cNvPr id="3" name="スライド番号プレースホルダー 2">
+            <a:extLst>
+              <a:ext uri="{FF2B5EF4-FFF2-40B4-BE49-F238E27FC236}">
+                <a16:creationId xmlns:a16="http://schemas.microsoft.com/office/drawing/2014/main" id="{276CFC76-6B5F-072E-C867-81DE11238A2F}"/>
+              </a:ext>
+            </a:extLst>
+          </p:cNvPr>
+          <p:cNvSpPr>
+            <a:spLocks noGrp="1"/>
+          </p:cNvSpPr>
+          <p:nvPr>
+            <p:ph type="sldNum" sz="quarter" idx="12"/>
+          </p:nvPr>
+        </p:nvSpPr>
+        <p:spPr/>
+        <p:txBody>
+          <a:bodyPr/>
+          <a:lstStyle/>
+          <a:p>
+            <a:fld id="{F5A3E2E4-C4C6-2C45-9E22-FA616B104F81}" type="slidenum">
+              <a:rPr lang="en-US" altLang="ja-JP"/>
+              <a:t>4</a:t>
+            </a:fld>
+            <a:endParaRPr kumimoji="1" lang="ja-JP" altLang="en-US"/>
+          </a:p>
+        </p:txBody>
+      </p:sp>
+      <p:pic>
+        <p:nvPicPr>
+          <p:cNvPr id="1030" name="Picture 6">
+            <a:extLst>
+              <a:ext uri="{FF2B5EF4-FFF2-40B4-BE49-F238E27FC236}">
+                <a16:creationId xmlns:a16="http://schemas.microsoft.com/office/drawing/2014/main" id="{A7B54D3D-6593-6712-5EE5-EDABF6644D4D}"/>
+              </a:ext>
+            </a:extLst>
+          </p:cNvPr>
+          <p:cNvPicPr>
+            <a:picLocks noChangeAspect="1" noChangeArrowheads="1"/>
+          </p:cNvPicPr>
+          <p:nvPr/>
+        </p:nvPicPr>
+        <p:blipFill>
+          <a:blip r:embed="rId3">
+            <a:extLst>
+              <a:ext uri="{28A0092B-C50C-407E-A947-70E740481C1C}">
+                <a14:useLocalDpi xmlns:a14="http://schemas.microsoft.com/office/drawing/2010/main" val="0"/>
+              </a:ext>
+            </a:extLst>
+          </a:blip>
+          <a:srcRect/>
+          <a:stretch>
+            <a:fillRect/>
+          </a:stretch>
+        </p:blipFill>
+        <p:spPr bwMode="auto">
+          <a:xfrm>
+            <a:off x="73379" y="208453"/>
+            <a:ext cx="9070621" cy="6042356"/>
+          </a:xfrm>
+          <a:prstGeom prst="rect">
+            <a:avLst/>
+          </a:prstGeom>
+          <a:noFill/>
+          <a:extLst>
+            <a:ext uri="{909E8E84-426E-40DD-AFC4-6F175D3DCCD1}">
+              <a14:hiddenFill xmlns:a14="http://schemas.microsoft.com/office/drawing/2010/main">
+                <a:solidFill>
+                  <a:srgbClr val="FFFFFF"/>
+                </a:solidFill>
+              </a14:hiddenFill>
+            </a:ext>
+          </a:extLst>
+        </p:spPr>
+      </p:pic>
+      <p:sp>
+        <p:nvSpPr>
+          <p:cNvPr id="8" name="フッター プレースホルダー 7">
+            <a:extLst>
+              <a:ext uri="{FF2B5EF4-FFF2-40B4-BE49-F238E27FC236}">
+                <a16:creationId xmlns:a16="http://schemas.microsoft.com/office/drawing/2014/main" id="{DFF49D80-F8CB-5610-1363-4B886D0ED7BC}"/>
+              </a:ext>
+            </a:extLst>
+          </p:cNvPr>
+          <p:cNvSpPr>
+            <a:spLocks noGrp="1"/>
+          </p:cNvSpPr>
+          <p:nvPr>
+            <p:ph type="ftr" sz="quarter" idx="11"/>
+          </p:nvPr>
+        </p:nvSpPr>
+        <p:spPr>
+          <a:xfrm>
+            <a:off x="73379" y="6356351"/>
+            <a:ext cx="3841396" cy="365125"/>
+          </a:xfrm>
+        </p:spPr>
+        <p:txBody>
+          <a:bodyPr/>
+          <a:lstStyle/>
+          <a:p>
+            <a:pPr algn="l"/>
+            <a:r>
+              <a:rPr kumimoji="1" lang="en" altLang="ja-JP" sz="1600"/>
+              <a:t>https://baseball-freak.com/chart/9.html</a:t>
+            </a:r>
+            <a:endParaRPr kumimoji="1" lang="ja-JP" altLang="en-US" sz="1600"/>
+          </a:p>
+        </p:txBody>
+      </p:sp>
+      <p:pic>
+        <p:nvPicPr>
+          <p:cNvPr id="10" name="図 9">
+            <a:extLst>
+              <a:ext uri="{FF2B5EF4-FFF2-40B4-BE49-F238E27FC236}">
+                <a16:creationId xmlns:a16="http://schemas.microsoft.com/office/drawing/2014/main" id="{4D347366-A489-DE31-57FD-78E388B23393}"/>
+              </a:ext>
+            </a:extLst>
+          </p:cNvPr>
+          <p:cNvPicPr>
+            <a:picLocks noChangeAspect="1"/>
+          </p:cNvPicPr>
+          <p:nvPr/>
+        </p:nvPicPr>
+        <p:blipFill rotWithShape="1">
+          <a:blip r:embed="rId4">
+            <a:alphaModFix/>
+          </a:blip>
+          <a:srcRect l="29189" t="4477" r="28225" b="11933"/>
+          <a:stretch/>
+        </p:blipFill>
+        <p:spPr>
+          <a:xfrm>
+            <a:off x="2927240" y="0"/>
+            <a:ext cx="1197106" cy="1101450"/>
+          </a:xfrm>
+          <a:prstGeom prst="rect">
+            <a:avLst/>
+          </a:prstGeom>
+          <a:solidFill>
+            <a:schemeClr val="tx1"/>
+          </a:solidFill>
+        </p:spPr>
+      </p:pic>
+    </p:spTree>
+    <p:extLst>
+      <p:ext uri="{BB962C8B-B14F-4D97-AF65-F5344CB8AC3E}">
+        <p14:creationId xmlns:p14="http://schemas.microsoft.com/office/powerpoint/2010/main" val="160309341"/>
+      </p:ext>
+    </p:extLst>
+  </p:cSld>
+  <p:clrMapOvr>
+    <a:masterClrMapping/>
+  </p:clrMapOvr>
+</p:sld>
+</file>
+
+<file path=ppt/slides/slide6.xml><?xml version="1.0" encoding="utf-8"?>
+<p:sld xmlns:a="http://schemas.openxmlformats.org/drawingml/2006/main" xmlns:r="http://schemas.openxmlformats.org/officeDocument/2006/relationships" xmlns:p="http://schemas.openxmlformats.org/presentationml/2006/main">
+  <p:cSld>
+    <p:spTree>
+      <p:nvGrpSpPr>
+        <p:cNvPr id="1" name=""/>
+        <p:cNvGrpSpPr/>
+        <p:nvPr/>
+      </p:nvGrpSpPr>
+      <p:grpSpPr>
+        <a:xfrm>
+          <a:off x="0" y="0"/>
+          <a:ext cx="0" cy="0"/>
+          <a:chOff x="0" y="0"/>
+          <a:chExt cx="0" cy="0"/>
+        </a:xfrm>
+      </p:grpSpPr>
+      <p:sp>
+        <p:nvSpPr>
+          <p:cNvPr id="3" name="スライド番号プレースホルダー 2">
+            <a:extLst>
+              <a:ext uri="{FF2B5EF4-FFF2-40B4-BE49-F238E27FC236}">
+                <a16:creationId xmlns:a16="http://schemas.microsoft.com/office/drawing/2014/main" id="{276CFC76-6B5F-072E-C867-81DE11238A2F}"/>
+              </a:ext>
+            </a:extLst>
+          </p:cNvPr>
+          <p:cNvSpPr>
+            <a:spLocks noGrp="1"/>
+          </p:cNvSpPr>
+          <p:nvPr>
+            <p:ph type="sldNum" sz="quarter" idx="12"/>
+          </p:nvPr>
+        </p:nvSpPr>
+        <p:spPr/>
+        <p:txBody>
+          <a:bodyPr/>
+          <a:lstStyle/>
+          <a:p>
+            <a:fld id="{F5A3E2E4-C4C6-2C45-9E22-FA616B104F81}" type="slidenum">
+              <a:rPr lang="en-US" altLang="ja-JP"/>
+              <a:t>5</a:t>
+            </a:fld>
+            <a:endParaRPr kumimoji="1" lang="ja-JP" altLang="en-US"/>
+          </a:p>
+        </p:txBody>
+      </p:sp>
+      <p:pic>
+        <p:nvPicPr>
+          <p:cNvPr id="1030" name="Picture 6">
+            <a:extLst>
+              <a:ext uri="{FF2B5EF4-FFF2-40B4-BE49-F238E27FC236}">
+                <a16:creationId xmlns:a16="http://schemas.microsoft.com/office/drawing/2014/main" id="{A7B54D3D-6593-6712-5EE5-EDABF6644D4D}"/>
+              </a:ext>
+            </a:extLst>
+          </p:cNvPr>
+          <p:cNvPicPr>
+            <a:picLocks noChangeAspect="1" noChangeArrowheads="1"/>
+          </p:cNvPicPr>
+          <p:nvPr/>
+        </p:nvPicPr>
+        <p:blipFill>
+          <a:blip r:embed="rId3">
+            <a:extLst>
+              <a:ext uri="{28A0092B-C50C-407E-A947-70E740481C1C}">
+                <a14:useLocalDpi xmlns:a14="http://schemas.microsoft.com/office/drawing/2010/main" val="0"/>
+              </a:ext>
+            </a:extLst>
+          </a:blip>
+          <a:srcRect/>
+          <a:stretch>
+            <a:fillRect/>
+          </a:stretch>
+        </p:blipFill>
+        <p:spPr bwMode="auto">
+          <a:xfrm>
+            <a:off x="73379" y="208453"/>
+            <a:ext cx="9070621" cy="6042356"/>
+          </a:xfrm>
+          <a:prstGeom prst="rect">
+            <a:avLst/>
+          </a:prstGeom>
+          <a:noFill/>
+          <a:extLst>
+            <a:ext uri="{909E8E84-426E-40DD-AFC4-6F175D3DCCD1}">
+              <a14:hiddenFill xmlns:a14="http://schemas.microsoft.com/office/drawing/2010/main">
+                <a:solidFill>
+                  <a:srgbClr val="FFFFFF"/>
+                </a:solidFill>
+              </a14:hiddenFill>
+            </a:ext>
+          </a:extLst>
+        </p:spPr>
+      </p:pic>
+      <p:sp>
+        <p:nvSpPr>
+          <p:cNvPr id="8" name="フッター プレースホルダー 7">
+            <a:extLst>
+              <a:ext uri="{FF2B5EF4-FFF2-40B4-BE49-F238E27FC236}">
+                <a16:creationId xmlns:a16="http://schemas.microsoft.com/office/drawing/2014/main" id="{DFF49D80-F8CB-5610-1363-4B886D0ED7BC}"/>
+              </a:ext>
+            </a:extLst>
+          </p:cNvPr>
+          <p:cNvSpPr>
+            <a:spLocks noGrp="1"/>
+          </p:cNvSpPr>
+          <p:nvPr>
+            <p:ph type="ftr" sz="quarter" idx="11"/>
+          </p:nvPr>
+        </p:nvSpPr>
+        <p:spPr>
+          <a:xfrm>
+            <a:off x="73379" y="6356351"/>
+            <a:ext cx="3841396" cy="365125"/>
+          </a:xfrm>
+        </p:spPr>
+        <p:txBody>
+          <a:bodyPr/>
+          <a:lstStyle/>
+          <a:p>
+            <a:pPr algn="l"/>
+            <a:r>
+              <a:rPr kumimoji="1" lang="en" altLang="ja-JP" sz="1600"/>
+              <a:t>https://baseball-freak.com/chart/9.html</a:t>
+            </a:r>
+            <a:endParaRPr kumimoji="1" lang="ja-JP" altLang="en-US" sz="1600"/>
+          </a:p>
+        </p:txBody>
+      </p:sp>
+      <p:pic>
+        <p:nvPicPr>
+          <p:cNvPr id="10" name="図 9">
+            <a:extLst>
+              <a:ext uri="{FF2B5EF4-FFF2-40B4-BE49-F238E27FC236}">
+                <a16:creationId xmlns:a16="http://schemas.microsoft.com/office/drawing/2014/main" id="{4D347366-A489-DE31-57FD-78E388B23393}"/>
+              </a:ext>
+            </a:extLst>
+          </p:cNvPr>
+          <p:cNvPicPr>
+            <a:picLocks noChangeAspect="1"/>
+          </p:cNvPicPr>
+          <p:nvPr/>
+        </p:nvPicPr>
+        <p:blipFill rotWithShape="1">
+          <a:blip r:embed="rId4">
+            <a:alphaModFix/>
+          </a:blip>
+          <a:srcRect l="29189" t="4477" r="28225" b="11933"/>
+          <a:stretch/>
+        </p:blipFill>
+        <p:spPr>
+          <a:xfrm>
+            <a:off x="2927240" y="0"/>
+            <a:ext cx="1197106" cy="1101450"/>
+          </a:xfrm>
+          <a:prstGeom prst="rect">
+            <a:avLst/>
+          </a:prstGeom>
+          <a:solidFill>
+            <a:schemeClr val="tx1"/>
+          </a:solidFill>
+        </p:spPr>
+      </p:pic>
+      <p:pic>
+        <p:nvPicPr>
+          <p:cNvPr id="4" name="図 3" descr="ロゴ&#10;&#10;中程度の精度で自動的に生成された説明">
+            <a:extLst>
+              <a:ext uri="{FF2B5EF4-FFF2-40B4-BE49-F238E27FC236}">
+                <a16:creationId xmlns:a16="http://schemas.microsoft.com/office/drawing/2014/main" id="{09175D57-34D2-C2C3-D0F1-62F350B116D6}"/>
+              </a:ext>
+            </a:extLst>
+          </p:cNvPr>
+          <p:cNvPicPr>
+            <a:picLocks noChangeAspect="1"/>
+          </p:cNvPicPr>
+          <p:nvPr/>
+        </p:nvPicPr>
+        <p:blipFill>
+          <a:blip r:embed="rId5"/>
+          <a:stretch>
+            <a:fillRect/>
+          </a:stretch>
+        </p:blipFill>
+        <p:spPr>
+          <a:xfrm>
+            <a:off x="3334401" y="2743200"/>
+            <a:ext cx="580374" cy="557867"/>
+          </a:xfrm>
+          <a:prstGeom prst="rect">
+            <a:avLst/>
+          </a:prstGeom>
+        </p:spPr>
+      </p:pic>
+    </p:spTree>
+    <p:extLst>
+      <p:ext uri="{BB962C8B-B14F-4D97-AF65-F5344CB8AC3E}">
+        <p14:creationId xmlns:p14="http://schemas.microsoft.com/office/powerpoint/2010/main" val="3121735213"/>
+      </p:ext>
+    </p:extLst>
+  </p:cSld>
+  <p:clrMapOvr>
+    <a:masterClrMapping/>
+  </p:clrMapOvr>
+</p:sld>
+</file>
+
+<file path=ppt/slides/slide7.xml><?xml version="1.0" encoding="utf-8"?>
+<p:sld xmlns:a="http://schemas.openxmlformats.org/drawingml/2006/main" xmlns:r="http://schemas.openxmlformats.org/officeDocument/2006/relationships" xmlns:p="http://schemas.openxmlformats.org/presentationml/2006/main">
+  <p:cSld>
+    <p:spTree>
+      <p:nvGrpSpPr>
+        <p:cNvPr id="1" name=""/>
+        <p:cNvGrpSpPr/>
+        <p:nvPr/>
+      </p:nvGrpSpPr>
+      <p:grpSpPr>
+        <a:xfrm>
+          <a:off x="0" y="0"/>
+          <a:ext cx="0" cy="0"/>
+          <a:chOff x="0" y="0"/>
+          <a:chExt cx="0" cy="0"/>
+        </a:xfrm>
+      </p:grpSpPr>
+      <p:cxnSp>
+        <p:nvCxnSpPr>
+          <p:cNvPr id="38" name="直線コネクタ 37">
+            <a:extLst>
+              <a:ext uri="{FF2B5EF4-FFF2-40B4-BE49-F238E27FC236}">
+                <a16:creationId xmlns:a16="http://schemas.microsoft.com/office/drawing/2014/main" id="{4012BCBA-1FA3-55E9-D3CE-E07D9F7C4630}"/>
+              </a:ext>
+            </a:extLst>
+          </p:cNvPr>
+          <p:cNvCxnSpPr>
+            <a:cxnSpLocks/>
+          </p:cNvCxnSpPr>
+          <p:nvPr/>
+        </p:nvCxnSpPr>
+        <p:spPr>
+          <a:xfrm>
+            <a:off x="4169471" y="1376095"/>
+            <a:ext cx="0" cy="4803090"/>
+          </a:xfrm>
+          <a:prstGeom prst="line">
+            <a:avLst/>
+          </a:prstGeom>
+          <a:ln w="73025">
+            <a:solidFill>
+              <a:schemeClr val="bg1">
+                <a:lumMod val="75000"/>
+                <a:alpha val="44338"/>
+              </a:schemeClr>
+            </a:solidFill>
+            <a:prstDash val="sysDash"/>
+          </a:ln>
+        </p:spPr>
+        <p:style>
+          <a:lnRef idx="1">
+            <a:schemeClr val="accent1"/>
+          </a:lnRef>
+          <a:fillRef idx="0">
+            <a:schemeClr val="accent1"/>
+          </a:fillRef>
+          <a:effectRef idx="0">
+            <a:schemeClr val="accent1"/>
+          </a:effectRef>
+          <a:fontRef idx="minor">
+            <a:schemeClr val="tx1"/>
+          </a:fontRef>
+        </p:style>
+      </p:cxnSp>
+      <p:sp>
+        <p:nvSpPr>
           <p:cNvPr id="2" name="タイトル 1">
             <a:extLst>
               <a:ext uri="{FF2B5EF4-FFF2-40B4-BE49-F238E27FC236}">
@@ -4720,7 +7817,7 @@
             <a:fld id="{F5A3E2E4-C4C6-2C45-9E22-FA616B104F81}" type="slidenum">
               <a:rPr lang="en-US" altLang="ja-JP"/>
               <a:pPr/>
-              <a:t>1</a:t>
+              <a:t>6</a:t>
             </a:fld>
             <a:endParaRPr kumimoji="1" lang="ja-JP" altLang="en-US"/>
           </a:p>
@@ -5789,53 +8886,10 @@
           </a:p>
         </p:txBody>
       </p:sp>
-      <p:sp>
-        <p:nvSpPr>
-          <p:cNvPr id="6" name="テキスト ボックス 5">
-            <a:extLst>
-              <a:ext uri="{FF2B5EF4-FFF2-40B4-BE49-F238E27FC236}">
-                <a16:creationId xmlns:a16="http://schemas.microsoft.com/office/drawing/2014/main" id="{1FE84DB4-4A42-EE3E-B3CA-9D7EB6FFA7E7}"/>
-              </a:ext>
-            </a:extLst>
-          </p:cNvPr>
-          <p:cNvSpPr txBox="1"/>
-          <p:nvPr/>
-        </p:nvSpPr>
-        <p:spPr>
-          <a:xfrm>
-            <a:off x="632334" y="6208468"/>
-            <a:ext cx="7666130" cy="461665"/>
-          </a:xfrm>
-          <a:prstGeom prst="rect">
-            <a:avLst/>
-          </a:prstGeom>
-          <a:noFill/>
-        </p:spPr>
-        <p:txBody>
-          <a:bodyPr wrap="square">
-            <a:spAutoFit/>
-          </a:bodyPr>
-          <a:lstStyle/>
-          <a:p>
-            <a:r>
-              <a:rPr kumimoji="1" lang="en-US" altLang="ja-JP" sz="2400" b="1">
-                <a:latin typeface="+mn-ea"/>
-              </a:rPr>
-              <a:t>push</a:t>
-            </a:r>
-            <a:r>
-              <a:rPr kumimoji="1" lang="ja-JP" altLang="en-US" sz="2400" b="1">
-                <a:latin typeface="+mn-ea"/>
-              </a:rPr>
-              <a:t>だけでプログラムの強さを即座に確認できます！</a:t>
-            </a:r>
-          </a:p>
-        </p:txBody>
-      </p:sp>
     </p:spTree>
     <p:extLst>
       <p:ext uri="{BB962C8B-B14F-4D97-AF65-F5344CB8AC3E}">
-        <p14:creationId xmlns:p14="http://schemas.microsoft.com/office/powerpoint/2010/main" val="100406642"/>
+        <p14:creationId xmlns:p14="http://schemas.microsoft.com/office/powerpoint/2010/main" val="1610578941"/>
       </p:ext>
     </p:extLst>
   </p:cSld>
@@ -5845,7 +8899,7 @@
 </p:sld>
 </file>
 
-<file path=ppt/slides/slide3.xml><?xml version="1.0" encoding="utf-8"?>
+<file path=ppt/slides/slide8.xml><?xml version="1.0" encoding="utf-8"?>
 <p:sld xmlns:a="http://schemas.openxmlformats.org/drawingml/2006/main" xmlns:r="http://schemas.openxmlformats.org/officeDocument/2006/relationships" xmlns:p="http://schemas.openxmlformats.org/presentationml/2006/main">
   <p:cSld>
     <p:spTree>
@@ -5862,6 +8916,1248 @@
           <a:chExt cx="0" cy="0"/>
         </a:xfrm>
       </p:grpSpPr>
+      <p:cxnSp>
+        <p:nvCxnSpPr>
+          <p:cNvPr id="38" name="直線コネクタ 37">
+            <a:extLst>
+              <a:ext uri="{FF2B5EF4-FFF2-40B4-BE49-F238E27FC236}">
+                <a16:creationId xmlns:a16="http://schemas.microsoft.com/office/drawing/2014/main" id="{4012BCBA-1FA3-55E9-D3CE-E07D9F7C4630}"/>
+              </a:ext>
+            </a:extLst>
+          </p:cNvPr>
+          <p:cNvCxnSpPr>
+            <a:cxnSpLocks/>
+          </p:cNvCxnSpPr>
+          <p:nvPr/>
+        </p:nvCxnSpPr>
+        <p:spPr>
+          <a:xfrm>
+            <a:off x="4169471" y="1376095"/>
+            <a:ext cx="0" cy="4803090"/>
+          </a:xfrm>
+          <a:prstGeom prst="line">
+            <a:avLst/>
+          </a:prstGeom>
+          <a:ln w="73025">
+            <a:solidFill>
+              <a:schemeClr val="bg1">
+                <a:lumMod val="75000"/>
+                <a:alpha val="44338"/>
+              </a:schemeClr>
+            </a:solidFill>
+            <a:prstDash val="sysDash"/>
+          </a:ln>
+        </p:spPr>
+        <p:style>
+          <a:lnRef idx="1">
+            <a:schemeClr val="accent1"/>
+          </a:lnRef>
+          <a:fillRef idx="0">
+            <a:schemeClr val="accent1"/>
+          </a:fillRef>
+          <a:effectRef idx="0">
+            <a:schemeClr val="accent1"/>
+          </a:effectRef>
+          <a:fontRef idx="minor">
+            <a:schemeClr val="tx1"/>
+          </a:fontRef>
+        </p:style>
+      </p:cxnSp>
+      <p:sp>
+        <p:nvSpPr>
+          <p:cNvPr id="2" name="タイトル 1">
+            <a:extLst>
+              <a:ext uri="{FF2B5EF4-FFF2-40B4-BE49-F238E27FC236}">
+                <a16:creationId xmlns:a16="http://schemas.microsoft.com/office/drawing/2014/main" id="{8580CC62-9642-93D6-98F1-CD191F309D9D}"/>
+              </a:ext>
+            </a:extLst>
+          </p:cNvPr>
+          <p:cNvSpPr>
+            <a:spLocks noGrp="1"/>
+          </p:cNvSpPr>
+          <p:nvPr>
+            <p:ph type="title"/>
+          </p:nvPr>
+        </p:nvSpPr>
+        <p:spPr/>
+        <p:txBody>
+          <a:bodyPr/>
+          <a:lstStyle/>
+          <a:p>
+            <a:r>
+              <a:rPr kumimoji="1" lang="en-US" altLang="ja-JP"/>
+              <a:t>CC (Continuous Competition)</a:t>
+            </a:r>
+            <a:endParaRPr kumimoji="1" lang="ja-JP" altLang="en-US"/>
+          </a:p>
+        </p:txBody>
+      </p:sp>
+      <p:sp>
+        <p:nvSpPr>
+          <p:cNvPr id="4" name="スライド番号プレースホルダー 3">
+            <a:extLst>
+              <a:ext uri="{FF2B5EF4-FFF2-40B4-BE49-F238E27FC236}">
+                <a16:creationId xmlns:a16="http://schemas.microsoft.com/office/drawing/2014/main" id="{D8F1A216-701B-9AA8-EB0E-98CDDC2B41C8}"/>
+              </a:ext>
+            </a:extLst>
+          </p:cNvPr>
+          <p:cNvSpPr>
+            <a:spLocks noGrp="1"/>
+          </p:cNvSpPr>
+          <p:nvPr>
+            <p:ph type="sldNum" sz="quarter" idx="12"/>
+          </p:nvPr>
+        </p:nvSpPr>
+        <p:spPr/>
+        <p:txBody>
+          <a:bodyPr/>
+          <a:lstStyle/>
+          <a:p>
+            <a:fld id="{F5A3E2E4-C4C6-2C45-9E22-FA616B104F81}" type="slidenum">
+              <a:rPr lang="en-US" altLang="ja-JP"/>
+              <a:pPr/>
+              <a:t>7</a:t>
+            </a:fld>
+            <a:endParaRPr kumimoji="1" lang="ja-JP" altLang="en-US"/>
+          </a:p>
+        </p:txBody>
+      </p:sp>
+      <p:pic>
+        <p:nvPicPr>
+          <p:cNvPr id="5" name="図 4">
+            <a:extLst>
+              <a:ext uri="{FF2B5EF4-FFF2-40B4-BE49-F238E27FC236}">
+                <a16:creationId xmlns:a16="http://schemas.microsoft.com/office/drawing/2014/main" id="{05BD6056-269D-BE06-72B9-8BF235080AA8}"/>
+              </a:ext>
+            </a:extLst>
+          </p:cNvPr>
+          <p:cNvPicPr>
+            <a:picLocks noChangeAspect="1"/>
+          </p:cNvPicPr>
+          <p:nvPr/>
+        </p:nvPicPr>
+        <p:blipFill>
+          <a:blip r:embed="rId3" cstate="print">
+            <a:duotone>
+              <a:prstClr val="black"/>
+              <a:schemeClr val="tx1">
+                <a:tint val="45000"/>
+                <a:satMod val="400000"/>
+              </a:schemeClr>
+            </a:duotone>
+            <a:extLst>
+              <a:ext uri="{28A0092B-C50C-407E-A947-70E740481C1C}">
+                <a14:useLocalDpi xmlns:a14="http://schemas.microsoft.com/office/drawing/2010/main" val="0"/>
+              </a:ext>
+            </a:extLst>
+          </a:blip>
+          <a:stretch>
+            <a:fillRect/>
+          </a:stretch>
+        </p:blipFill>
+        <p:spPr>
+          <a:xfrm>
+            <a:off x="556089" y="1849241"/>
+            <a:ext cx="699750" cy="699750"/>
+          </a:xfrm>
+          <a:prstGeom prst="rect">
+            <a:avLst/>
+          </a:prstGeom>
+        </p:spPr>
+      </p:pic>
+      <p:pic>
+        <p:nvPicPr>
+          <p:cNvPr id="7" name="図 6">
+            <a:extLst>
+              <a:ext uri="{FF2B5EF4-FFF2-40B4-BE49-F238E27FC236}">
+                <a16:creationId xmlns:a16="http://schemas.microsoft.com/office/drawing/2014/main" id="{C0E011F7-A289-384F-1F65-6A950AA09604}"/>
+              </a:ext>
+            </a:extLst>
+          </p:cNvPr>
+          <p:cNvPicPr>
+            <a:picLocks noChangeAspect="1"/>
+          </p:cNvPicPr>
+          <p:nvPr/>
+        </p:nvPicPr>
+        <p:blipFill>
+          <a:blip r:embed="rId4" cstate="print">
+            <a:extLst>
+              <a:ext uri="{28A0092B-C50C-407E-A947-70E740481C1C}">
+                <a14:useLocalDpi xmlns:a14="http://schemas.microsoft.com/office/drawing/2010/main" val="0"/>
+              </a:ext>
+            </a:extLst>
+          </a:blip>
+          <a:stretch>
+            <a:fillRect/>
+          </a:stretch>
+        </p:blipFill>
+        <p:spPr>
+          <a:xfrm>
+            <a:off x="5509843" y="1742189"/>
+            <a:ext cx="745713" cy="745713"/>
+          </a:xfrm>
+          <a:prstGeom prst="rect">
+            <a:avLst/>
+          </a:prstGeom>
+        </p:spPr>
+      </p:pic>
+      <p:pic>
+        <p:nvPicPr>
+          <p:cNvPr id="9" name="図 8">
+            <a:extLst>
+              <a:ext uri="{FF2B5EF4-FFF2-40B4-BE49-F238E27FC236}">
+                <a16:creationId xmlns:a16="http://schemas.microsoft.com/office/drawing/2014/main" id="{D6A40A58-88DD-0D29-D812-8959AC198645}"/>
+              </a:ext>
+            </a:extLst>
+          </p:cNvPr>
+          <p:cNvPicPr>
+            <a:picLocks noChangeAspect="1"/>
+          </p:cNvPicPr>
+          <p:nvPr/>
+        </p:nvPicPr>
+        <p:blipFill>
+          <a:blip r:embed="rId3" cstate="print">
+            <a:duotone>
+              <a:prstClr val="black"/>
+              <a:schemeClr val="tx1">
+                <a:tint val="45000"/>
+                <a:satMod val="400000"/>
+              </a:schemeClr>
+            </a:duotone>
+            <a:extLst>
+              <a:ext uri="{28A0092B-C50C-407E-A947-70E740481C1C}">
+                <a14:useLocalDpi xmlns:a14="http://schemas.microsoft.com/office/drawing/2010/main" val="0"/>
+              </a:ext>
+            </a:extLst>
+          </a:blip>
+          <a:stretch>
+            <a:fillRect/>
+          </a:stretch>
+        </p:blipFill>
+        <p:spPr>
+          <a:xfrm>
+            <a:off x="1489956" y="1849241"/>
+            <a:ext cx="699750" cy="699750"/>
+          </a:xfrm>
+          <a:prstGeom prst="rect">
+            <a:avLst/>
+          </a:prstGeom>
+        </p:spPr>
+      </p:pic>
+      <p:sp>
+        <p:nvSpPr>
+          <p:cNvPr id="10" name="テキスト ボックス 9">
+            <a:extLst>
+              <a:ext uri="{FF2B5EF4-FFF2-40B4-BE49-F238E27FC236}">
+                <a16:creationId xmlns:a16="http://schemas.microsoft.com/office/drawing/2014/main" id="{EE621D29-4B17-7D7E-59CE-035D2361722E}"/>
+              </a:ext>
+            </a:extLst>
+          </p:cNvPr>
+          <p:cNvSpPr txBox="1"/>
+          <p:nvPr/>
+        </p:nvSpPr>
+        <p:spPr>
+          <a:xfrm>
+            <a:off x="1009174" y="1461466"/>
+            <a:ext cx="697627" cy="400110"/>
+          </a:xfrm>
+          <a:prstGeom prst="rect">
+            <a:avLst/>
+          </a:prstGeom>
+          <a:noFill/>
+        </p:spPr>
+        <p:txBody>
+          <a:bodyPr wrap="none" rtlCol="0" anchor="ctr">
+            <a:spAutoFit/>
+          </a:bodyPr>
+          <a:lstStyle/>
+          <a:p>
+            <a:pPr algn="ctr"/>
+            <a:r>
+              <a:rPr kumimoji="1" lang="ja-JP" altLang="en-US" sz="2000" b="1">
+                <a:latin typeface="Source Han Code JP M" panose="020B0500000000000000" pitchFamily="34" charset="-128"/>
+                <a:ea typeface="Source Han Code JP M" panose="020B0500000000000000" pitchFamily="34" charset="-128"/>
+              </a:rPr>
+              <a:t>学生</a:t>
+            </a:r>
+          </a:p>
+        </p:txBody>
+      </p:sp>
+      <p:pic>
+        <p:nvPicPr>
+          <p:cNvPr id="11" name="図 10">
+            <a:extLst>
+              <a:ext uri="{FF2B5EF4-FFF2-40B4-BE49-F238E27FC236}">
+                <a16:creationId xmlns:a16="http://schemas.microsoft.com/office/drawing/2014/main" id="{17FF7E6B-32C6-F4FF-D1FD-382C0302527F}"/>
+              </a:ext>
+            </a:extLst>
+          </p:cNvPr>
+          <p:cNvPicPr>
+            <a:picLocks noChangeAspect="1"/>
+          </p:cNvPicPr>
+          <p:nvPr/>
+        </p:nvPicPr>
+        <p:blipFill>
+          <a:blip r:embed="rId4" cstate="print">
+            <a:extLst>
+              <a:ext uri="{28A0092B-C50C-407E-A947-70E740481C1C}">
+                <a14:useLocalDpi xmlns:a14="http://schemas.microsoft.com/office/drawing/2010/main" val="0"/>
+              </a:ext>
+            </a:extLst>
+          </a:blip>
+          <a:stretch>
+            <a:fillRect/>
+          </a:stretch>
+        </p:blipFill>
+        <p:spPr>
+          <a:xfrm>
+            <a:off x="6627489" y="1742189"/>
+            <a:ext cx="745713" cy="745713"/>
+          </a:xfrm>
+          <a:prstGeom prst="rect">
+            <a:avLst/>
+          </a:prstGeom>
+        </p:spPr>
+      </p:pic>
+      <p:sp>
+        <p:nvSpPr>
+          <p:cNvPr id="12" name="テキスト ボックス 11">
+            <a:extLst>
+              <a:ext uri="{FF2B5EF4-FFF2-40B4-BE49-F238E27FC236}">
+                <a16:creationId xmlns:a16="http://schemas.microsoft.com/office/drawing/2014/main" id="{3BF669FA-75D9-73CF-F4B4-FCC6BF441098}"/>
+              </a:ext>
+            </a:extLst>
+          </p:cNvPr>
+          <p:cNvSpPr txBox="1"/>
+          <p:nvPr/>
+        </p:nvSpPr>
+        <p:spPr>
+          <a:xfrm>
+            <a:off x="6000937" y="1393141"/>
+            <a:ext cx="1039067" cy="400110"/>
+          </a:xfrm>
+          <a:prstGeom prst="rect">
+            <a:avLst/>
+          </a:prstGeom>
+          <a:noFill/>
+        </p:spPr>
+        <p:txBody>
+          <a:bodyPr wrap="none" rtlCol="0" anchor="ctr">
+            <a:spAutoFit/>
+          </a:bodyPr>
+          <a:lstStyle/>
+          <a:p>
+            <a:pPr algn="ctr"/>
+            <a:r>
+              <a:rPr kumimoji="1" lang="en-US" altLang="ja-JP" sz="2000" b="1">
+                <a:latin typeface="Helvetica" pitchFamily="2" charset="0"/>
+              </a:rPr>
+              <a:t>GitHub</a:t>
+            </a:r>
+            <a:endParaRPr kumimoji="1" lang="ja-JP" altLang="en-US" sz="2000" b="1">
+              <a:latin typeface="Helvetica" pitchFamily="2" charset="0"/>
+            </a:endParaRPr>
+          </a:p>
+        </p:txBody>
+      </p:sp>
+      <p:pic>
+        <p:nvPicPr>
+          <p:cNvPr id="13" name="図 12" descr="黒い背景に白い文字がある&#10;&#10;中程度の精度で自動的に生成された説明">
+            <a:extLst>
+              <a:ext uri="{FF2B5EF4-FFF2-40B4-BE49-F238E27FC236}">
+                <a16:creationId xmlns:a16="http://schemas.microsoft.com/office/drawing/2014/main" id="{E044A6CD-1D01-3602-0FF3-3D00490AAB68}"/>
+              </a:ext>
+            </a:extLst>
+          </p:cNvPr>
+          <p:cNvPicPr>
+            <a:picLocks noChangeAspect="1"/>
+          </p:cNvPicPr>
+          <p:nvPr/>
+        </p:nvPicPr>
+        <p:blipFill>
+          <a:blip r:embed="rId5"/>
+          <a:stretch>
+            <a:fillRect/>
+          </a:stretch>
+        </p:blipFill>
+        <p:spPr>
+          <a:xfrm>
+            <a:off x="6178086" y="3947270"/>
+            <a:ext cx="724961" cy="1092275"/>
+          </a:xfrm>
+          <a:prstGeom prst="rect">
+            <a:avLst/>
+          </a:prstGeom>
+        </p:spPr>
+      </p:pic>
+      <p:sp>
+        <p:nvSpPr>
+          <p:cNvPr id="14" name="テキスト ボックス 13">
+            <a:extLst>
+              <a:ext uri="{FF2B5EF4-FFF2-40B4-BE49-F238E27FC236}">
+                <a16:creationId xmlns:a16="http://schemas.microsoft.com/office/drawing/2014/main" id="{F1795654-7813-B3C9-E1BD-9A142F20A346}"/>
+              </a:ext>
+            </a:extLst>
+          </p:cNvPr>
+          <p:cNvSpPr txBox="1"/>
+          <p:nvPr/>
+        </p:nvSpPr>
+        <p:spPr>
+          <a:xfrm>
+            <a:off x="2313957" y="1833893"/>
+            <a:ext cx="473206" cy="523220"/>
+          </a:xfrm>
+          <a:prstGeom prst="rect">
+            <a:avLst/>
+          </a:prstGeom>
+          <a:noFill/>
+        </p:spPr>
+        <p:txBody>
+          <a:bodyPr wrap="none">
+            <a:spAutoFit/>
+          </a:bodyPr>
+          <a:lstStyle/>
+          <a:p>
+            <a:r>
+              <a:rPr lang="en-US" sz="2800" b="1"/>
+              <a:t>...</a:t>
+            </a:r>
+          </a:p>
+        </p:txBody>
+      </p:sp>
+      <p:cxnSp>
+        <p:nvCxnSpPr>
+          <p:cNvPr id="15" name="直線矢印コネクタ 14">
+            <a:extLst>
+              <a:ext uri="{FF2B5EF4-FFF2-40B4-BE49-F238E27FC236}">
+                <a16:creationId xmlns:a16="http://schemas.microsoft.com/office/drawing/2014/main" id="{DA949192-CA49-73F4-B6BB-A7737DE6412E}"/>
+              </a:ext>
+            </a:extLst>
+          </p:cNvPr>
+          <p:cNvCxnSpPr>
+            <a:cxnSpLocks/>
+          </p:cNvCxnSpPr>
+          <p:nvPr/>
+        </p:nvCxnSpPr>
+        <p:spPr>
+          <a:xfrm>
+            <a:off x="3013909" y="1998066"/>
+            <a:ext cx="1996860" cy="0"/>
+          </a:xfrm>
+          <a:prstGeom prst="straightConnector1">
+            <a:avLst/>
+          </a:prstGeom>
+          <a:ln w="25400">
+            <a:solidFill>
+              <a:schemeClr val="accent1">
+                <a:lumMod val="75000"/>
+              </a:schemeClr>
+            </a:solidFill>
+            <a:tailEnd type="triangle"/>
+          </a:ln>
+        </p:spPr>
+        <p:style>
+          <a:lnRef idx="1">
+            <a:schemeClr val="accent1"/>
+          </a:lnRef>
+          <a:fillRef idx="0">
+            <a:schemeClr val="accent1"/>
+          </a:fillRef>
+          <a:effectRef idx="0">
+            <a:schemeClr val="accent1"/>
+          </a:effectRef>
+          <a:fontRef idx="minor">
+            <a:schemeClr val="tx1"/>
+          </a:fontRef>
+        </p:style>
+      </p:cxnSp>
+      <p:sp>
+        <p:nvSpPr>
+          <p:cNvPr id="16" name="テキスト ボックス 15">
+            <a:extLst>
+              <a:ext uri="{FF2B5EF4-FFF2-40B4-BE49-F238E27FC236}">
+                <a16:creationId xmlns:a16="http://schemas.microsoft.com/office/drawing/2014/main" id="{0550F210-7B08-18BE-13FE-04D581884904}"/>
+              </a:ext>
+            </a:extLst>
+          </p:cNvPr>
+          <p:cNvSpPr txBox="1"/>
+          <p:nvPr/>
+        </p:nvSpPr>
+        <p:spPr>
+          <a:xfrm>
+            <a:off x="3472820" y="1578338"/>
+            <a:ext cx="992579" cy="369332"/>
+          </a:xfrm>
+          <a:prstGeom prst="rect">
+            <a:avLst/>
+          </a:prstGeom>
+          <a:noFill/>
+        </p:spPr>
+        <p:txBody>
+          <a:bodyPr wrap="none" rtlCol="0">
+            <a:spAutoFit/>
+          </a:bodyPr>
+          <a:lstStyle/>
+          <a:p>
+            <a:r>
+              <a:rPr kumimoji="1" lang="en-US" altLang="ja-JP" b="1">
+                <a:solidFill>
+                  <a:srgbClr val="2F5597"/>
+                </a:solidFill>
+                <a:latin typeface="Helvetica" pitchFamily="2" charset="0"/>
+              </a:rPr>
+              <a:t>1. push</a:t>
+            </a:r>
+            <a:endParaRPr kumimoji="1" lang="ja-JP" altLang="en-US" b="1">
+              <a:solidFill>
+                <a:srgbClr val="2F5597"/>
+              </a:solidFill>
+              <a:latin typeface="Helvetica" pitchFamily="2" charset="0"/>
+            </a:endParaRPr>
+          </a:p>
+        </p:txBody>
+      </p:sp>
+      <p:cxnSp>
+        <p:nvCxnSpPr>
+          <p:cNvPr id="17" name="直線矢印コネクタ 16">
+            <a:extLst>
+              <a:ext uri="{FF2B5EF4-FFF2-40B4-BE49-F238E27FC236}">
+                <a16:creationId xmlns:a16="http://schemas.microsoft.com/office/drawing/2014/main" id="{73B0986E-A5C5-0CD7-C941-A13C869F2008}"/>
+              </a:ext>
+            </a:extLst>
+          </p:cNvPr>
+          <p:cNvCxnSpPr>
+            <a:cxnSpLocks/>
+          </p:cNvCxnSpPr>
+          <p:nvPr/>
+        </p:nvCxnSpPr>
+        <p:spPr>
+          <a:xfrm>
+            <a:off x="5920521" y="2606558"/>
+            <a:ext cx="560290" cy="1071371"/>
+          </a:xfrm>
+          <a:prstGeom prst="straightConnector1">
+            <a:avLst/>
+          </a:prstGeom>
+          <a:ln w="25400">
+            <a:solidFill>
+              <a:schemeClr val="accent1">
+                <a:lumMod val="75000"/>
+              </a:schemeClr>
+            </a:solidFill>
+            <a:tailEnd type="triangle"/>
+          </a:ln>
+        </p:spPr>
+        <p:style>
+          <a:lnRef idx="1">
+            <a:schemeClr val="accent1"/>
+          </a:lnRef>
+          <a:fillRef idx="0">
+            <a:schemeClr val="accent1"/>
+          </a:fillRef>
+          <a:effectRef idx="0">
+            <a:schemeClr val="accent1"/>
+          </a:effectRef>
+          <a:fontRef idx="minor">
+            <a:schemeClr val="tx1"/>
+          </a:fontRef>
+        </p:style>
+      </p:cxnSp>
+      <p:sp>
+        <p:nvSpPr>
+          <p:cNvPr id="18" name="テキスト ボックス 17">
+            <a:extLst>
+              <a:ext uri="{FF2B5EF4-FFF2-40B4-BE49-F238E27FC236}">
+                <a16:creationId xmlns:a16="http://schemas.microsoft.com/office/drawing/2014/main" id="{D1B060E0-B085-A390-B89F-E52C76FB84FD}"/>
+              </a:ext>
+            </a:extLst>
+          </p:cNvPr>
+          <p:cNvSpPr txBox="1"/>
+          <p:nvPr/>
+        </p:nvSpPr>
+        <p:spPr>
+          <a:xfrm>
+            <a:off x="7062782" y="2884023"/>
+            <a:ext cx="851515" cy="369332"/>
+          </a:xfrm>
+          <a:prstGeom prst="rect">
+            <a:avLst/>
+          </a:prstGeom>
+          <a:noFill/>
+        </p:spPr>
+        <p:txBody>
+          <a:bodyPr wrap="none" rtlCol="0">
+            <a:spAutoFit/>
+          </a:bodyPr>
+          <a:lstStyle/>
+          <a:p>
+            <a:r>
+              <a:rPr kumimoji="1" lang="en-US" altLang="ja-JP" b="1">
+                <a:solidFill>
+                  <a:srgbClr val="2F5597"/>
+                </a:solidFill>
+                <a:latin typeface="Helvetica" pitchFamily="2" charset="0"/>
+              </a:rPr>
+              <a:t>2. pull</a:t>
+            </a:r>
+            <a:endParaRPr kumimoji="1" lang="ja-JP" altLang="en-US" b="1">
+              <a:solidFill>
+                <a:srgbClr val="2F5597"/>
+              </a:solidFill>
+              <a:latin typeface="Helvetica" pitchFamily="2" charset="0"/>
+            </a:endParaRPr>
+          </a:p>
+        </p:txBody>
+      </p:sp>
+      <p:sp>
+        <p:nvSpPr>
+          <p:cNvPr id="19" name="円弧 18">
+            <a:extLst>
+              <a:ext uri="{FF2B5EF4-FFF2-40B4-BE49-F238E27FC236}">
+                <a16:creationId xmlns:a16="http://schemas.microsoft.com/office/drawing/2014/main" id="{4619422A-FF45-826A-FCD4-6FFC95C25462}"/>
+              </a:ext>
+            </a:extLst>
+          </p:cNvPr>
+          <p:cNvSpPr/>
+          <p:nvPr/>
+        </p:nvSpPr>
+        <p:spPr>
+          <a:xfrm rot="18900000">
+            <a:off x="6993294" y="4208928"/>
+            <a:ext cx="568960" cy="568960"/>
+          </a:xfrm>
+          <a:prstGeom prst="arc">
+            <a:avLst>
+              <a:gd name="adj1" fmla="val 15260332"/>
+              <a:gd name="adj2" fmla="val 11547495"/>
+            </a:avLst>
+          </a:prstGeom>
+          <a:ln w="25400">
+            <a:solidFill>
+              <a:schemeClr val="accent1">
+                <a:lumMod val="75000"/>
+              </a:schemeClr>
+            </a:solidFill>
+            <a:tailEnd type="triangle"/>
+          </a:ln>
+        </p:spPr>
+        <p:style>
+          <a:lnRef idx="1">
+            <a:schemeClr val="accent1"/>
+          </a:lnRef>
+          <a:fillRef idx="0">
+            <a:schemeClr val="accent1"/>
+          </a:fillRef>
+          <a:effectRef idx="0">
+            <a:schemeClr val="accent1"/>
+          </a:effectRef>
+          <a:fontRef idx="minor">
+            <a:schemeClr val="tx1"/>
+          </a:fontRef>
+        </p:style>
+        <p:txBody>
+          <a:bodyPr rtlCol="0" anchor="ctr"/>
+          <a:lstStyle/>
+          <a:p>
+            <a:pPr algn="ctr"/>
+            <a:endParaRPr lang="en-US"/>
+          </a:p>
+        </p:txBody>
+      </p:sp>
+      <p:sp>
+        <p:nvSpPr>
+          <p:cNvPr id="20" name="テキスト ボックス 19">
+            <a:extLst>
+              <a:ext uri="{FF2B5EF4-FFF2-40B4-BE49-F238E27FC236}">
+                <a16:creationId xmlns:a16="http://schemas.microsoft.com/office/drawing/2014/main" id="{B3D00182-009F-1F9D-847A-0F081A81AD58}"/>
+              </a:ext>
+            </a:extLst>
+          </p:cNvPr>
+          <p:cNvSpPr txBox="1"/>
+          <p:nvPr/>
+        </p:nvSpPr>
+        <p:spPr>
+          <a:xfrm>
+            <a:off x="7519878" y="4308741"/>
+            <a:ext cx="1364476" cy="369332"/>
+          </a:xfrm>
+          <a:prstGeom prst="rect">
+            <a:avLst/>
+          </a:prstGeom>
+          <a:noFill/>
+        </p:spPr>
+        <p:txBody>
+          <a:bodyPr wrap="none" rtlCol="0">
+            <a:spAutoFit/>
+          </a:bodyPr>
+          <a:lstStyle>
+            <a:defPPr>
+              <a:defRPr lang="en-US"/>
+            </a:defPPr>
+            <a:lvl1pPr>
+              <a:defRPr kumimoji="1" b="1">
+                <a:solidFill>
+                  <a:srgbClr val="2F5597"/>
+                </a:solidFill>
+                <a:latin typeface="Helvetica" pitchFamily="2" charset="0"/>
+              </a:defRPr>
+            </a:lvl1pPr>
+          </a:lstStyle>
+          <a:p>
+            <a:r>
+              <a:rPr lang="en-US" altLang="ja-JP"/>
+              <a:t>3. </a:t>
+            </a:r>
+            <a:r>
+              <a:rPr lang="ja-JP" altLang="en-US"/>
+              <a:t>対戦実行</a:t>
+            </a:r>
+            <a:endParaRPr lang="en-US"/>
+          </a:p>
+        </p:txBody>
+      </p:sp>
+      <p:cxnSp>
+        <p:nvCxnSpPr>
+          <p:cNvPr id="21" name="直線矢印コネクタ 20">
+            <a:extLst>
+              <a:ext uri="{FF2B5EF4-FFF2-40B4-BE49-F238E27FC236}">
+                <a16:creationId xmlns:a16="http://schemas.microsoft.com/office/drawing/2014/main" id="{1443016F-5906-9B69-35B5-44894AC2E0E9}"/>
+              </a:ext>
+            </a:extLst>
+          </p:cNvPr>
+          <p:cNvCxnSpPr>
+            <a:cxnSpLocks/>
+          </p:cNvCxnSpPr>
+          <p:nvPr/>
+        </p:nvCxnSpPr>
+        <p:spPr>
+          <a:xfrm flipH="1">
+            <a:off x="6735337" y="2618985"/>
+            <a:ext cx="327445" cy="1058944"/>
+          </a:xfrm>
+          <a:prstGeom prst="straightConnector1">
+            <a:avLst/>
+          </a:prstGeom>
+          <a:ln w="25400">
+            <a:solidFill>
+              <a:schemeClr val="accent1">
+                <a:lumMod val="75000"/>
+              </a:schemeClr>
+            </a:solidFill>
+            <a:tailEnd type="triangle"/>
+          </a:ln>
+        </p:spPr>
+        <p:style>
+          <a:lnRef idx="1">
+            <a:schemeClr val="accent1"/>
+          </a:lnRef>
+          <a:fillRef idx="0">
+            <a:schemeClr val="accent1"/>
+          </a:fillRef>
+          <a:effectRef idx="0">
+            <a:schemeClr val="accent1"/>
+          </a:effectRef>
+          <a:fontRef idx="minor">
+            <a:schemeClr val="tx1"/>
+          </a:fontRef>
+        </p:style>
+      </p:cxnSp>
+      <p:cxnSp>
+        <p:nvCxnSpPr>
+          <p:cNvPr id="22" name="直線矢印コネクタ 21">
+            <a:extLst>
+              <a:ext uri="{FF2B5EF4-FFF2-40B4-BE49-F238E27FC236}">
+                <a16:creationId xmlns:a16="http://schemas.microsoft.com/office/drawing/2014/main" id="{44850B62-C1B8-EBA6-90F4-088DB80C36EF}"/>
+              </a:ext>
+            </a:extLst>
+          </p:cNvPr>
+          <p:cNvCxnSpPr>
+            <a:cxnSpLocks/>
+          </p:cNvCxnSpPr>
+          <p:nvPr/>
+        </p:nvCxnSpPr>
+        <p:spPr>
+          <a:xfrm flipH="1">
+            <a:off x="2535583" y="3993437"/>
+            <a:ext cx="3267777" cy="0"/>
+          </a:xfrm>
+          <a:prstGeom prst="straightConnector1">
+            <a:avLst/>
+          </a:prstGeom>
+          <a:ln w="25400">
+            <a:solidFill>
+              <a:schemeClr val="accent1">
+                <a:lumMod val="75000"/>
+              </a:schemeClr>
+            </a:solidFill>
+            <a:tailEnd type="triangle"/>
+          </a:ln>
+        </p:spPr>
+        <p:style>
+          <a:lnRef idx="1">
+            <a:schemeClr val="accent1"/>
+          </a:lnRef>
+          <a:fillRef idx="0">
+            <a:schemeClr val="accent1"/>
+          </a:fillRef>
+          <a:effectRef idx="0">
+            <a:schemeClr val="accent1"/>
+          </a:effectRef>
+          <a:fontRef idx="minor">
+            <a:schemeClr val="tx1"/>
+          </a:fontRef>
+        </p:style>
+      </p:cxnSp>
+      <p:sp>
+        <p:nvSpPr>
+          <p:cNvPr id="23" name="テキスト ボックス 22">
+            <a:extLst>
+              <a:ext uri="{FF2B5EF4-FFF2-40B4-BE49-F238E27FC236}">
+                <a16:creationId xmlns:a16="http://schemas.microsoft.com/office/drawing/2014/main" id="{95210673-014E-412C-6819-D33C1AB42652}"/>
+              </a:ext>
+            </a:extLst>
+          </p:cNvPr>
+          <p:cNvSpPr txBox="1"/>
+          <p:nvPr/>
+        </p:nvSpPr>
+        <p:spPr>
+          <a:xfrm>
+            <a:off x="2963352" y="3597789"/>
+            <a:ext cx="2518638" cy="369332"/>
+          </a:xfrm>
+          <a:prstGeom prst="rect">
+            <a:avLst/>
+          </a:prstGeom>
+          <a:noFill/>
+        </p:spPr>
+        <p:txBody>
+          <a:bodyPr wrap="none" rtlCol="0">
+            <a:spAutoFit/>
+          </a:bodyPr>
+          <a:lstStyle/>
+          <a:p>
+            <a:r>
+              <a:rPr kumimoji="1" lang="en-US" altLang="ja-JP" b="1">
+                <a:solidFill>
+                  <a:srgbClr val="2F5597"/>
+                </a:solidFill>
+                <a:latin typeface="Helvetica" pitchFamily="2" charset="0"/>
+              </a:rPr>
+              <a:t>4. </a:t>
+            </a:r>
+            <a:r>
+              <a:rPr kumimoji="1" lang="ja-JP" altLang="en-US" b="1">
+                <a:solidFill>
+                  <a:srgbClr val="2F5597"/>
+                </a:solidFill>
+                <a:latin typeface="Helvetica" pitchFamily="2" charset="0"/>
+              </a:rPr>
+              <a:t>ランキングのポスト</a:t>
+            </a:r>
+          </a:p>
+        </p:txBody>
+      </p:sp>
+      <p:cxnSp>
+        <p:nvCxnSpPr>
+          <p:cNvPr id="24" name="直線矢印コネクタ 23">
+            <a:extLst>
+              <a:ext uri="{FF2B5EF4-FFF2-40B4-BE49-F238E27FC236}">
+                <a16:creationId xmlns:a16="http://schemas.microsoft.com/office/drawing/2014/main" id="{C1702486-74CA-B341-EE10-3A1BF5C84F63}"/>
+              </a:ext>
+            </a:extLst>
+          </p:cNvPr>
+          <p:cNvCxnSpPr>
+            <a:cxnSpLocks/>
+          </p:cNvCxnSpPr>
+          <p:nvPr/>
+        </p:nvCxnSpPr>
+        <p:spPr>
+          <a:xfrm flipH="1">
+            <a:off x="2535583" y="5146428"/>
+            <a:ext cx="3344000" cy="21110"/>
+          </a:xfrm>
+          <a:prstGeom prst="straightConnector1">
+            <a:avLst/>
+          </a:prstGeom>
+          <a:ln w="25400">
+            <a:solidFill>
+              <a:schemeClr val="accent1">
+                <a:lumMod val="75000"/>
+              </a:schemeClr>
+            </a:solidFill>
+            <a:tailEnd type="triangle"/>
+          </a:ln>
+        </p:spPr>
+        <p:style>
+          <a:lnRef idx="1">
+            <a:schemeClr val="accent1"/>
+          </a:lnRef>
+          <a:fillRef idx="0">
+            <a:schemeClr val="accent1"/>
+          </a:fillRef>
+          <a:effectRef idx="0">
+            <a:schemeClr val="accent1"/>
+          </a:effectRef>
+          <a:fontRef idx="minor">
+            <a:schemeClr val="tx1"/>
+          </a:fontRef>
+        </p:style>
+      </p:cxnSp>
+      <p:sp>
+        <p:nvSpPr>
+          <p:cNvPr id="25" name="テキスト ボックス 24">
+            <a:extLst>
+              <a:ext uri="{FF2B5EF4-FFF2-40B4-BE49-F238E27FC236}">
+                <a16:creationId xmlns:a16="http://schemas.microsoft.com/office/drawing/2014/main" id="{11639578-3B2A-FB58-FA98-5FE75DA7E5EB}"/>
+              </a:ext>
+            </a:extLst>
+          </p:cNvPr>
+          <p:cNvSpPr txBox="1"/>
+          <p:nvPr/>
+        </p:nvSpPr>
+        <p:spPr>
+          <a:xfrm>
+            <a:off x="3197728" y="4734535"/>
+            <a:ext cx="2309287" cy="369332"/>
+          </a:xfrm>
+          <a:prstGeom prst="rect">
+            <a:avLst/>
+          </a:prstGeom>
+          <a:noFill/>
+        </p:spPr>
+        <p:txBody>
+          <a:bodyPr wrap="none" rtlCol="0">
+            <a:spAutoFit/>
+          </a:bodyPr>
+          <a:lstStyle/>
+          <a:p>
+            <a:r>
+              <a:rPr kumimoji="1" lang="en-US" altLang="ja-JP" b="1">
+                <a:solidFill>
+                  <a:srgbClr val="2F5597"/>
+                </a:solidFill>
+                <a:latin typeface="Helvetica" pitchFamily="2" charset="0"/>
+              </a:rPr>
+              <a:t>5. Web</a:t>
+            </a:r>
+            <a:r>
+              <a:rPr kumimoji="1" lang="ja-JP" altLang="en-US" b="1">
+                <a:solidFill>
+                  <a:srgbClr val="2F5597"/>
+                </a:solidFill>
+                <a:latin typeface="Helvetica" pitchFamily="2" charset="0"/>
+              </a:rPr>
+              <a:t>ページの更新</a:t>
+            </a:r>
+          </a:p>
+        </p:txBody>
+      </p:sp>
+      <p:pic>
+        <p:nvPicPr>
+          <p:cNvPr id="26" name="Picture 2" descr=" ">
+            <a:extLst>
+              <a:ext uri="{FF2B5EF4-FFF2-40B4-BE49-F238E27FC236}">
+                <a16:creationId xmlns:a16="http://schemas.microsoft.com/office/drawing/2014/main" id="{7A58AD66-BBC4-C9F5-7291-92181823A100}"/>
+              </a:ext>
+            </a:extLst>
+          </p:cNvPr>
+          <p:cNvPicPr>
+            <a:picLocks noChangeAspect="1" noChangeArrowheads="1"/>
+          </p:cNvPicPr>
+          <p:nvPr/>
+        </p:nvPicPr>
+        <p:blipFill rotWithShape="1">
+          <a:blip r:embed="rId6">
+            <a:extLst>
+              <a:ext uri="{28A0092B-C50C-407E-A947-70E740481C1C}">
+                <a14:useLocalDpi xmlns:a14="http://schemas.microsoft.com/office/drawing/2010/main" val="0"/>
+              </a:ext>
+            </a:extLst>
+          </a:blip>
+          <a:srcRect r="69102"/>
+          <a:stretch/>
+        </p:blipFill>
+        <p:spPr bwMode="auto">
+          <a:xfrm>
+            <a:off x="1550614" y="3305616"/>
+            <a:ext cx="635695" cy="1157288"/>
+          </a:xfrm>
+          <a:prstGeom prst="rect">
+            <a:avLst/>
+          </a:prstGeom>
+          <a:noFill/>
+          <a:extLst>
+            <a:ext uri="{909E8E84-426E-40DD-AFC4-6F175D3DCCD1}">
+              <a14:hiddenFill xmlns:a14="http://schemas.microsoft.com/office/drawing/2010/main">
+                <a:solidFill>
+                  <a:srgbClr val="FFFFFF"/>
+                </a:solidFill>
+              </a14:hiddenFill>
+            </a:ext>
+          </a:extLst>
+        </p:spPr>
+      </p:pic>
+      <p:grpSp>
+        <p:nvGrpSpPr>
+          <p:cNvPr id="28" name="グループ化 27">
+            <a:extLst>
+              <a:ext uri="{FF2B5EF4-FFF2-40B4-BE49-F238E27FC236}">
+                <a16:creationId xmlns:a16="http://schemas.microsoft.com/office/drawing/2014/main" id="{CBEDDAC5-01CB-0056-7BA8-A866199B55B4}"/>
+              </a:ext>
+            </a:extLst>
+          </p:cNvPr>
+          <p:cNvGrpSpPr/>
+          <p:nvPr/>
+        </p:nvGrpSpPr>
+        <p:grpSpPr>
+          <a:xfrm>
+            <a:off x="1366465" y="4778933"/>
+            <a:ext cx="931408" cy="1012477"/>
+            <a:chOff x="2973378" y="4900052"/>
+            <a:chExt cx="1902990" cy="1965270"/>
+          </a:xfrm>
+        </p:grpSpPr>
+        <p:pic>
+          <p:nvPicPr>
+            <p:cNvPr id="29" name="図 28" descr="図形&#10;&#10;低い精度で自動的に生成された説明">
+              <a:extLst>
+                <a:ext uri="{FF2B5EF4-FFF2-40B4-BE49-F238E27FC236}">
+                  <a16:creationId xmlns:a16="http://schemas.microsoft.com/office/drawing/2014/main" id="{417836A4-63FF-DDAB-2926-6E95B70E0A9C}"/>
+                </a:ext>
+              </a:extLst>
+            </p:cNvPr>
+            <p:cNvPicPr>
+              <a:picLocks noChangeAspect="1"/>
+            </p:cNvPicPr>
+            <p:nvPr/>
+          </p:nvPicPr>
+          <p:blipFill>
+            <a:blip r:embed="rId7"/>
+            <a:stretch>
+              <a:fillRect/>
+            </a:stretch>
+          </p:blipFill>
+          <p:spPr>
+            <a:xfrm>
+              <a:off x="2973378" y="4900052"/>
+              <a:ext cx="1902990" cy="1965270"/>
+            </a:xfrm>
+            <a:prstGeom prst="rect">
+              <a:avLst/>
+            </a:prstGeom>
+          </p:spPr>
+        </p:pic>
+        <p:pic>
+          <p:nvPicPr>
+            <p:cNvPr id="30" name="図 29" descr="グラフ&#10;&#10;低い精度で自動的に生成された説明">
+              <a:extLst>
+                <a:ext uri="{FF2B5EF4-FFF2-40B4-BE49-F238E27FC236}">
+                  <a16:creationId xmlns:a16="http://schemas.microsoft.com/office/drawing/2014/main" id="{DD56F435-372E-F176-B885-245706A1D38A}"/>
+                </a:ext>
+              </a:extLst>
+            </p:cNvPr>
+            <p:cNvPicPr>
+              <a:picLocks noChangeAspect="1"/>
+            </p:cNvPicPr>
+            <p:nvPr/>
+          </p:nvPicPr>
+          <p:blipFill>
+            <a:blip r:embed="rId8"/>
+            <a:stretch>
+              <a:fillRect/>
+            </a:stretch>
+          </p:blipFill>
+          <p:spPr>
+            <a:xfrm>
+              <a:off x="3117418" y="5204686"/>
+              <a:ext cx="1580605" cy="947371"/>
+            </a:xfrm>
+            <a:prstGeom prst="rect">
+              <a:avLst/>
+            </a:prstGeom>
+          </p:spPr>
+        </p:pic>
+      </p:grpSp>
+      <p:sp>
+        <p:nvSpPr>
+          <p:cNvPr id="35" name="テキスト ボックス 34">
+            <a:extLst>
+              <a:ext uri="{FF2B5EF4-FFF2-40B4-BE49-F238E27FC236}">
+                <a16:creationId xmlns:a16="http://schemas.microsoft.com/office/drawing/2014/main" id="{78F9894C-35C7-E5F5-F926-7920D2C09E8E}"/>
+              </a:ext>
+            </a:extLst>
+          </p:cNvPr>
+          <p:cNvSpPr txBox="1"/>
+          <p:nvPr/>
+        </p:nvSpPr>
+        <p:spPr>
+          <a:xfrm>
+            <a:off x="1433057" y="4193132"/>
+            <a:ext cx="833883" cy="461665"/>
+          </a:xfrm>
+          <a:prstGeom prst="rect">
+            <a:avLst/>
+          </a:prstGeom>
+          <a:noFill/>
+        </p:spPr>
+        <p:txBody>
+          <a:bodyPr wrap="none" rtlCol="0">
+            <a:spAutoFit/>
+          </a:bodyPr>
+          <a:lstStyle/>
+          <a:p>
+            <a:r>
+              <a:rPr kumimoji="1" lang="en-US" altLang="ja-JP" sz="2400" b="1"/>
+              <a:t>Slack</a:t>
+            </a:r>
+            <a:endParaRPr kumimoji="1" lang="ja-JP" altLang="en-US" sz="2400" b="1"/>
+          </a:p>
+        </p:txBody>
+      </p:sp>
+      <p:sp>
+        <p:nvSpPr>
+          <p:cNvPr id="36" name="テキスト ボックス 35">
+            <a:extLst>
+              <a:ext uri="{FF2B5EF4-FFF2-40B4-BE49-F238E27FC236}">
+                <a16:creationId xmlns:a16="http://schemas.microsoft.com/office/drawing/2014/main" id="{2B7FA5C8-A172-576E-18CE-3E09832E9881}"/>
+              </a:ext>
+            </a:extLst>
+          </p:cNvPr>
+          <p:cNvSpPr txBox="1"/>
+          <p:nvPr/>
+        </p:nvSpPr>
+        <p:spPr>
+          <a:xfrm>
+            <a:off x="1413084" y="5717520"/>
+            <a:ext cx="773225" cy="461665"/>
+          </a:xfrm>
+          <a:prstGeom prst="rect">
+            <a:avLst/>
+          </a:prstGeom>
+          <a:noFill/>
+        </p:spPr>
+        <p:txBody>
+          <a:bodyPr wrap="none" rtlCol="0">
+            <a:spAutoFit/>
+          </a:bodyPr>
+          <a:lstStyle/>
+          <a:p>
+            <a:r>
+              <a:rPr kumimoji="1" lang="en-US" altLang="ja-JP" sz="2400" b="1"/>
+              <a:t>Web</a:t>
+            </a:r>
+            <a:endParaRPr kumimoji="1" lang="ja-JP" altLang="en-US" sz="2400" b="1"/>
+          </a:p>
+        </p:txBody>
+      </p:sp>
+      <p:sp>
+        <p:nvSpPr>
+          <p:cNvPr id="3" name="テキスト ボックス 2">
+            <a:extLst>
+              <a:ext uri="{FF2B5EF4-FFF2-40B4-BE49-F238E27FC236}">
+                <a16:creationId xmlns:a16="http://schemas.microsoft.com/office/drawing/2014/main" id="{2B834B67-B668-AC2B-B510-5982F0FAC678}"/>
+              </a:ext>
+            </a:extLst>
+          </p:cNvPr>
+          <p:cNvSpPr txBox="1"/>
+          <p:nvPr/>
+        </p:nvSpPr>
+        <p:spPr>
+          <a:xfrm>
+            <a:off x="7595335" y="1861576"/>
+            <a:ext cx="473206" cy="523220"/>
+          </a:xfrm>
+          <a:prstGeom prst="rect">
+            <a:avLst/>
+          </a:prstGeom>
+          <a:noFill/>
+        </p:spPr>
+        <p:txBody>
+          <a:bodyPr wrap="none">
+            <a:spAutoFit/>
+          </a:bodyPr>
+          <a:lstStyle/>
+          <a:p>
+            <a:r>
+              <a:rPr lang="en-US" sz="2800" b="1"/>
+              <a:t>...</a:t>
+            </a:r>
+          </a:p>
+        </p:txBody>
+      </p:sp>
+      <p:sp>
+        <p:nvSpPr>
+          <p:cNvPr id="6" name="テキスト ボックス 5">
+            <a:extLst>
+              <a:ext uri="{FF2B5EF4-FFF2-40B4-BE49-F238E27FC236}">
+                <a16:creationId xmlns:a16="http://schemas.microsoft.com/office/drawing/2014/main" id="{1FE84DB4-4A42-EE3E-B3CA-9D7EB6FFA7E7}"/>
+              </a:ext>
+            </a:extLst>
+          </p:cNvPr>
+          <p:cNvSpPr txBox="1"/>
+          <p:nvPr/>
+        </p:nvSpPr>
+        <p:spPr>
+          <a:xfrm>
+            <a:off x="632334" y="6208468"/>
+            <a:ext cx="7666130" cy="461665"/>
+          </a:xfrm>
+          <a:prstGeom prst="rect">
+            <a:avLst/>
+          </a:prstGeom>
+          <a:noFill/>
+        </p:spPr>
+        <p:txBody>
+          <a:bodyPr wrap="square">
+            <a:spAutoFit/>
+          </a:bodyPr>
+          <a:lstStyle/>
+          <a:p>
+            <a:r>
+              <a:rPr kumimoji="1" lang="en-US" altLang="ja-JP" sz="2400" b="1">
+                <a:latin typeface="+mn-ea"/>
+              </a:rPr>
+              <a:t>push</a:t>
+            </a:r>
+            <a:r>
+              <a:rPr kumimoji="1" lang="ja-JP" altLang="en-US" sz="2400" b="1">
+                <a:latin typeface="+mn-ea"/>
+              </a:rPr>
+              <a:t>だけでプログラムの強さを即座に確認できます！</a:t>
+            </a:r>
+          </a:p>
+        </p:txBody>
+      </p:sp>
+    </p:spTree>
+    <p:extLst>
+      <p:ext uri="{BB962C8B-B14F-4D97-AF65-F5344CB8AC3E}">
+        <p14:creationId xmlns:p14="http://schemas.microsoft.com/office/powerpoint/2010/main" val="100406642"/>
+      </p:ext>
+    </p:extLst>
+  </p:cSld>
+  <p:clrMapOvr>
+    <a:masterClrMapping/>
+  </p:clrMapOvr>
+</p:sld>
+</file>
+
+<file path=ppt/slides/slide9.xml><?xml version="1.0" encoding="utf-8"?>
+<p:sld xmlns:a="http://schemas.openxmlformats.org/drawingml/2006/main" xmlns:r="http://schemas.openxmlformats.org/officeDocument/2006/relationships" xmlns:p="http://schemas.openxmlformats.org/presentationml/2006/main">
+  <p:cSld>
+    <p:spTree>
+      <p:nvGrpSpPr>
+        <p:cNvPr id="1" name=""/>
+        <p:cNvGrpSpPr/>
+        <p:nvPr/>
+      </p:nvGrpSpPr>
+      <p:grpSpPr>
+        <a:xfrm>
+          <a:off x="0" y="0"/>
+          <a:ext cx="0" cy="0"/>
+          <a:chOff x="0" y="0"/>
+          <a:chExt cx="0" cy="0"/>
+        </a:xfrm>
+      </p:grpSpPr>
       <p:sp>
         <p:nvSpPr>
           <p:cNvPr id="2" name="タイトル 1">
@@ -5927,7 +10223,7 @@
             <a:fld id="{F5A3E2E4-C4C6-2C45-9E22-FA616B104F81}" type="slidenum">
               <a:rPr lang="en-US" altLang="ja-JP"/>
               <a:pPr/>
-              <a:t>2</a:t>
+              <a:t>8</a:t>
             </a:fld>
             <a:endParaRPr kumimoji="1" lang="ja-JP" altLang="en-US"/>
           </a:p>
@@ -6033,620 +10329,6 @@
     <p:extLst>
       <p:ext uri="{BB962C8B-B14F-4D97-AF65-F5344CB8AC3E}">
         <p14:creationId xmlns:p14="http://schemas.microsoft.com/office/powerpoint/2010/main" val="59484728"/>
-      </p:ext>
-    </p:extLst>
-  </p:cSld>
-  <p:clrMapOvr>
-    <a:masterClrMapping/>
-  </p:clrMapOvr>
-</p:sld>
-</file>
-
-<file path=ppt/slides/slide4.xml><?xml version="1.0" encoding="utf-8"?>
-<p:sld xmlns:a="http://schemas.openxmlformats.org/drawingml/2006/main" xmlns:r="http://schemas.openxmlformats.org/officeDocument/2006/relationships" xmlns:p="http://schemas.openxmlformats.org/presentationml/2006/main">
-  <p:cSld>
-    <p:spTree>
-      <p:nvGrpSpPr>
-        <p:cNvPr id="1" name=""/>
-        <p:cNvGrpSpPr/>
-        <p:nvPr/>
-      </p:nvGrpSpPr>
-      <p:grpSpPr>
-        <a:xfrm>
-          <a:off x="0" y="0"/>
-          <a:ext cx="0" cy="0"/>
-          <a:chOff x="0" y="0"/>
-          <a:chExt cx="0" cy="0"/>
-        </a:xfrm>
-      </p:grpSpPr>
-      <p:sp>
-        <p:nvSpPr>
-          <p:cNvPr id="2" name="タイトル 1">
-            <a:extLst>
-              <a:ext uri="{FF2B5EF4-FFF2-40B4-BE49-F238E27FC236}">
-                <a16:creationId xmlns:a16="http://schemas.microsoft.com/office/drawing/2014/main" id="{7C0183F0-ACE6-6733-32BE-8E60AB766DC6}"/>
-              </a:ext>
-            </a:extLst>
-          </p:cNvPr>
-          <p:cNvSpPr>
-            <a:spLocks noGrp="1"/>
-          </p:cNvSpPr>
-          <p:nvPr>
-            <p:ph type="title"/>
-          </p:nvPr>
-        </p:nvSpPr>
-        <p:spPr/>
-        <p:txBody>
-          <a:bodyPr>
-            <a:normAutofit/>
-          </a:bodyPr>
-          <a:lstStyle/>
-          <a:p>
-            <a:r>
-              <a:rPr lang="en-US" altLang="ja-JP" b="1">
-                <a:latin typeface="Helvetica" pitchFamily="2" charset="0"/>
-              </a:rPr>
-              <a:t>CC</a:t>
-            </a:r>
-            <a:r>
-              <a:rPr lang="ja-JP" altLang="en-US" b="1">
-                <a:latin typeface="Helvetica" pitchFamily="2" charset="0"/>
-              </a:rPr>
-              <a:t>の</a:t>
-            </a:r>
-            <a:r>
-              <a:rPr lang="en-US" altLang="ja-JP" b="1">
-                <a:latin typeface="Helvetica" pitchFamily="2" charset="0"/>
-              </a:rPr>
-              <a:t>Web</a:t>
-            </a:r>
-            <a:r>
-              <a:rPr lang="ja-JP" altLang="en-US" b="1">
-                <a:latin typeface="Helvetica" pitchFamily="2" charset="0"/>
-              </a:rPr>
-              <a:t>ページ</a:t>
-            </a:r>
-            <a:endParaRPr kumimoji="1" lang="ja-JP" altLang="en-US" b="1" dirty="0">
-              <a:latin typeface="Helvetica" pitchFamily="2" charset="0"/>
-            </a:endParaRPr>
-          </a:p>
-        </p:txBody>
-      </p:sp>
-      <p:sp>
-        <p:nvSpPr>
-          <p:cNvPr id="6" name="スライド番号プレースホルダー 5">
-            <a:extLst>
-              <a:ext uri="{FF2B5EF4-FFF2-40B4-BE49-F238E27FC236}">
-                <a16:creationId xmlns:a16="http://schemas.microsoft.com/office/drawing/2014/main" id="{B22BF89B-170C-ABD1-BA35-491148347D16}"/>
-              </a:ext>
-            </a:extLst>
-          </p:cNvPr>
-          <p:cNvSpPr>
-            <a:spLocks noGrp="1"/>
-          </p:cNvSpPr>
-          <p:nvPr>
-            <p:ph type="sldNum" sz="quarter" idx="12"/>
-          </p:nvPr>
-        </p:nvSpPr>
-        <p:spPr/>
-        <p:txBody>
-          <a:bodyPr/>
-          <a:lstStyle/>
-          <a:p>
-            <a:fld id="{F5A3E2E4-C4C6-2C45-9E22-FA616B104F81}" type="slidenum">
-              <a:rPr lang="en-US" altLang="ja-JP"/>
-              <a:pPr/>
-              <a:t>3</a:t>
-            </a:fld>
-            <a:endParaRPr kumimoji="1" lang="ja-JP" altLang="en-US"/>
-          </a:p>
-        </p:txBody>
-      </p:sp>
-      <p:pic>
-        <p:nvPicPr>
-          <p:cNvPr id="15" name="図 14" descr="グラフ&#10;&#10;自動的に生成された説明">
-            <a:extLst>
-              <a:ext uri="{FF2B5EF4-FFF2-40B4-BE49-F238E27FC236}">
-                <a16:creationId xmlns:a16="http://schemas.microsoft.com/office/drawing/2014/main" id="{E28208F7-8B53-1CB9-76C9-F9DAA1306239}"/>
-              </a:ext>
-            </a:extLst>
-          </p:cNvPr>
-          <p:cNvPicPr>
-            <a:picLocks noChangeAspect="1"/>
-          </p:cNvPicPr>
-          <p:nvPr/>
-        </p:nvPicPr>
-        <p:blipFill>
-          <a:blip r:embed="rId3"/>
-          <a:stretch>
-            <a:fillRect/>
-          </a:stretch>
-        </p:blipFill>
-        <p:spPr>
-          <a:xfrm>
-            <a:off x="771842" y="2062262"/>
-            <a:ext cx="7772400" cy="4236112"/>
-          </a:xfrm>
-          <a:prstGeom prst="rect">
-            <a:avLst/>
-          </a:prstGeom>
-        </p:spPr>
-      </p:pic>
-      <p:sp>
-        <p:nvSpPr>
-          <p:cNvPr id="10" name="四角形吹き出し 9">
-            <a:extLst>
-              <a:ext uri="{FF2B5EF4-FFF2-40B4-BE49-F238E27FC236}">
-                <a16:creationId xmlns:a16="http://schemas.microsoft.com/office/drawing/2014/main" id="{30D8011D-EBFB-F103-8476-A891DCDBCC4E}"/>
-              </a:ext>
-            </a:extLst>
-          </p:cNvPr>
-          <p:cNvSpPr/>
-          <p:nvPr/>
-        </p:nvSpPr>
-        <p:spPr>
-          <a:xfrm>
-            <a:off x="4991480" y="4447977"/>
-            <a:ext cx="3552762" cy="864220"/>
-          </a:xfrm>
-          <a:prstGeom prst="wedgeRectCallout">
-            <a:avLst>
-              <a:gd name="adj1" fmla="val -46876"/>
-              <a:gd name="adj2" fmla="val 130095"/>
-            </a:avLst>
-          </a:prstGeom>
-          <a:solidFill>
-            <a:srgbClr val="04446B"/>
-          </a:solidFill>
-        </p:spPr>
-        <p:style>
-          <a:lnRef idx="2">
-            <a:schemeClr val="accent1">
-              <a:shade val="15000"/>
-            </a:schemeClr>
-          </a:lnRef>
-          <a:fillRef idx="1">
-            <a:schemeClr val="accent1"/>
-          </a:fillRef>
-          <a:effectRef idx="0">
-            <a:schemeClr val="accent1"/>
-          </a:effectRef>
-          <a:fontRef idx="minor">
-            <a:schemeClr val="lt1"/>
-          </a:fontRef>
-        </p:style>
-        <p:txBody>
-          <a:bodyPr rtlCol="0" anchor="ctr"/>
-          <a:lstStyle/>
-          <a:p>
-            <a:r>
-              <a:rPr lang="ja-JP" altLang="en-US" sz="2400" b="1" dirty="0">
-                <a:latin typeface="+mn-ea"/>
-              </a:rPr>
-              <a:t>リプレイページのリンク</a:t>
-            </a:r>
-            <a:endParaRPr lang="ja-JP" altLang="en-US" sz="2400" b="1" dirty="0">
-              <a:effectLst/>
-              <a:latin typeface="+mn-ea"/>
-            </a:endParaRPr>
-          </a:p>
-        </p:txBody>
-      </p:sp>
-      <p:sp>
-        <p:nvSpPr>
-          <p:cNvPr id="8" name="角丸四角形 7">
-            <a:extLst>
-              <a:ext uri="{FF2B5EF4-FFF2-40B4-BE49-F238E27FC236}">
-                <a16:creationId xmlns:a16="http://schemas.microsoft.com/office/drawing/2014/main" id="{B0EE1903-A3BF-7476-3B01-9CCE7A0738A8}"/>
-              </a:ext>
-            </a:extLst>
-          </p:cNvPr>
-          <p:cNvSpPr/>
-          <p:nvPr/>
-        </p:nvSpPr>
-        <p:spPr>
-          <a:xfrm>
-            <a:off x="4651368" y="5974989"/>
-            <a:ext cx="522798" cy="323385"/>
-          </a:xfrm>
-          <a:prstGeom prst="roundRect">
-            <a:avLst/>
-          </a:prstGeom>
-          <a:solidFill>
-            <a:schemeClr val="accent4">
-              <a:lumMod val="40000"/>
-              <a:lumOff val="60000"/>
-              <a:alpha val="37000"/>
-            </a:schemeClr>
-          </a:solidFill>
-          <a:ln>
-            <a:noFill/>
-          </a:ln>
-        </p:spPr>
-        <p:style>
-          <a:lnRef idx="2">
-            <a:schemeClr val="accent1">
-              <a:shade val="15000"/>
-            </a:schemeClr>
-          </a:lnRef>
-          <a:fillRef idx="1">
-            <a:schemeClr val="accent1"/>
-          </a:fillRef>
-          <a:effectRef idx="0">
-            <a:schemeClr val="accent1"/>
-          </a:effectRef>
-          <a:fontRef idx="minor">
-            <a:schemeClr val="lt1"/>
-          </a:fontRef>
-        </p:style>
-        <p:txBody>
-          <a:bodyPr rtlCol="0" anchor="ctr"/>
-          <a:lstStyle/>
-          <a:p>
-            <a:pPr algn="ctr"/>
-            <a:endParaRPr kumimoji="1" lang="ja-JP" altLang="en-US"/>
-          </a:p>
-        </p:txBody>
-      </p:sp>
-    </p:spTree>
-    <p:extLst>
-      <p:ext uri="{BB962C8B-B14F-4D97-AF65-F5344CB8AC3E}">
-        <p14:creationId xmlns:p14="http://schemas.microsoft.com/office/powerpoint/2010/main" val="288852614"/>
-      </p:ext>
-    </p:extLst>
-  </p:cSld>
-  <p:clrMapOvr>
-    <a:masterClrMapping/>
-  </p:clrMapOvr>
-</p:sld>
-</file>
-
-<file path=ppt/slides/slide5.xml><?xml version="1.0" encoding="utf-8"?>
-<p:sld xmlns:a="http://schemas.openxmlformats.org/drawingml/2006/main" xmlns:r="http://schemas.openxmlformats.org/officeDocument/2006/relationships" xmlns:p="http://schemas.openxmlformats.org/presentationml/2006/main">
-  <p:cSld>
-    <p:spTree>
-      <p:nvGrpSpPr>
-        <p:cNvPr id="1" name=""/>
-        <p:cNvGrpSpPr/>
-        <p:nvPr/>
-      </p:nvGrpSpPr>
-      <p:grpSpPr>
-        <a:xfrm>
-          <a:off x="0" y="0"/>
-          <a:ext cx="0" cy="0"/>
-          <a:chOff x="0" y="0"/>
-          <a:chExt cx="0" cy="0"/>
-        </a:xfrm>
-      </p:grpSpPr>
-      <p:sp>
-        <p:nvSpPr>
-          <p:cNvPr id="2" name="タイトル 1">
-            <a:extLst>
-              <a:ext uri="{FF2B5EF4-FFF2-40B4-BE49-F238E27FC236}">
-                <a16:creationId xmlns:a16="http://schemas.microsoft.com/office/drawing/2014/main" id="{7C0183F0-ACE6-6733-32BE-8E60AB766DC6}"/>
-              </a:ext>
-            </a:extLst>
-          </p:cNvPr>
-          <p:cNvSpPr>
-            <a:spLocks noGrp="1"/>
-          </p:cNvSpPr>
-          <p:nvPr>
-            <p:ph type="title"/>
-          </p:nvPr>
-        </p:nvSpPr>
-        <p:spPr/>
-        <p:txBody>
-          <a:bodyPr>
-            <a:normAutofit/>
-          </a:bodyPr>
-          <a:lstStyle/>
-          <a:p>
-            <a:r>
-              <a:rPr lang="en-US" altLang="ja-JP" b="1">
-                <a:latin typeface="Helvetica" pitchFamily="2" charset="0"/>
-              </a:rPr>
-              <a:t>CC</a:t>
-            </a:r>
-            <a:r>
-              <a:rPr lang="ja-JP" altLang="en-US" b="1">
-                <a:latin typeface="Helvetica" pitchFamily="2" charset="0"/>
-              </a:rPr>
-              <a:t>のリプレイページ</a:t>
-            </a:r>
-            <a:endParaRPr kumimoji="1" lang="ja-JP" altLang="en-US" b="1">
-              <a:latin typeface="Helvetica" pitchFamily="2" charset="0"/>
-            </a:endParaRPr>
-          </a:p>
-        </p:txBody>
-      </p:sp>
-      <p:sp>
-        <p:nvSpPr>
-          <p:cNvPr id="6" name="スライド番号プレースホルダー 5">
-            <a:extLst>
-              <a:ext uri="{FF2B5EF4-FFF2-40B4-BE49-F238E27FC236}">
-                <a16:creationId xmlns:a16="http://schemas.microsoft.com/office/drawing/2014/main" id="{B22BF89B-170C-ABD1-BA35-491148347D16}"/>
-              </a:ext>
-            </a:extLst>
-          </p:cNvPr>
-          <p:cNvSpPr>
-            <a:spLocks noGrp="1"/>
-          </p:cNvSpPr>
-          <p:nvPr>
-            <p:ph type="sldNum" sz="quarter" idx="12"/>
-          </p:nvPr>
-        </p:nvSpPr>
-        <p:spPr/>
-        <p:txBody>
-          <a:bodyPr/>
-          <a:lstStyle/>
-          <a:p>
-            <a:fld id="{F5A3E2E4-C4C6-2C45-9E22-FA616B104F81}" type="slidenum">
-              <a:rPr lang="en-US" altLang="ja-JP"/>
-              <a:pPr/>
-              <a:t>4</a:t>
-            </a:fld>
-            <a:endParaRPr kumimoji="1" lang="ja-JP" altLang="en-US"/>
-          </a:p>
-        </p:txBody>
-      </p:sp>
-      <p:pic>
-        <p:nvPicPr>
-          <p:cNvPr id="5" name="図 4" descr="グラフ, 散布図&#10;&#10;自動的に生成された説明">
-            <a:extLst>
-              <a:ext uri="{FF2B5EF4-FFF2-40B4-BE49-F238E27FC236}">
-                <a16:creationId xmlns:a16="http://schemas.microsoft.com/office/drawing/2014/main" id="{2F614A0F-47B2-C9A0-BF15-2CC5C6CE322A}"/>
-              </a:ext>
-            </a:extLst>
-          </p:cNvPr>
-          <p:cNvPicPr>
-            <a:picLocks noChangeAspect="1"/>
-          </p:cNvPicPr>
-          <p:nvPr/>
-        </p:nvPicPr>
-        <p:blipFill>
-          <a:blip r:embed="rId3"/>
-          <a:stretch>
-            <a:fillRect/>
-          </a:stretch>
-        </p:blipFill>
-        <p:spPr>
-          <a:xfrm>
-            <a:off x="792953" y="1356140"/>
-            <a:ext cx="7504772" cy="5238000"/>
-          </a:xfrm>
-          <a:prstGeom prst="rect">
-            <a:avLst/>
-          </a:prstGeom>
-        </p:spPr>
-      </p:pic>
-    </p:spTree>
-    <p:extLst>
-      <p:ext uri="{BB962C8B-B14F-4D97-AF65-F5344CB8AC3E}">
-        <p14:creationId xmlns:p14="http://schemas.microsoft.com/office/powerpoint/2010/main" val="1666310784"/>
-      </p:ext>
-    </p:extLst>
-  </p:cSld>
-  <p:clrMapOvr>
-    <a:masterClrMapping/>
-  </p:clrMapOvr>
-</p:sld>
-</file>
-
-<file path=ppt/slides/slide6.xml><?xml version="1.0" encoding="utf-8"?>
-<p:sld xmlns:a="http://schemas.openxmlformats.org/drawingml/2006/main" xmlns:r="http://schemas.openxmlformats.org/officeDocument/2006/relationships" xmlns:p="http://schemas.openxmlformats.org/presentationml/2006/main">
-  <p:cSld>
-    <p:spTree>
-      <p:nvGrpSpPr>
-        <p:cNvPr id="1" name=""/>
-        <p:cNvGrpSpPr/>
-        <p:nvPr/>
-      </p:nvGrpSpPr>
-      <p:grpSpPr>
-        <a:xfrm>
-          <a:off x="0" y="0"/>
-          <a:ext cx="0" cy="0"/>
-          <a:chOff x="0" y="0"/>
-          <a:chExt cx="0" cy="0"/>
-        </a:xfrm>
-      </p:grpSpPr>
-      <p:sp>
-        <p:nvSpPr>
-          <p:cNvPr id="2" name="タイトル 1">
-            <a:extLst>
-              <a:ext uri="{FF2B5EF4-FFF2-40B4-BE49-F238E27FC236}">
-                <a16:creationId xmlns:a16="http://schemas.microsoft.com/office/drawing/2014/main" id="{8A79CEBB-E5EA-7EC7-BDBA-05EF9B2F97F7}"/>
-              </a:ext>
-            </a:extLst>
-          </p:cNvPr>
-          <p:cNvSpPr>
-            <a:spLocks noGrp="1"/>
-          </p:cNvSpPr>
-          <p:nvPr>
-            <p:ph type="title"/>
-          </p:nvPr>
-        </p:nvSpPr>
-        <p:spPr/>
-        <p:txBody>
-          <a:bodyPr/>
-          <a:lstStyle/>
-          <a:p>
-            <a:r>
-              <a:rPr kumimoji="1" lang="ja-JP" altLang="en-US"/>
-              <a:t>最後に</a:t>
-            </a:r>
-          </a:p>
-        </p:txBody>
-      </p:sp>
-      <p:sp>
-        <p:nvSpPr>
-          <p:cNvPr id="3" name="コンテンツ プレースホルダー 2">
-            <a:extLst>
-              <a:ext uri="{FF2B5EF4-FFF2-40B4-BE49-F238E27FC236}">
-                <a16:creationId xmlns:a16="http://schemas.microsoft.com/office/drawing/2014/main" id="{D6DDBE56-34CC-BB57-4333-48CBF7427FB1}"/>
-              </a:ext>
-            </a:extLst>
-          </p:cNvPr>
-          <p:cNvSpPr>
-            <a:spLocks noGrp="1"/>
-          </p:cNvSpPr>
-          <p:nvPr>
-            <p:ph idx="1"/>
-          </p:nvPr>
-        </p:nvSpPr>
-        <p:spPr/>
-        <p:txBody>
-          <a:bodyPr>
-            <a:normAutofit/>
-          </a:bodyPr>
-          <a:lstStyle/>
-          <a:p>
-            <a:pPr marL="0" indent="0">
-              <a:buNone/>
-            </a:pPr>
-            <a:r>
-              <a:rPr kumimoji="1" lang="en-US" altLang="ja-JP" sz="2800"/>
-              <a:t>※ CC</a:t>
-            </a:r>
-            <a:r>
-              <a:rPr kumimoji="1" lang="ja-JP" altLang="en-US" sz="2800"/>
-              <a:t>の利用は対戦回の</a:t>
-            </a:r>
-            <a:r>
-              <a:rPr kumimoji="1" lang="en-US" altLang="ja-JP" sz="2800"/>
-              <a:t>2</a:t>
-            </a:r>
-            <a:r>
-              <a:rPr kumimoji="1" lang="ja-JP" altLang="en-US" sz="2800"/>
-              <a:t>週間前までにする予定</a:t>
-            </a:r>
-            <a:endParaRPr kumimoji="1" lang="en-US" altLang="ja-JP" sz="2800"/>
-          </a:p>
-          <a:p>
-            <a:pPr marL="0" indent="0">
-              <a:buNone/>
-            </a:pPr>
-            <a:endParaRPr kumimoji="1" lang="en-US" altLang="ja-JP" sz="2800"/>
-          </a:p>
-          <a:p>
-            <a:pPr marL="0" indent="0">
-              <a:buNone/>
-            </a:pPr>
-            <a:r>
-              <a:rPr kumimoji="1" lang="en-US" altLang="ja-JP" sz="2800"/>
-              <a:t>CC</a:t>
-            </a:r>
-            <a:r>
-              <a:rPr kumimoji="1" lang="ja-JP" altLang="en-US" sz="2800"/>
-              <a:t>をぜひ開発に役立ててください！</a:t>
-            </a:r>
-            <a:endParaRPr kumimoji="1" lang="en-US" altLang="ja-JP" sz="2800"/>
-          </a:p>
-          <a:p>
-            <a:pPr marL="0" indent="0">
-              <a:buNone/>
-            </a:pPr>
-            <a:endParaRPr lang="en-US" altLang="ja-JP" sz="2800"/>
-          </a:p>
-          <a:p>
-            <a:pPr marL="0" indent="0">
-              <a:buNone/>
-            </a:pPr>
-            <a:r>
-              <a:rPr lang="ja-JP" altLang="en-US" sz="2800"/>
-              <a:t>各</a:t>
-            </a:r>
-            <a:r>
-              <a:rPr kumimoji="1" lang="ja-JP" altLang="en-US" sz="2800"/>
-              <a:t>対戦回終了後にアンケート調査を行う予定です</a:t>
-            </a:r>
-            <a:endParaRPr kumimoji="1" lang="en-US" altLang="ja-JP" sz="2800"/>
-          </a:p>
-          <a:p>
-            <a:pPr marL="0" indent="0">
-              <a:buNone/>
-            </a:pPr>
-            <a:r>
-              <a:rPr kumimoji="1" lang="en-US" altLang="ja-JP" sz="2800"/>
-              <a:t>	</a:t>
-            </a:r>
-            <a:r>
-              <a:rPr kumimoji="1" lang="ja-JP" altLang="en-US" sz="2800"/>
-              <a:t>ご協力お願いいたします</a:t>
-            </a:r>
-            <a:endParaRPr kumimoji="1" lang="en-US" altLang="ja-JP" sz="2800"/>
-          </a:p>
-          <a:p>
-            <a:pPr marL="0" indent="0">
-              <a:buNone/>
-            </a:pPr>
-            <a:endParaRPr lang="en-US" altLang="ja-JP" sz="2800"/>
-          </a:p>
-          <a:p>
-            <a:pPr marL="0" indent="0">
-              <a:buNone/>
-            </a:pPr>
-            <a:r>
-              <a:rPr lang="ja-JP" altLang="en-US" sz="2800"/>
-              <a:t>何かあれば</a:t>
-            </a:r>
-            <a:r>
-              <a:rPr lang="en-US" altLang="ja-JP" sz="2800">
-                <a:latin typeface="Helvetica" pitchFamily="2" charset="0"/>
-              </a:rPr>
-              <a:t>slack</a:t>
-            </a:r>
-            <a:r>
-              <a:rPr lang="ja-JP" altLang="en-US" sz="2800"/>
-              <a:t>で</a:t>
-            </a:r>
-            <a:r>
-              <a:rPr lang="en-US" altLang="ja-JP" sz="2800">
-                <a:latin typeface="Helvetica" pitchFamily="2" charset="0"/>
-              </a:rPr>
-              <a:t>@y-yabust</a:t>
-            </a:r>
-            <a:r>
-              <a:rPr lang="ja-JP" altLang="en-US" sz="2800"/>
-              <a:t>までご連絡ください</a:t>
-            </a:r>
-            <a:endParaRPr lang="en-US" altLang="ja-JP" sz="2800"/>
-          </a:p>
-        </p:txBody>
-      </p:sp>
-      <p:sp>
-        <p:nvSpPr>
-          <p:cNvPr id="4" name="スライド番号プレースホルダー 3">
-            <a:extLst>
-              <a:ext uri="{FF2B5EF4-FFF2-40B4-BE49-F238E27FC236}">
-                <a16:creationId xmlns:a16="http://schemas.microsoft.com/office/drawing/2014/main" id="{64B20E1D-D79F-03EC-02FB-82A89D2B0F04}"/>
-              </a:ext>
-            </a:extLst>
-          </p:cNvPr>
-          <p:cNvSpPr>
-            <a:spLocks noGrp="1"/>
-          </p:cNvSpPr>
-          <p:nvPr>
-            <p:ph type="sldNum" sz="quarter" idx="12"/>
-          </p:nvPr>
-        </p:nvSpPr>
-        <p:spPr/>
-        <p:txBody>
-          <a:bodyPr/>
-          <a:lstStyle/>
-          <a:p>
-            <a:fld id="{F5A3E2E4-C4C6-2C45-9E22-FA616B104F81}" type="slidenum">
-              <a:rPr lang="en-US" altLang="ja-JP"/>
-              <a:pPr/>
-              <a:t>5</a:t>
-            </a:fld>
-            <a:endParaRPr kumimoji="1" lang="ja-JP" altLang="en-US"/>
-          </a:p>
-        </p:txBody>
-      </p:sp>
-    </p:spTree>
-    <p:extLst>
-      <p:ext uri="{BB962C8B-B14F-4D97-AF65-F5344CB8AC3E}">
-        <p14:creationId xmlns:p14="http://schemas.microsoft.com/office/powerpoint/2010/main" val="1877668900"/>
       </p:ext>
     </p:extLst>
   </p:cSld>
@@ -7221,6 +10903,15 @@
 </file>
 
 <file path=customXml/item2.xml><?xml version="1.0" encoding="utf-8"?>
+<?mso-contentType ?>
+<FormTemplates xmlns="http://schemas.microsoft.com/sharepoint/v3/contenttype/forms">
+  <Display>DocumentLibraryForm</Display>
+  <Edit>DocumentLibraryForm</Edit>
+  <New>DocumentLibraryForm</New>
+</FormTemplates>
+</file>
+
+<file path=customXml/item3.xml><?xml version="1.0" encoding="utf-8"?>
 <ct:contentTypeSchema xmlns:ct="http://schemas.microsoft.com/office/2006/metadata/contentType" xmlns:ma="http://schemas.microsoft.com/office/2006/metadata/properties/metaAttributes" ct:_="" ma:_="" ma:contentTypeName="ドキュメント" ma:contentTypeID="0x010100C5C851C8BB82864DB91CE204290E7C7D" ma:contentTypeVersion="10" ma:contentTypeDescription="新しいドキュメントを作成します。" ma:contentTypeScope="" ma:versionID="785b661a6e59958b09c91064c83061cc">
   <xsd:schema xmlns:xsd="http://www.w3.org/2001/XMLSchema" xmlns:xs="http://www.w3.org/2001/XMLSchema" xmlns:p="http://schemas.microsoft.com/office/2006/metadata/properties" xmlns:ns3="774e6f62-b8d0-415d-99f2-fa632c5f0a66" targetNamespace="http://schemas.microsoft.com/office/2006/metadata/properties" ma:root="true" ma:fieldsID="df350b6de2bc4090884570108fac7991" ns3:_="">
     <xsd:import namespace="774e6f62-b8d0-415d-99f2-fa632c5f0a66"/>
@@ -7404,15 +11095,6 @@
 </ct:contentTypeSchema>
 </file>
 
-<file path=customXml/item3.xml><?xml version="1.0" encoding="utf-8"?>
-<?mso-contentType ?>
-<FormTemplates xmlns="http://schemas.microsoft.com/sharepoint/v3/contenttype/forms">
-  <Display>DocumentLibraryForm</Display>
-  <Edit>DocumentLibraryForm</Edit>
-  <New>DocumentLibraryForm</New>
-</FormTemplates>
-</file>
-
 <file path=customXml/itemProps1.xml><?xml version="1.0" encoding="utf-8"?>
 <ds:datastoreItem xmlns:ds="http://schemas.openxmlformats.org/officeDocument/2006/customXml" ds:itemID="{3D8C6688-F458-496F-BFBE-4D57649F79CE}">
   <ds:schemaRefs>
@@ -7430,6 +11112,14 @@
 </file>
 
 <file path=customXml/itemProps2.xml><?xml version="1.0" encoding="utf-8"?>
+<ds:datastoreItem xmlns:ds="http://schemas.openxmlformats.org/officeDocument/2006/customXml" ds:itemID="{4E6DE0AB-2DBE-4A6F-B84A-D2BE09C73E1C}">
+  <ds:schemaRefs>
+    <ds:schemaRef ds:uri="http://schemas.microsoft.com/sharepoint/v3/contenttype/forms"/>
+  </ds:schemaRefs>
+</ds:datastoreItem>
+</file>
+
+<file path=customXml/itemProps3.xml><?xml version="1.0" encoding="utf-8"?>
 <ds:datastoreItem xmlns:ds="http://schemas.openxmlformats.org/officeDocument/2006/customXml" ds:itemID="{CCDA72B2-BCBB-44DA-B3B6-AAF9C305139D}">
   <ds:schemaRefs>
     <ds:schemaRef ds:uri="774e6f62-b8d0-415d-99f2-fa632c5f0a66"/>
@@ -7445,12 +11135,4 @@
     <ds:schemaRef ds:uri="http://www.w3.org/2001/XMLSchema"/>
   </ds:schemaRefs>
 </ds:datastoreItem>
-</file>
-
-<file path=customXml/itemProps3.xml><?xml version="1.0" encoding="utf-8"?>
-<ds:datastoreItem xmlns:ds="http://schemas.openxmlformats.org/officeDocument/2006/customXml" ds:itemID="{4E6DE0AB-2DBE-4A6F-B84A-D2BE09C73E1C}">
-  <ds:schemaRefs>
-    <ds:schemaRef ds:uri="http://schemas.microsoft.com/sharepoint/v3/contenttype/forms"/>
-  </ds:schemaRefs>
-</ds:datastoreItem>
 </file>